--- a/PPT/人工智能导论：第四章 统计机器学习.pptx
+++ b/PPT/人工智能导论：第四章 统计机器学习.pptx
@@ -322,7 +322,7 @@
             <a:fld id="{005A66E1-596A-496E-B96E-FE454130F19C}" type="datetimeFigureOut">
               <a:rPr lang="zh-CN" altLang="en-US" smtClean="0"/>
               <a:pPr/>
-              <a:t>2022/5/21</a:t>
+              <a:t>2022/6/12</a:t>
             </a:fld>
             <a:endParaRPr lang="zh-CN" altLang="en-US"/>
           </a:p>
@@ -489,7 +489,7 @@
             <a:fld id="{0102705F-8347-41A8-82E6-B2920132BF3D}" type="datetimeFigureOut">
               <a:rPr lang="en-US" smtClean="0"/>
               <a:pPr/>
-              <a:t>5/21/2022</a:t>
+              <a:t>6/12/22</a:t>
             </a:fld>
             <a:endParaRPr lang="en-US"/>
           </a:p>
@@ -4154,7 +4154,7 @@
             <a:fld id="{535101B3-0010-49BE-8236-66B90211FF04}" type="datetime1">
               <a:rPr lang="en-US" altLang="zh-CN" smtClean="0"/>
               <a:pPr/>
-              <a:t>5/21/2022</a:t>
+              <a:t>6/12/22</a:t>
             </a:fld>
             <a:endParaRPr lang="en-US"/>
           </a:p>
@@ -4507,7 +4507,7 @@
             <a:fld id="{8C97D574-52BE-4187-8AF7-E201A70CB6DC}" type="datetime1">
               <a:rPr lang="en-US" altLang="zh-CN" smtClean="0"/>
               <a:pPr/>
-              <a:t>5/21/2022</a:t>
+              <a:t>6/12/22</a:t>
             </a:fld>
             <a:endParaRPr lang="en-US"/>
           </a:p>
@@ -4683,7 +4683,7 @@
             <a:fld id="{06CC6442-F0BB-4DBA-B030-4A0192701801}" type="datetime1">
               <a:rPr lang="en-US" altLang="zh-CN" smtClean="0"/>
               <a:pPr/>
-              <a:t>5/21/2022</a:t>
+              <a:t>6/12/22</a:t>
             </a:fld>
             <a:endParaRPr lang="en-US"/>
           </a:p>
@@ -4809,7 +4809,7 @@
             <a:fld id="{79694328-A6FB-477A-B9C5-7FEFDBDE1042}" type="datetime1">
               <a:rPr lang="en-US" altLang="zh-CN" smtClean="0"/>
               <a:pPr/>
-              <a:t>5/21/2022</a:t>
+              <a:t>6/12/22</a:t>
             </a:fld>
             <a:endParaRPr lang="en-US"/>
           </a:p>
@@ -5211,7 +5211,7 @@
             <a:fld id="{25629C65-C267-4342-9116-A00B6E7C55AD}" type="datetime1">
               <a:rPr lang="en-US" altLang="zh-CN" smtClean="0"/>
               <a:pPr/>
-              <a:t>5/21/2022</a:t>
+              <a:t>6/12/22</a:t>
             </a:fld>
             <a:endParaRPr lang="en-US"/>
           </a:p>
@@ -5477,7 +5477,7 @@
             <a:fld id="{BC48BA6D-2268-450C-9E6F-6553A2809D14}" type="datetime1">
               <a:rPr lang="en-US" altLang="zh-CN" smtClean="0"/>
               <a:pPr/>
-              <a:t>5/21/2022</a:t>
+              <a:t>6/12/22</a:t>
             </a:fld>
             <a:endParaRPr lang="en-US"/>
           </a:p>
@@ -5840,7 +5840,7 @@
             <a:fld id="{81976173-FFAF-40B2-BD71-0C474124F5CA}" type="datetime1">
               <a:rPr lang="en-US" altLang="zh-CN" smtClean="0"/>
               <a:pPr/>
-              <a:t>5/21/2022</a:t>
+              <a:t>6/12/22</a:t>
             </a:fld>
             <a:endParaRPr lang="en-US"/>
           </a:p>
@@ -6068,7 +6068,7 @@
             <a:fld id="{02EAAC5F-3C7D-47E2-8137-0D0E13270C17}" type="datetime1">
               <a:rPr lang="en-US" altLang="zh-CN" smtClean="0"/>
               <a:pPr/>
-              <a:t>5/21/2022</a:t>
+              <a:t>6/12/22</a:t>
             </a:fld>
             <a:endParaRPr lang="en-US"/>
           </a:p>
@@ -6160,7 +6160,7 @@
             <a:fld id="{89B44C75-2845-4A49-8407-B10E57DDCB66}" type="datetime1">
               <a:rPr lang="en-US" altLang="zh-CN" smtClean="0"/>
               <a:pPr/>
-              <a:t>5/21/2022</a:t>
+              <a:t>6/12/22</a:t>
             </a:fld>
             <a:endParaRPr lang="en-US"/>
           </a:p>
@@ -6428,7 +6428,7 @@
             <a:fld id="{A49D93C6-C0E5-4C94-83B0-EBE524181AA9}" type="datetime1">
               <a:rPr lang="en-US" altLang="zh-CN" smtClean="0"/>
               <a:pPr/>
-              <a:t>5/21/2022</a:t>
+              <a:t>6/12/22</a:t>
             </a:fld>
             <a:endParaRPr lang="en-US"/>
           </a:p>
@@ -6657,7 +6657,7 @@
             <a:fld id="{D5A46CFF-7119-486E-A242-14937EB72380}" type="datetime1">
               <a:rPr lang="en-US" altLang="zh-CN" smtClean="0"/>
               <a:pPr/>
-              <a:t>5/21/2022</a:t>
+              <a:t>6/12/22</a:t>
             </a:fld>
             <a:endParaRPr lang="en-US"/>
           </a:p>
@@ -7156,7 +7156,7 @@
             <a:fld id="{917F057F-A64E-4BDF-9C5A-7B9C1755BBD0}" type="datetime1">
               <a:rPr lang="en-US" altLang="zh-CN" smtClean="0"/>
               <a:pPr/>
-              <a:t>5/21/2022</a:t>
+              <a:t>6/12/22</a:t>
             </a:fld>
             <a:endParaRPr lang="en-US"/>
           </a:p>
@@ -8590,7 +8590,7 @@
           <a:graphicData uri="http://schemas.openxmlformats.org/presentationml/2006/ole">
             <mc:AlternateContent xmlns:mc="http://schemas.openxmlformats.org/markup-compatibility/2006">
               <mc:Choice xmlns:v="urn:schemas-microsoft-com:vml" Requires="v">
-                <p:oleObj spid="_x0000_s388238" name="公式" r:id="rId4" imgW="761760" imgH="177480" progId="Equation.3">
+                <p:oleObj spid="_x0000_s388242" name="公式" r:id="rId4" imgW="761760" imgH="177480" progId="Equation.3">
                   <p:embed/>
                 </p:oleObj>
               </mc:Choice>
@@ -8687,7 +8687,7 @@
           <a:graphicData uri="http://schemas.openxmlformats.org/presentationml/2006/ole">
             <mc:AlternateContent xmlns:mc="http://schemas.openxmlformats.org/markup-compatibility/2006">
               <mc:Choice xmlns:v="urn:schemas-microsoft-com:vml" Requires="v">
-                <p:oleObj spid="_x0000_s388239" name="公式" r:id="rId6" imgW="253800" imgH="444240" progId="Equation.3">
+                <p:oleObj spid="_x0000_s388243" name="公式" r:id="rId6" imgW="253800" imgH="444240" progId="Equation.3">
                   <p:embed/>
                 </p:oleObj>
               </mc:Choice>
@@ -9129,7 +9129,7 @@
           <a:graphicData uri="http://schemas.openxmlformats.org/presentationml/2006/ole">
             <mc:AlternateContent xmlns:mc="http://schemas.openxmlformats.org/markup-compatibility/2006">
               <mc:Choice xmlns:v="urn:schemas-microsoft-com:vml" Requires="v">
-                <p:oleObj spid="_x0000_s389406" name="公式" r:id="rId3" imgW="1384200" imgH="228600" progId="Equation.3">
+                <p:oleObj spid="_x0000_s389414" name="公式" r:id="rId3" imgW="1384200" imgH="228600" progId="Equation.3">
                   <p:embed/>
                 </p:oleObj>
               </mc:Choice>
@@ -9205,7 +9205,7 @@
           <a:graphicData uri="http://schemas.openxmlformats.org/presentationml/2006/ole">
             <mc:AlternateContent xmlns:mc="http://schemas.openxmlformats.org/markup-compatibility/2006">
               <mc:Choice xmlns:v="urn:schemas-microsoft-com:vml" Requires="v">
-                <p:oleObj spid="_x0000_s389407" name="公式" r:id="rId5" imgW="2514600" imgH="241200" progId="Equation.3">
+                <p:oleObj spid="_x0000_s389415" name="公式" r:id="rId5" imgW="2514600" imgH="241200" progId="Equation.3">
                   <p:embed/>
                 </p:oleObj>
               </mc:Choice>
@@ -9281,7 +9281,7 @@
           <a:graphicData uri="http://schemas.openxmlformats.org/presentationml/2006/ole">
             <mc:AlternateContent xmlns:mc="http://schemas.openxmlformats.org/markup-compatibility/2006">
               <mc:Choice xmlns:v="urn:schemas-microsoft-com:vml" Requires="v">
-                <p:oleObj spid="_x0000_s389408" name="公式" r:id="rId7" imgW="1460160" imgH="228600" progId="Equation.3">
+                <p:oleObj spid="_x0000_s389416" name="公式" r:id="rId7" imgW="1460160" imgH="228600" progId="Equation.3">
                   <p:embed/>
                 </p:oleObj>
               </mc:Choice>
@@ -9357,7 +9357,7 @@
           <a:graphicData uri="http://schemas.openxmlformats.org/presentationml/2006/ole">
             <mc:AlternateContent xmlns:mc="http://schemas.openxmlformats.org/markup-compatibility/2006">
               <mc:Choice xmlns:v="urn:schemas-microsoft-com:vml" Requires="v">
-                <p:oleObj spid="_x0000_s389409" name="公式" r:id="rId9" imgW="863280" imgH="203040" progId="Equation.3">
+                <p:oleObj spid="_x0000_s389417" name="公式" r:id="rId9" imgW="863280" imgH="203040" progId="Equation.3">
                   <p:embed/>
                 </p:oleObj>
               </mc:Choice>
@@ -9625,7 +9625,7 @@
           <a:graphicData uri="http://schemas.openxmlformats.org/presentationml/2006/ole">
             <mc:AlternateContent xmlns:mc="http://schemas.openxmlformats.org/markup-compatibility/2006">
               <mc:Choice xmlns:v="urn:schemas-microsoft-com:vml" Requires="v">
-                <p:oleObj spid="_x0000_s390286" name="公式" r:id="rId3" imgW="1066680" imgH="317160" progId="Equation.3">
+                <p:oleObj spid="_x0000_s390290" name="公式" r:id="rId3" imgW="1066680" imgH="317160" progId="Equation.3">
                   <p:embed/>
                 </p:oleObj>
               </mc:Choice>
@@ -9695,7 +9695,7 @@
           <a:graphicData uri="http://schemas.openxmlformats.org/presentationml/2006/ole">
             <mc:AlternateContent xmlns:mc="http://schemas.openxmlformats.org/markup-compatibility/2006">
               <mc:Choice xmlns:v="urn:schemas-microsoft-com:vml" Requires="v">
-                <p:oleObj spid="_x0000_s390287" name="公式" r:id="rId5" imgW="660240" imgH="368280" progId="Equation.3">
+                <p:oleObj spid="_x0000_s390291" name="公式" r:id="rId5" imgW="660240" imgH="368280" progId="Equation.3">
                   <p:embed/>
                 </p:oleObj>
               </mc:Choice>
@@ -9845,7 +9845,7 @@
           <a:graphicData uri="http://schemas.openxmlformats.org/presentationml/2006/ole">
             <mc:AlternateContent xmlns:mc="http://schemas.openxmlformats.org/markup-compatibility/2006">
               <mc:Choice xmlns:v="urn:schemas-microsoft-com:vml" Requires="v">
-                <p:oleObj spid="_x0000_s391310" name="公式" r:id="rId3" imgW="1371600" imgH="533160" progId="Equation.3">
+                <p:oleObj spid="_x0000_s391314" name="公式" r:id="rId3" imgW="1371600" imgH="533160" progId="Equation.3">
                   <p:embed/>
                 </p:oleObj>
               </mc:Choice>
@@ -9915,7 +9915,7 @@
           <a:graphicData uri="http://schemas.openxmlformats.org/presentationml/2006/ole">
             <mc:AlternateContent xmlns:mc="http://schemas.openxmlformats.org/markup-compatibility/2006">
               <mc:Choice xmlns:v="urn:schemas-microsoft-com:vml" Requires="v">
-                <p:oleObj spid="_x0000_s391311" name="公式" r:id="rId5" imgW="1333440" imgH="507960" progId="Equation.3">
+                <p:oleObj spid="_x0000_s391315" name="公式" r:id="rId5" imgW="1333440" imgH="507960" progId="Equation.3">
                   <p:embed/>
                 </p:oleObj>
               </mc:Choice>
@@ -10916,7 +10916,7 @@
           <a:graphicData uri="http://schemas.openxmlformats.org/presentationml/2006/ole">
             <mc:AlternateContent xmlns:mc="http://schemas.openxmlformats.org/markup-compatibility/2006">
               <mc:Choice xmlns:v="urn:schemas-microsoft-com:vml" Requires="v">
-                <p:oleObj spid="_x0000_s392265" name="公式" r:id="rId3" imgW="152280" imgH="228600" progId="Equation.3">
+                <p:oleObj spid="_x0000_s392267" name="公式" r:id="rId3" imgW="152280" imgH="228600" progId="Equation.3">
                   <p:embed/>
                 </p:oleObj>
               </mc:Choice>
@@ -11131,7 +11131,7 @@
           <a:graphicData uri="http://schemas.openxmlformats.org/presentationml/2006/ole">
             <mc:AlternateContent xmlns:mc="http://schemas.openxmlformats.org/markup-compatibility/2006">
               <mc:Choice xmlns:v="urn:schemas-microsoft-com:vml" Requires="v">
-                <p:oleObj spid="_x0000_s393288" name="公式" r:id="rId4" imgW="520560" imgH="1320480" progId="Equation.3">
+                <p:oleObj spid="_x0000_s393290" name="公式" r:id="rId4" imgW="520560" imgH="1320480" progId="Equation.3">
                   <p:embed/>
                 </p:oleObj>
               </mc:Choice>
@@ -11281,7 +11281,7 @@
           <a:graphicData uri="http://schemas.openxmlformats.org/presentationml/2006/ole">
             <mc:AlternateContent xmlns:mc="http://schemas.openxmlformats.org/markup-compatibility/2006">
               <mc:Choice xmlns:v="urn:schemas-microsoft-com:vml" Requires="v">
-                <p:oleObj spid="_x0000_s394312" name="公式" r:id="rId3" imgW="2425680" imgH="1993680" progId="Equation.3">
+                <p:oleObj spid="_x0000_s394314" name="公式" r:id="rId3" imgW="2425680" imgH="1993680" progId="Equation.3">
                   <p:embed/>
                 </p:oleObj>
               </mc:Choice>
@@ -11470,7 +11470,7 @@
           <a:graphicData uri="http://schemas.openxmlformats.org/presentationml/2006/ole">
             <mc:AlternateContent xmlns:mc="http://schemas.openxmlformats.org/markup-compatibility/2006">
               <mc:Choice xmlns:v="urn:schemas-microsoft-com:vml" Requires="v">
-                <p:oleObj spid="_x0000_s395554" name="公式" r:id="rId3" imgW="330120" imgH="304560" progId="Equation.3">
+                <p:oleObj spid="_x0000_s395562" name="公式" r:id="rId3" imgW="330120" imgH="304560" progId="Equation.3">
                   <p:embed/>
                 </p:oleObj>
               </mc:Choice>
@@ -11537,7 +11537,7 @@
           <a:graphicData uri="http://schemas.openxmlformats.org/presentationml/2006/ole">
             <mc:AlternateContent xmlns:mc="http://schemas.openxmlformats.org/markup-compatibility/2006">
               <mc:Choice xmlns:v="urn:schemas-microsoft-com:vml" Requires="v">
-                <p:oleObj spid="_x0000_s395555" name="公式" r:id="rId5" imgW="190440" imgH="266400" progId="Equation.3">
+                <p:oleObj spid="_x0000_s395563" name="公式" r:id="rId5" imgW="190440" imgH="266400" progId="Equation.3">
                   <p:embed/>
                 </p:oleObj>
               </mc:Choice>
@@ -11613,7 +11613,7 @@
           <a:graphicData uri="http://schemas.openxmlformats.org/presentationml/2006/ole">
             <mc:AlternateContent xmlns:mc="http://schemas.openxmlformats.org/markup-compatibility/2006">
               <mc:Choice xmlns:v="urn:schemas-microsoft-com:vml" Requires="v">
-                <p:oleObj spid="_x0000_s395556" name="公式" r:id="rId7" imgW="380880" imgH="279360" progId="Equation.3">
+                <p:oleObj spid="_x0000_s395564" name="公式" r:id="rId7" imgW="380880" imgH="279360" progId="Equation.3">
                   <p:embed/>
                 </p:oleObj>
               </mc:Choice>
@@ -11689,7 +11689,7 @@
           <a:graphicData uri="http://schemas.openxmlformats.org/presentationml/2006/ole">
             <mc:AlternateContent xmlns:mc="http://schemas.openxmlformats.org/markup-compatibility/2006">
               <mc:Choice xmlns:v="urn:schemas-microsoft-com:vml" Requires="v">
-                <p:oleObj spid="_x0000_s395557" name="公式" r:id="rId9" imgW="2768400" imgH="660240" progId="Equation.3">
+                <p:oleObj spid="_x0000_s395565" name="公式" r:id="rId9" imgW="2768400" imgH="660240" progId="Equation.3">
                   <p:embed/>
                 </p:oleObj>
               </mc:Choice>
@@ -12629,7 +12629,7 @@
           <a:graphicData uri="http://schemas.openxmlformats.org/presentationml/2006/ole">
             <mc:AlternateContent xmlns:mc="http://schemas.openxmlformats.org/markup-compatibility/2006">
               <mc:Choice xmlns:v="urn:schemas-microsoft-com:vml" Requires="v">
-                <p:oleObj spid="_x0000_s396570" name="公式" r:id="rId4" imgW="736560" imgH="177480" progId="Equation.3">
+                <p:oleObj spid="_x0000_s396578" name="公式" r:id="rId4" imgW="736560" imgH="177480" progId="Equation.3">
                   <p:embed/>
                 </p:oleObj>
               </mc:Choice>
@@ -12726,7 +12726,7 @@
           <a:graphicData uri="http://schemas.openxmlformats.org/presentationml/2006/ole">
             <mc:AlternateContent xmlns:mc="http://schemas.openxmlformats.org/markup-compatibility/2006">
               <mc:Choice xmlns:v="urn:schemas-microsoft-com:vml" Requires="v">
-                <p:oleObj spid="_x0000_s396571" name="公式" r:id="rId6" imgW="253800" imgH="444240" progId="Equation.3">
+                <p:oleObj spid="_x0000_s396579" name="公式" r:id="rId6" imgW="253800" imgH="444240" progId="Equation.3">
                   <p:embed/>
                 </p:oleObj>
               </mc:Choice>
@@ -12897,7 +12897,7 @@
           <a:graphicData uri="http://schemas.openxmlformats.org/presentationml/2006/ole">
             <mc:AlternateContent xmlns:mc="http://schemas.openxmlformats.org/markup-compatibility/2006">
               <mc:Choice xmlns:v="urn:schemas-microsoft-com:vml" Requires="v">
-                <p:oleObj spid="_x0000_s396572" name="公式" r:id="rId8" imgW="711000" imgH="177480" progId="Equation.3">
+                <p:oleObj spid="_x0000_s396580" name="公式" r:id="rId8" imgW="711000" imgH="177480" progId="Equation.3">
                   <p:embed/>
                 </p:oleObj>
               </mc:Choice>
@@ -12967,7 +12967,7 @@
           <a:graphicData uri="http://schemas.openxmlformats.org/presentationml/2006/ole">
             <mc:AlternateContent xmlns:mc="http://schemas.openxmlformats.org/markup-compatibility/2006">
               <mc:Choice xmlns:v="urn:schemas-microsoft-com:vml" Requires="v">
-                <p:oleObj spid="_x0000_s396573" name="公式" r:id="rId10" imgW="812520" imgH="177480" progId="Equation.3">
+                <p:oleObj spid="_x0000_s396581" name="公式" r:id="rId10" imgW="812520" imgH="177480" progId="Equation.3">
                   <p:embed/>
                 </p:oleObj>
               </mc:Choice>
@@ -13173,7 +13173,7 @@
           <a:graphicData uri="http://schemas.openxmlformats.org/presentationml/2006/ole">
             <mc:AlternateContent xmlns:mc="http://schemas.openxmlformats.org/markup-compatibility/2006">
               <mc:Choice xmlns:v="urn:schemas-microsoft-com:vml" Requires="v">
-                <p:oleObj spid="_x0000_s398506" name="公式" r:id="rId4" imgW="3746160" imgH="698400" progId="Equation.3">
+                <p:oleObj spid="_x0000_s398512" name="公式" r:id="rId4" imgW="3746160" imgH="698400" progId="Equation.3">
                   <p:embed/>
                 </p:oleObj>
               </mc:Choice>
@@ -13234,7 +13234,7 @@
           <a:graphicData uri="http://schemas.openxmlformats.org/presentationml/2006/ole">
             <mc:AlternateContent xmlns:mc="http://schemas.openxmlformats.org/markup-compatibility/2006">
               <mc:Choice xmlns:v="urn:schemas-microsoft-com:vml" Requires="v">
-                <p:oleObj spid="_x0000_s398507" name="公式" r:id="rId6" imgW="2768400" imgH="660240" progId="Equation.3">
+                <p:oleObj spid="_x0000_s398513" name="公式" r:id="rId6" imgW="2768400" imgH="660240" progId="Equation.3">
                   <p:embed/>
                 </p:oleObj>
               </mc:Choice>
@@ -13304,7 +13304,7 @@
           <a:graphicData uri="http://schemas.openxmlformats.org/presentationml/2006/ole">
             <mc:AlternateContent xmlns:mc="http://schemas.openxmlformats.org/markup-compatibility/2006">
               <mc:Choice xmlns:v="urn:schemas-microsoft-com:vml" Requires="v">
-                <p:oleObj spid="_x0000_s398508" name="公式" r:id="rId8" imgW="1523880" imgH="228600" progId="Equation.3">
+                <p:oleObj spid="_x0000_s398514" name="公式" r:id="rId8" imgW="1523880" imgH="228600" progId="Equation.3">
                   <p:embed/>
                 </p:oleObj>
               </mc:Choice>
@@ -13748,7 +13748,7 @@
           <a:graphicData uri="http://schemas.openxmlformats.org/presentationml/2006/ole">
             <mc:AlternateContent xmlns:mc="http://schemas.openxmlformats.org/markup-compatibility/2006">
               <mc:Choice xmlns:v="urn:schemas-microsoft-com:vml" Requires="v">
-                <p:oleObj spid="_x0000_s447574" name="公式" r:id="rId4" imgW="3111480" imgH="444240" progId="Equation.3">
+                <p:oleObj spid="_x0000_s447580" name="公式" r:id="rId4" imgW="3111480" imgH="444240" progId="Equation.3">
                   <p:embed/>
                 </p:oleObj>
               </mc:Choice>
@@ -13838,7 +13838,7 @@
           <a:graphicData uri="http://schemas.openxmlformats.org/presentationml/2006/ole">
             <mc:AlternateContent xmlns:mc="http://schemas.openxmlformats.org/markup-compatibility/2006">
               <mc:Choice xmlns:v="urn:schemas-microsoft-com:vml" Requires="v">
-                <p:oleObj spid="_x0000_s447575" name="公式" r:id="rId6" imgW="3149280" imgH="660240" progId="Equation.3">
+                <p:oleObj spid="_x0000_s447581" name="公式" r:id="rId6" imgW="3149280" imgH="660240" progId="Equation.3">
                   <p:embed/>
                 </p:oleObj>
               </mc:Choice>
@@ -13899,7 +13899,7 @@
           <a:graphicData uri="http://schemas.openxmlformats.org/presentationml/2006/ole">
             <mc:AlternateContent xmlns:mc="http://schemas.openxmlformats.org/markup-compatibility/2006">
               <mc:Choice xmlns:v="urn:schemas-microsoft-com:vml" Requires="v">
-                <p:oleObj spid="_x0000_s447576" name="公式" r:id="rId8" imgW="2806560" imgH="291960" progId="Equation.3">
+                <p:oleObj spid="_x0000_s447582" name="公式" r:id="rId8" imgW="2806560" imgH="291960" progId="Equation.3">
                   <p:embed/>
                 </p:oleObj>
               </mc:Choice>
@@ -14432,7 +14432,7 @@
           <a:graphicData uri="http://schemas.openxmlformats.org/presentationml/2006/ole">
             <mc:AlternateContent xmlns:mc="http://schemas.openxmlformats.org/markup-compatibility/2006">
               <mc:Choice xmlns:v="urn:schemas-microsoft-com:vml" Requires="v">
-                <p:oleObj spid="_x0000_s448586" name="公式" r:id="rId4" imgW="1282680" imgH="291960" progId="Equation.3">
+                <p:oleObj spid="_x0000_s448592" name="公式" r:id="rId4" imgW="1282680" imgH="291960" progId="Equation.3">
                   <p:embed/>
                 </p:oleObj>
               </mc:Choice>
@@ -14493,7 +14493,7 @@
           <a:graphicData uri="http://schemas.openxmlformats.org/presentationml/2006/ole">
             <mc:AlternateContent xmlns:mc="http://schemas.openxmlformats.org/markup-compatibility/2006">
               <mc:Choice xmlns:v="urn:schemas-microsoft-com:vml" Requires="v">
-                <p:oleObj spid="_x0000_s448587" name="公式" r:id="rId6" imgW="3047760" imgH="291960" progId="Equation.3">
+                <p:oleObj spid="_x0000_s448593" name="公式" r:id="rId6" imgW="3047760" imgH="291960" progId="Equation.3">
                   <p:embed/>
                 </p:oleObj>
               </mc:Choice>
@@ -14554,7 +14554,7 @@
           <a:graphicData uri="http://schemas.openxmlformats.org/presentationml/2006/ole">
             <mc:AlternateContent xmlns:mc="http://schemas.openxmlformats.org/markup-compatibility/2006">
               <mc:Choice xmlns:v="urn:schemas-microsoft-com:vml" Requires="v">
-                <p:oleObj spid="_x0000_s448588" name="公式" r:id="rId8" imgW="2755800" imgH="291960" progId="Equation.3">
+                <p:oleObj spid="_x0000_s448594" name="公式" r:id="rId8" imgW="2755800" imgH="291960" progId="Equation.3">
                   <p:embed/>
                 </p:oleObj>
               </mc:Choice>
@@ -14909,7 +14909,7 @@
           <a:graphicData uri="http://schemas.openxmlformats.org/presentationml/2006/ole">
             <mc:AlternateContent xmlns:mc="http://schemas.openxmlformats.org/markup-compatibility/2006">
               <mc:Choice xmlns:v="urn:schemas-microsoft-com:vml" Requires="v">
-                <p:oleObj spid="_x0000_s449581" name="公式" r:id="rId4" imgW="3619440" imgH="965160" progId="Equation.3">
+                <p:oleObj spid="_x0000_s449585" name="公式" r:id="rId4" imgW="3619440" imgH="965160" progId="Equation.3">
                   <p:embed/>
                 </p:oleObj>
               </mc:Choice>
@@ -14970,7 +14970,7 @@
           <a:graphicData uri="http://schemas.openxmlformats.org/presentationml/2006/ole">
             <mc:AlternateContent xmlns:mc="http://schemas.openxmlformats.org/markup-compatibility/2006">
               <mc:Choice xmlns:v="urn:schemas-microsoft-com:vml" Requires="v">
-                <p:oleObj spid="_x0000_s449582" name="公式" r:id="rId6" imgW="1904760" imgH="1422360" progId="Equation.3">
+                <p:oleObj spid="_x0000_s449586" name="公式" r:id="rId6" imgW="1904760" imgH="1422360" progId="Equation.3">
                   <p:embed/>
                 </p:oleObj>
               </mc:Choice>
@@ -15224,7 +15224,7 @@
           <a:graphicData uri="http://schemas.openxmlformats.org/presentationml/2006/ole">
             <mc:AlternateContent xmlns:mc="http://schemas.openxmlformats.org/markup-compatibility/2006">
               <mc:Choice xmlns:v="urn:schemas-microsoft-com:vml" Requires="v">
-                <p:oleObj spid="_x0000_s399504" name="公式" r:id="rId3" imgW="2349360" imgH="888840" progId="Equation.3">
+                <p:oleObj spid="_x0000_s399508" name="公式" r:id="rId3" imgW="2349360" imgH="888840" progId="Equation.3">
                   <p:embed/>
                 </p:oleObj>
               </mc:Choice>
@@ -15291,7 +15291,7 @@
           <a:graphicData uri="http://schemas.openxmlformats.org/presentationml/2006/ole">
             <mc:AlternateContent xmlns:mc="http://schemas.openxmlformats.org/markup-compatibility/2006">
               <mc:Choice xmlns:v="urn:schemas-microsoft-com:vml" Requires="v">
-                <p:oleObj spid="_x0000_s399505" name="公式" r:id="rId5" imgW="2920680" imgH="482400" progId="Equation.3">
+                <p:oleObj spid="_x0000_s399509" name="公式" r:id="rId5" imgW="2920680" imgH="482400" progId="Equation.3">
                   <p:embed/>
                 </p:oleObj>
               </mc:Choice>
@@ -15430,7 +15430,7 @@
           <a:graphicData uri="http://schemas.openxmlformats.org/presentationml/2006/ole">
             <mc:AlternateContent xmlns:mc="http://schemas.openxmlformats.org/markup-compatibility/2006">
               <mc:Choice xmlns:v="urn:schemas-microsoft-com:vml" Requires="v">
-                <p:oleObj spid="_x0000_s400456" name="公式" r:id="rId3" imgW="2247840" imgH="1130040" progId="Equation.3">
+                <p:oleObj spid="_x0000_s400458" name="公式" r:id="rId3" imgW="2247840" imgH="1130040" progId="Equation.3">
                   <p:embed/>
                 </p:oleObj>
               </mc:Choice>
@@ -15566,7 +15566,7 @@
           <a:graphicData uri="http://schemas.openxmlformats.org/presentationml/2006/ole">
             <mc:AlternateContent xmlns:mc="http://schemas.openxmlformats.org/markup-compatibility/2006">
               <mc:Choice xmlns:v="urn:schemas-microsoft-com:vml" Requires="v">
-                <p:oleObj spid="_x0000_s450594" name="公式" r:id="rId3" imgW="1904760" imgH="711000" progId="Equation.3">
+                <p:oleObj spid="_x0000_s450598" name="公式" r:id="rId3" imgW="1904760" imgH="711000" progId="Equation.3">
                   <p:embed/>
                 </p:oleObj>
               </mc:Choice>
@@ -15632,7 +15632,7 @@
           <a:graphicData uri="http://schemas.openxmlformats.org/presentationml/2006/ole">
             <mc:AlternateContent xmlns:mc="http://schemas.openxmlformats.org/markup-compatibility/2006">
               <mc:Choice xmlns:v="urn:schemas-microsoft-com:vml" Requires="v">
-                <p:oleObj spid="_x0000_s450595" name="公式" r:id="rId5" imgW="2705040" imgH="2108160" progId="Equation.3">
+                <p:oleObj spid="_x0000_s450599" name="公式" r:id="rId5" imgW="2705040" imgH="2108160" progId="Equation.3">
                   <p:embed/>
                 </p:oleObj>
               </mc:Choice>
@@ -15873,7 +15873,7 @@
           <a:graphicData uri="http://schemas.openxmlformats.org/presentationml/2006/ole">
             <mc:AlternateContent xmlns:mc="http://schemas.openxmlformats.org/markup-compatibility/2006">
               <mc:Choice xmlns:v="urn:schemas-microsoft-com:vml" Requires="v">
-                <p:oleObj spid="_x0000_s402522" name="公式" r:id="rId3" imgW="3238200" imgH="2311200" progId="Equation.3">
+                <p:oleObj spid="_x0000_s402526" name="公式" r:id="rId3" imgW="3238200" imgH="2311200" progId="Equation.3">
                   <p:embed/>
                 </p:oleObj>
               </mc:Choice>
@@ -15943,7 +15943,7 @@
           <a:graphicData uri="http://schemas.openxmlformats.org/presentationml/2006/ole">
             <mc:AlternateContent xmlns:mc="http://schemas.openxmlformats.org/markup-compatibility/2006">
               <mc:Choice xmlns:v="urn:schemas-microsoft-com:vml" Requires="v">
-                <p:oleObj spid="_x0000_s402523" name="公式" r:id="rId5" imgW="1904760" imgH="1422360" progId="Equation.3">
+                <p:oleObj spid="_x0000_s402527" name="公式" r:id="rId5" imgW="1904760" imgH="1422360" progId="Equation.3">
                   <p:embed/>
                 </p:oleObj>
               </mc:Choice>
@@ -16399,7 +16399,7 @@
           <a:graphicData uri="http://schemas.openxmlformats.org/presentationml/2006/ole">
             <mc:AlternateContent xmlns:mc="http://schemas.openxmlformats.org/markup-compatibility/2006">
               <mc:Choice xmlns:v="urn:schemas-microsoft-com:vml" Requires="v">
-                <p:oleObj spid="_x0000_s403528" name="公式" r:id="rId3" imgW="2247840" imgH="1130040" progId="Equation.3">
+                <p:oleObj spid="_x0000_s403530" name="公式" r:id="rId3" imgW="2247840" imgH="1130040" progId="Equation.3">
                   <p:embed/>
                 </p:oleObj>
               </mc:Choice>
@@ -16664,7 +16664,7 @@
           <a:graphicData uri="http://schemas.openxmlformats.org/presentationml/2006/ole">
             <mc:AlternateContent xmlns:mc="http://schemas.openxmlformats.org/markup-compatibility/2006">
               <mc:Choice xmlns:v="urn:schemas-microsoft-com:vml" Requires="v">
-                <p:oleObj spid="_x0000_s404552" name="公式" r:id="rId3" imgW="2882880" imgH="1549080" progId="Equation.3">
+                <p:oleObj spid="_x0000_s404554" name="公式" r:id="rId3" imgW="2882880" imgH="1549080" progId="Equation.3">
                   <p:embed/>
                 </p:oleObj>
               </mc:Choice>
@@ -16761,26 +16761,7 @@
             <a:pPr>
               <a:defRPr/>
             </a:pPr>
-            <a:endParaRPr lang="zh-CN" altLang="en-US"/>
-          </a:p>
-        </p:txBody>
-      </p:sp>
-      <p:sp>
-        <p:nvSpPr>
-          <p:cNvPr id="27652" name="内容占位符 2"/>
-          <p:cNvSpPr>
-            <a:spLocks noGrp="1"/>
-          </p:cNvSpPr>
-          <p:nvPr>
-            <p:ph idx="1"/>
-          </p:nvPr>
-        </p:nvSpPr>
-        <p:spPr/>
-        <p:txBody>
-          <a:bodyPr/>
-          <a:lstStyle/>
-          <a:p>
-            <a:endParaRPr lang="zh-CN" altLang="en-US"/>
+            <a:endParaRPr lang="zh-CN" altLang="en-US" dirty="0"/>
           </a:p>
         </p:txBody>
       </p:sp>
@@ -16820,17 +16801,23 @@
           <p:cNvGraphicFramePr>
             <a:graphicFrameLocks noChangeAspect="1"/>
           </p:cNvGraphicFramePr>
-          <p:nvPr/>
+          <p:nvPr>
+            <p:extLst>
+              <p:ext uri="{D42A27DB-BD31-4B8C-83A1-F6EECF244321}">
+                <p14:modId xmlns:p14="http://schemas.microsoft.com/office/powerpoint/2010/main" val="3053029153"/>
+              </p:ext>
+            </p:extLst>
+          </p:nvPr>
         </p:nvGraphicFramePr>
         <p:xfrm>
-          <a:off x="865188" y="1401763"/>
+          <a:off x="1020762" y="2181225"/>
           <a:ext cx="7102475" cy="4029075"/>
         </p:xfrm>
         <a:graphic>
           <a:graphicData uri="http://schemas.openxmlformats.org/presentationml/2006/ole">
             <mc:AlternateContent xmlns:mc="http://schemas.openxmlformats.org/markup-compatibility/2006">
               <mc:Choice xmlns:v="urn:schemas-microsoft-com:vml" Requires="v">
-                <p:oleObj spid="_x0000_s405576" name="公式" r:id="rId3" imgW="2781000" imgH="1574640" progId="Equation.3">
+                <p:oleObj spid="_x0000_s405578" name="公式" r:id="rId3" imgW="2781000" imgH="1574640" progId="Equation.3">
                   <p:embed/>
                 </p:oleObj>
               </mc:Choice>
@@ -16860,7 +16847,7 @@
                     </p:blipFill>
                     <p:spPr bwMode="auto">
                       <a:xfrm>
-                        <a:off x="865188" y="1401763"/>
+                        <a:off x="1020762" y="2181225"/>
                         <a:ext cx="7102475" cy="4029075"/>
                       </a:xfrm>
                       <a:prstGeom prst="rect">
@@ -16884,6 +16871,38 @@
           </a:graphicData>
         </a:graphic>
       </p:graphicFrame>
+      <p:sp>
+        <p:nvSpPr>
+          <p:cNvPr id="3" name="TextBox 2">
+            <a:extLst>
+              <a:ext uri="{FF2B5EF4-FFF2-40B4-BE49-F238E27FC236}">
+                <a16:creationId xmlns:a16="http://schemas.microsoft.com/office/drawing/2014/main" id="{5B93A629-120C-894C-B9CB-E6576E7BB597}"/>
+              </a:ext>
+            </a:extLst>
+          </p:cNvPr>
+          <p:cNvSpPr txBox="1"/>
+          <p:nvPr/>
+        </p:nvSpPr>
+        <p:spPr>
+          <a:xfrm>
+            <a:off x="2082188" y="1520328"/>
+            <a:ext cx="184731" cy="369332"/>
+          </a:xfrm>
+          <a:prstGeom prst="rect">
+            <a:avLst/>
+          </a:prstGeom>
+          <a:noFill/>
+        </p:spPr>
+        <p:txBody>
+          <a:bodyPr wrap="none" rtlCol="0">
+            <a:spAutoFit/>
+          </a:bodyPr>
+          <a:lstStyle/>
+          <a:p>
+            <a:endParaRPr lang="en-US"/>
+          </a:p>
+        </p:txBody>
+      </p:sp>
     </p:spTree>
   </p:cSld>
   <p:clrMapOvr>
@@ -17261,7 +17280,7 @@
           <a:graphicData uri="http://schemas.openxmlformats.org/presentationml/2006/ole">
             <mc:AlternateContent xmlns:mc="http://schemas.openxmlformats.org/markup-compatibility/2006">
               <mc:Choice xmlns:v="urn:schemas-microsoft-com:vml" Requires="v">
-                <p:oleObj spid="_x0000_s406600" name="公式" r:id="rId3" imgW="2692080" imgH="1942920" progId="Equation.3">
+                <p:oleObj spid="_x0000_s406602" name="公式" r:id="rId3" imgW="2692080" imgH="1942920" progId="Equation.3">
                   <p:embed/>
                 </p:oleObj>
               </mc:Choice>
@@ -17427,7 +17446,7 @@
           <a:graphicData uri="http://schemas.openxmlformats.org/presentationml/2006/ole">
             <mc:AlternateContent xmlns:mc="http://schemas.openxmlformats.org/markup-compatibility/2006">
               <mc:Choice xmlns:v="urn:schemas-microsoft-com:vml" Requires="v">
-                <p:oleObj spid="_x0000_s407624" name="公式" r:id="rId4" imgW="3085920" imgH="1739880" progId="Equation.3">
+                <p:oleObj spid="_x0000_s407626" name="公式" r:id="rId4" imgW="3085920" imgH="1739880" progId="Equation.3">
                   <p:embed/>
                 </p:oleObj>
               </mc:Choice>
@@ -20458,7 +20477,7 @@
           <a:graphicData uri="http://schemas.openxmlformats.org/presentationml/2006/ole">
             <mc:AlternateContent xmlns:mc="http://schemas.openxmlformats.org/markup-compatibility/2006">
               <mc:Choice xmlns:v="urn:schemas-microsoft-com:vml" Requires="v">
-                <p:oleObj spid="_x0000_s446528" name="公式" r:id="rId4" imgW="152280" imgH="228600" progId="Equation.3">
+                <p:oleObj spid="_x0000_s446532" name="公式" r:id="rId4" imgW="152280" imgH="228600" progId="Equation.3">
                   <p:embed/>
                 </p:oleObj>
               </mc:Choice>
@@ -20522,7 +20541,7 @@
           <a:graphicData uri="http://schemas.openxmlformats.org/presentationml/2006/ole">
             <mc:AlternateContent xmlns:mc="http://schemas.openxmlformats.org/markup-compatibility/2006">
               <mc:Choice xmlns:v="urn:schemas-microsoft-com:vml" Requires="v">
-                <p:oleObj spid="_x0000_s446529" name="公式" r:id="rId6" imgW="152280" imgH="228600" progId="Equation.3">
+                <p:oleObj spid="_x0000_s446533" name="公式" r:id="rId6" imgW="152280" imgH="228600" progId="Equation.3">
                   <p:embed/>
                 </p:oleObj>
               </mc:Choice>
@@ -20931,7 +20950,7 @@
           <a:graphicData uri="http://schemas.openxmlformats.org/presentationml/2006/ole">
             <mc:AlternateContent xmlns:mc="http://schemas.openxmlformats.org/markup-compatibility/2006">
               <mc:Choice xmlns:v="urn:schemas-microsoft-com:vml" Requires="v">
-                <p:oleObj spid="_x0000_s408794" name="公式" r:id="rId4" imgW="2768400" imgH="660240" progId="Equation.3">
+                <p:oleObj spid="_x0000_s408800" name="公式" r:id="rId4" imgW="2768400" imgH="660240" progId="Equation.3">
                   <p:embed/>
                 </p:oleObj>
               </mc:Choice>
@@ -20995,7 +21014,7 @@
           <a:graphicData uri="http://schemas.openxmlformats.org/presentationml/2006/ole">
             <mc:AlternateContent xmlns:mc="http://schemas.openxmlformats.org/markup-compatibility/2006">
               <mc:Choice xmlns:v="urn:schemas-microsoft-com:vml" Requires="v">
-                <p:oleObj spid="_x0000_s408795" name="公式" r:id="rId6" imgW="152280" imgH="228600" progId="Equation.3">
+                <p:oleObj spid="_x0000_s408801" name="公式" r:id="rId6" imgW="152280" imgH="228600" progId="Equation.3">
                   <p:embed/>
                 </p:oleObj>
               </mc:Choice>
@@ -21065,7 +21084,7 @@
           <a:graphicData uri="http://schemas.openxmlformats.org/presentationml/2006/ole">
             <mc:AlternateContent xmlns:mc="http://schemas.openxmlformats.org/markup-compatibility/2006">
               <mc:Choice xmlns:v="urn:schemas-microsoft-com:vml" Requires="v">
-                <p:oleObj spid="_x0000_s408796" name="公式" r:id="rId8" imgW="2438280" imgH="228600" progId="Equation.3">
+                <p:oleObj spid="_x0000_s408802" name="公式" r:id="rId8" imgW="2438280" imgH="228600" progId="Equation.3">
                   <p:embed/>
                 </p:oleObj>
               </mc:Choice>
@@ -21285,7 +21304,7 @@
           <a:graphicData uri="http://schemas.openxmlformats.org/presentationml/2006/ole">
             <mc:AlternateContent xmlns:mc="http://schemas.openxmlformats.org/markup-compatibility/2006">
               <mc:Choice xmlns:v="urn:schemas-microsoft-com:vml" Requires="v">
-                <p:oleObj spid="_x0000_s409744" name="公式" r:id="rId3" imgW="152280" imgH="228600" progId="Equation.3">
+                <p:oleObj spid="_x0000_s409748" name="公式" r:id="rId3" imgW="152280" imgH="228600" progId="Equation.3">
                   <p:embed/>
                 </p:oleObj>
               </mc:Choice>
@@ -21361,7 +21380,7 @@
           <a:graphicData uri="http://schemas.openxmlformats.org/presentationml/2006/ole">
             <mc:AlternateContent xmlns:mc="http://schemas.openxmlformats.org/markup-compatibility/2006">
               <mc:Choice xmlns:v="urn:schemas-microsoft-com:vml" Requires="v">
-                <p:oleObj spid="_x0000_s409745" name="公式" r:id="rId5" imgW="1434960" imgH="482400" progId="Equation.3">
+                <p:oleObj spid="_x0000_s409749" name="公式" r:id="rId5" imgW="1434960" imgH="482400" progId="Equation.3">
                   <p:embed/>
                 </p:oleObj>
               </mc:Choice>
@@ -21566,7 +21585,7 @@
           <a:graphicData uri="http://schemas.openxmlformats.org/presentationml/2006/ole">
             <mc:AlternateContent xmlns:mc="http://schemas.openxmlformats.org/markup-compatibility/2006">
               <mc:Choice xmlns:v="urn:schemas-microsoft-com:vml" Requires="v">
-                <p:oleObj spid="_x0000_s410697" name="公式" r:id="rId3" imgW="3111480" imgH="965160" progId="Equation.3">
+                <p:oleObj spid="_x0000_s410699" name="公式" r:id="rId3" imgW="3111480" imgH="965160" progId="Equation.3">
                   <p:embed/>
                 </p:oleObj>
               </mc:Choice>
@@ -21720,7 +21739,7 @@
           <a:graphicData uri="http://schemas.openxmlformats.org/presentationml/2006/ole">
             <mc:AlternateContent xmlns:mc="http://schemas.openxmlformats.org/markup-compatibility/2006">
               <mc:Choice xmlns:v="urn:schemas-microsoft-com:vml" Requires="v">
-                <p:oleObj spid="_x0000_s411721" name="公式" r:id="rId4" imgW="2247840" imgH="1371600" progId="Equation.3">
+                <p:oleObj spid="_x0000_s411723" name="公式" r:id="rId4" imgW="2247840" imgH="1371600" progId="Equation.3">
                   <p:embed/>
                 </p:oleObj>
               </mc:Choice>
@@ -21893,7 +21912,7 @@
           <a:graphicData uri="http://schemas.openxmlformats.org/presentationml/2006/ole">
             <mc:AlternateContent xmlns:mc="http://schemas.openxmlformats.org/markup-compatibility/2006">
               <mc:Choice xmlns:v="urn:schemas-microsoft-com:vml" Requires="v">
-                <p:oleObj spid="_x0000_s412745" name="公式" r:id="rId4" imgW="2082600" imgH="1422360" progId="Equation.3">
+                <p:oleObj spid="_x0000_s412747" name="公式" r:id="rId4" imgW="2082600" imgH="1422360" progId="Equation.3">
                   <p:embed/>
                 </p:oleObj>
               </mc:Choice>
@@ -22520,7 +22539,7 @@
           <a:graphicData uri="http://schemas.openxmlformats.org/presentationml/2006/ole">
             <mc:AlternateContent xmlns:mc="http://schemas.openxmlformats.org/markup-compatibility/2006">
               <mc:Choice xmlns:v="urn:schemas-microsoft-com:vml" Requires="v">
-                <p:oleObj spid="_x0000_s413838" name="公式" r:id="rId3" imgW="1460160" imgH="228600" progId="Equation.3">
+                <p:oleObj spid="_x0000_s413842" name="公式" r:id="rId3" imgW="1460160" imgH="228600" progId="Equation.3">
                   <p:embed/>
                 </p:oleObj>
               </mc:Choice>
@@ -22590,7 +22609,7 @@
           <a:graphicData uri="http://schemas.openxmlformats.org/presentationml/2006/ole">
             <mc:AlternateContent xmlns:mc="http://schemas.openxmlformats.org/markup-compatibility/2006">
               <mc:Choice xmlns:v="urn:schemas-microsoft-com:vml" Requires="v">
-                <p:oleObj spid="_x0000_s413839" name="公式" r:id="rId5" imgW="863280" imgH="203040" progId="Equation.3">
+                <p:oleObj spid="_x0000_s413843" name="公式" r:id="rId5" imgW="863280" imgH="203040" progId="Equation.3">
                   <p:embed/>
                 </p:oleObj>
               </mc:Choice>
@@ -22721,7 +22740,7 @@
           <a:graphicData uri="http://schemas.openxmlformats.org/presentationml/2006/ole">
             <mc:AlternateContent xmlns:mc="http://schemas.openxmlformats.org/markup-compatibility/2006">
               <mc:Choice xmlns:v="urn:schemas-microsoft-com:vml" Requires="v">
-                <p:oleObj spid="_x0000_s414794" name="公式" r:id="rId4" imgW="2311200" imgH="1714320" progId="Equation.3">
+                <p:oleObj spid="_x0000_s414796" name="公式" r:id="rId4" imgW="2311200" imgH="1714320" progId="Equation.3">
                   <p:embed/>
                 </p:oleObj>
               </mc:Choice>
@@ -23027,7 +23046,7 @@
           <a:graphicData uri="http://schemas.openxmlformats.org/presentationml/2006/ole">
             <mc:AlternateContent xmlns:mc="http://schemas.openxmlformats.org/markup-compatibility/2006">
               <mc:Choice xmlns:v="urn:schemas-microsoft-com:vml" Requires="v">
-                <p:oleObj spid="_x0000_s415888" name="公式" r:id="rId4" imgW="1600200" imgH="406080" progId="Equation.3">
+                <p:oleObj spid="_x0000_s415892" name="公式" r:id="rId4" imgW="1600200" imgH="406080" progId="Equation.3">
                   <p:embed/>
                 </p:oleObj>
               </mc:Choice>
@@ -23948,7 +23967,7 @@
           <a:graphicData uri="http://schemas.openxmlformats.org/presentationml/2006/ole">
             <mc:AlternateContent xmlns:mc="http://schemas.openxmlformats.org/markup-compatibility/2006">
               <mc:Choice xmlns:v="urn:schemas-microsoft-com:vml" Requires="v">
-                <p:oleObj spid="_x0000_s415889" name="公式" r:id="rId6" imgW="253800" imgH="444240" progId="Equation.3">
+                <p:oleObj spid="_x0000_s415893" name="公式" r:id="rId6" imgW="253800" imgH="444240" progId="Equation.3">
                   <p:embed/>
                 </p:oleObj>
               </mc:Choice>
@@ -25630,7 +25649,7 @@
           <a:graphicData uri="http://schemas.openxmlformats.org/presentationml/2006/ole">
             <mc:AlternateContent xmlns:mc="http://schemas.openxmlformats.org/markup-compatibility/2006">
               <mc:Choice xmlns:v="urn:schemas-microsoft-com:vml" Requires="v">
-                <p:oleObj spid="_x0000_s416840" name="公式" r:id="rId3" imgW="2019240" imgH="1904760" progId="Equation.3">
+                <p:oleObj spid="_x0000_s416842" name="公式" r:id="rId3" imgW="2019240" imgH="1904760" progId="Equation.3">
                   <p:embed/>
                 </p:oleObj>
               </mc:Choice>
@@ -27350,7 +27369,7 @@
           <a:graphicData uri="http://schemas.openxmlformats.org/presentationml/2006/ole">
             <mc:AlternateContent xmlns:mc="http://schemas.openxmlformats.org/markup-compatibility/2006">
               <mc:Choice xmlns:v="urn:schemas-microsoft-com:vml" Requires="v">
-                <p:oleObj spid="_x0000_s417865" name="公式" r:id="rId3" imgW="3022560" imgH="2997000" progId="Equation.3">
+                <p:oleObj spid="_x0000_s417867" name="公式" r:id="rId3" imgW="3022560" imgH="2997000" progId="Equation.3">
                   <p:embed/>
                 </p:oleObj>
               </mc:Choice>
@@ -27513,7 +27532,7 @@
           <a:graphicData uri="http://schemas.openxmlformats.org/presentationml/2006/ole">
             <mc:AlternateContent xmlns:mc="http://schemas.openxmlformats.org/markup-compatibility/2006">
               <mc:Choice xmlns:v="urn:schemas-microsoft-com:vml" Requires="v">
-                <p:oleObj spid="_x0000_s418888" name="公式" r:id="rId3" imgW="2857320" imgH="1155600" progId="Equation.3">
+                <p:oleObj spid="_x0000_s418890" name="公式" r:id="rId3" imgW="2857320" imgH="1155600" progId="Equation.3">
                   <p:embed/>
                 </p:oleObj>
               </mc:Choice>
@@ -27798,7 +27817,7 @@
           <a:graphicData uri="http://schemas.openxmlformats.org/presentationml/2006/ole">
             <mc:AlternateContent xmlns:mc="http://schemas.openxmlformats.org/markup-compatibility/2006">
               <mc:Choice xmlns:v="urn:schemas-microsoft-com:vml" Requires="v">
-                <p:oleObj spid="_x0000_s419912" name="公式" r:id="rId3" imgW="3454200" imgH="2197080" progId="Equation.3">
+                <p:oleObj spid="_x0000_s419914" name="公式" r:id="rId3" imgW="3454200" imgH="2197080" progId="Equation.3">
                   <p:embed/>
                 </p:oleObj>
               </mc:Choice>
@@ -27942,7 +27961,7 @@
           <a:graphicData uri="http://schemas.openxmlformats.org/presentationml/2006/ole">
             <mc:AlternateContent xmlns:mc="http://schemas.openxmlformats.org/markup-compatibility/2006">
               <mc:Choice xmlns:v="urn:schemas-microsoft-com:vml" Requires="v">
-                <p:oleObj spid="_x0000_s420937" name="公式" r:id="rId3" imgW="3187440" imgH="2844720" progId="Equation.3">
+                <p:oleObj spid="_x0000_s420939" name="公式" r:id="rId3" imgW="3187440" imgH="2844720" progId="Equation.3">
                   <p:embed/>
                 </p:oleObj>
               </mc:Choice>
@@ -28088,7 +28107,7 @@
           <a:graphicData uri="http://schemas.openxmlformats.org/presentationml/2006/ole">
             <mc:AlternateContent xmlns:mc="http://schemas.openxmlformats.org/markup-compatibility/2006">
               <mc:Choice xmlns:v="urn:schemas-microsoft-com:vml" Requires="v">
-                <p:oleObj spid="_x0000_s421960" name="公式" r:id="rId4" imgW="3238200" imgH="2133360" progId="Equation.3">
+                <p:oleObj spid="_x0000_s421962" name="公式" r:id="rId4" imgW="3238200" imgH="2133360" progId="Equation.3">
                   <p:embed/>
                 </p:oleObj>
               </mc:Choice>
@@ -28235,7 +28254,7 @@
           <a:graphicData uri="http://schemas.openxmlformats.org/presentationml/2006/ole">
             <mc:AlternateContent xmlns:mc="http://schemas.openxmlformats.org/markup-compatibility/2006">
               <mc:Choice xmlns:v="urn:schemas-microsoft-com:vml" Requires="v">
-                <p:oleObj spid="_x0000_s422984" name="公式" r:id="rId3" imgW="1866600" imgH="1511280" progId="Equation.3">
+                <p:oleObj spid="_x0000_s422986" name="公式" r:id="rId3" imgW="1866600" imgH="1511280" progId="Equation.3">
                   <p:embed/>
                 </p:oleObj>
               </mc:Choice>
@@ -32030,7 +32049,7 @@
           <a:graphicData uri="http://schemas.openxmlformats.org/presentationml/2006/ole">
             <mc:AlternateContent xmlns:mc="http://schemas.openxmlformats.org/markup-compatibility/2006">
               <mc:Choice xmlns:v="urn:schemas-microsoft-com:vml" Requires="v">
-                <p:oleObj spid="_x0000_s437320" name="公式" r:id="rId4" imgW="3136680" imgH="965160" progId="Equation.3">
+                <p:oleObj spid="_x0000_s437322" name="公式" r:id="rId4" imgW="3136680" imgH="965160" progId="Equation.3">
                   <p:embed/>
                 </p:oleObj>
               </mc:Choice>
@@ -32584,7 +32603,7 @@
           <a:graphicData uri="http://schemas.openxmlformats.org/presentationml/2006/ole">
             <mc:AlternateContent xmlns:mc="http://schemas.openxmlformats.org/markup-compatibility/2006">
               <mc:Choice xmlns:v="urn:schemas-microsoft-com:vml" Requires="v">
-                <p:oleObj spid="_x0000_s438345" name="公式" r:id="rId3" imgW="3733560" imgH="1803240" progId="Equation.3">
+                <p:oleObj spid="_x0000_s438347" name="公式" r:id="rId3" imgW="3733560" imgH="1803240" progId="Equation.3">
                   <p:embed/>
                 </p:oleObj>
               </mc:Choice>
@@ -32963,7 +32982,7 @@
           <a:graphicData uri="http://schemas.openxmlformats.org/presentationml/2006/ole">
             <mc:AlternateContent xmlns:mc="http://schemas.openxmlformats.org/markup-compatibility/2006">
               <mc:Choice xmlns:v="urn:schemas-microsoft-com:vml" Requires="v">
-                <p:oleObj spid="_x0000_s439368" name="公式" r:id="rId3" imgW="1726920" imgH="203040" progId="Equation.3">
+                <p:oleObj spid="_x0000_s439370" name="公式" r:id="rId3" imgW="1726920" imgH="203040" progId="Equation.3">
                   <p:embed/>
                 </p:oleObj>
               </mc:Choice>
@@ -33290,7 +33309,7 @@
           <a:graphicData uri="http://schemas.openxmlformats.org/presentationml/2006/ole">
             <mc:AlternateContent xmlns:mc="http://schemas.openxmlformats.org/markup-compatibility/2006">
               <mc:Choice xmlns:v="urn:schemas-microsoft-com:vml" Requires="v">
-                <p:oleObj spid="_x0000_s440392" name="公式" r:id="rId3" imgW="3263760" imgH="1193760" progId="Equation.3">
+                <p:oleObj spid="_x0000_s440394" name="公式" r:id="rId3" imgW="3263760" imgH="1193760" progId="Equation.3">
                   <p:embed/>
                 </p:oleObj>
               </mc:Choice>
@@ -35953,7 +35972,7 @@
           <a:graphicData uri="http://schemas.openxmlformats.org/presentationml/2006/ole">
             <mc:AlternateContent xmlns:mc="http://schemas.openxmlformats.org/markup-compatibility/2006">
               <mc:Choice xmlns:v="urn:schemas-microsoft-com:vml" Requires="v">
-                <p:oleObj spid="_x0000_s441416" name="公式" r:id="rId3" imgW="3873240" imgH="2514600" progId="Equation.3">
+                <p:oleObj spid="_x0000_s441418" name="公式" r:id="rId3" imgW="3873240" imgH="2514600" progId="Equation.3">
                   <p:embed/>
                 </p:oleObj>
               </mc:Choice>
@@ -36097,7 +36116,7 @@
           <a:graphicData uri="http://schemas.openxmlformats.org/presentationml/2006/ole">
             <mc:AlternateContent xmlns:mc="http://schemas.openxmlformats.org/markup-compatibility/2006">
               <mc:Choice xmlns:v="urn:schemas-microsoft-com:vml" Requires="v">
-                <p:oleObj spid="_x0000_s442440" name="公式" r:id="rId3" imgW="3746160" imgH="2336760" progId="Equation.3">
+                <p:oleObj spid="_x0000_s442442" name="公式" r:id="rId3" imgW="3746160" imgH="2336760" progId="Equation.3">
                   <p:embed/>
                 </p:oleObj>
               </mc:Choice>
@@ -37398,7 +37417,7 @@
           <a:graphicData uri="http://schemas.openxmlformats.org/presentationml/2006/ole">
             <mc:AlternateContent xmlns:mc="http://schemas.openxmlformats.org/markup-compatibility/2006">
               <mc:Choice xmlns:v="urn:schemas-microsoft-com:vml" Requires="v">
-                <p:oleObj spid="_x0000_s443464" name="公式" r:id="rId4" imgW="1688760" imgH="914400" progId="Equation.3">
+                <p:oleObj spid="_x0000_s443466" name="公式" r:id="rId4" imgW="1688760" imgH="914400" progId="Equation.3">
                   <p:embed/>
                 </p:oleObj>
               </mc:Choice>
@@ -42449,7 +42468,7 @@
           <a:graphicData uri="http://schemas.openxmlformats.org/presentationml/2006/ole">
             <mc:AlternateContent xmlns:mc="http://schemas.openxmlformats.org/markup-compatibility/2006">
               <mc:Choice xmlns:v="urn:schemas-microsoft-com:vml" Requires="v">
-                <p:oleObj spid="_x0000_s444488" name="公式" r:id="rId3" imgW="3441600" imgH="2133360" progId="Equation.3">
+                <p:oleObj spid="_x0000_s444490" name="公式" r:id="rId3" imgW="3441600" imgH="2133360" progId="Equation.3">
                   <p:embed/>
                 </p:oleObj>
               </mc:Choice>

--- a/PPT/人工智能导论：第四章 统计机器学习.pptx
+++ b/PPT/人工智能导论：第四章 统计机器学习.pptx
@@ -2837,7 +2837,7 @@
       </p:grpSpPr>
       <p:sp>
         <p:nvSpPr>
-          <p:cNvPr id="2" name="幻灯片图像占位符 1"/>
+          <p:cNvPr id="2" name="Slide Image Placeholder 1"/>
           <p:cNvSpPr>
             <a:spLocks noGrp="1" noRot="1" noChangeAspect="1"/>
           </p:cNvSpPr>
@@ -2849,7 +2849,7 @@
       </p:sp>
       <p:sp>
         <p:nvSpPr>
-          <p:cNvPr id="3" name="备注占位符 2"/>
+          <p:cNvPr id="3" name="Notes Placeholder 2"/>
           <p:cNvSpPr>
             <a:spLocks noGrp="1"/>
           </p:cNvSpPr>
@@ -2859,23 +2859,21 @@
         </p:nvSpPr>
         <p:spPr/>
         <p:txBody>
-          <a:bodyPr>
-            <a:normAutofit/>
-          </a:bodyPr>
-          <a:lstStyle/>
-          <a:p>
-            <a:endParaRPr lang="zh-CN" altLang="en-US" dirty="0"/>
-          </a:p>
-        </p:txBody>
-      </p:sp>
-      <p:sp>
-        <p:nvSpPr>
-          <p:cNvPr id="4" name="灯片编号占位符 3"/>
+          <a:bodyPr/>
+          <a:lstStyle/>
+          <a:p>
+            <a:endParaRPr lang="en-US" dirty="0"/>
+          </a:p>
+        </p:txBody>
+      </p:sp>
+      <p:sp>
+        <p:nvSpPr>
+          <p:cNvPr id="4" name="Slide Number Placeholder 3"/>
           <p:cNvSpPr>
             <a:spLocks noGrp="1"/>
           </p:cNvSpPr>
           <p:nvPr>
-            <p:ph type="sldNum" sz="quarter" idx="10"/>
+            <p:ph type="sldNum" sz="quarter" idx="5"/>
           </p:nvPr>
         </p:nvSpPr>
         <p:spPr/>
@@ -2886,7 +2884,7 @@
             <a:fld id="{D50AF6DD-051E-413B-8808-23D5AB3BD9E4}" type="slidenum">
               <a:rPr lang="en-US" smtClean="0"/>
               <a:pPr/>
-              <a:t>79</a:t>
+              <a:t>76</a:t>
             </a:fld>
             <a:endParaRPr lang="en-US"/>
           </a:p>
@@ -2895,7 +2893,7 @@
     </p:spTree>
     <p:extLst>
       <p:ext uri="{BB962C8B-B14F-4D97-AF65-F5344CB8AC3E}">
-        <p14:creationId xmlns:p14="http://schemas.microsoft.com/office/powerpoint/2010/main" val="3936358210"/>
+        <p14:creationId xmlns:p14="http://schemas.microsoft.com/office/powerpoint/2010/main" val="1984502093"/>
       </p:ext>
     </p:extLst>
   </p:cSld>
@@ -2924,21 +2922,19 @@
       </p:grpSpPr>
       <p:sp>
         <p:nvSpPr>
-          <p:cNvPr id="159746" name="幻灯片图像占位符 1"/>
-          <p:cNvSpPr>
-            <a:spLocks noGrp="1" noRot="1" noChangeAspect="1" noTextEdit="1"/>
+          <p:cNvPr id="2" name="幻灯片图像占位符 1"/>
+          <p:cNvSpPr>
+            <a:spLocks noGrp="1" noRot="1" noChangeAspect="1"/>
           </p:cNvSpPr>
           <p:nvPr>
             <p:ph type="sldImg"/>
           </p:nvPr>
         </p:nvSpPr>
-        <p:spPr>
-          <a:ln/>
-        </p:spPr>
-      </p:sp>
-      <p:sp>
-        <p:nvSpPr>
-          <p:cNvPr id="159747" name="备注占位符 2"/>
+        <p:spPr/>
+      </p:sp>
+      <p:sp>
+        <p:nvSpPr>
+          <p:cNvPr id="3" name="备注占位符 2"/>
           <p:cNvSpPr>
             <a:spLocks noGrp="1"/>
           </p:cNvSpPr>
@@ -2946,69 +2942,45 @@
             <p:ph type="body" idx="1"/>
           </p:nvPr>
         </p:nvSpPr>
-        <p:spPr>
-          <a:noFill/>
-          <a:ln/>
-        </p:spPr>
+        <p:spPr/>
+        <p:txBody>
+          <a:bodyPr>
+            <a:normAutofit/>
+          </a:bodyPr>
+          <a:lstStyle/>
+          <a:p>
+            <a:endParaRPr lang="zh-CN" altLang="en-US" dirty="0"/>
+          </a:p>
+        </p:txBody>
+      </p:sp>
+      <p:sp>
+        <p:nvSpPr>
+          <p:cNvPr id="4" name="灯片编号占位符 3"/>
+          <p:cNvSpPr>
+            <a:spLocks noGrp="1"/>
+          </p:cNvSpPr>
+          <p:nvPr>
+            <p:ph type="sldNum" sz="quarter" idx="10"/>
+          </p:nvPr>
+        </p:nvSpPr>
+        <p:spPr/>
         <p:txBody>
           <a:bodyPr/>
           <a:lstStyle/>
           <a:p>
-            <a:r>
-              <a:rPr lang="zh-CN" altLang="en-US">
-                <a:ea typeface="黑体" pitchFamily="49" charset="-122"/>
-              </a:rPr>
-              <a:t>一个属性有很多取值，划分成很多不同的子集，就说明该属性的熵大。除以</a:t>
-            </a:r>
-            <a:r>
-              <a:rPr lang="en-US" altLang="zh-CN">
-                <a:ea typeface="黑体" pitchFamily="49" charset="-122"/>
-              </a:rPr>
-              <a:t>HA(D)</a:t>
-            </a:r>
-            <a:r>
-              <a:rPr lang="zh-CN" altLang="en-US">
-                <a:ea typeface="黑体" pitchFamily="49" charset="-122"/>
-              </a:rPr>
-              <a:t>以避免划分太细的特征。</a:t>
-            </a:r>
-          </a:p>
-        </p:txBody>
-      </p:sp>
-      <p:sp>
-        <p:nvSpPr>
-          <p:cNvPr id="159748" name="灯片编号占位符 3"/>
-          <p:cNvSpPr>
-            <a:spLocks noGrp="1"/>
-          </p:cNvSpPr>
-          <p:nvPr>
-            <p:ph type="sldNum" sz="quarter" idx="5"/>
-          </p:nvPr>
-        </p:nvSpPr>
-        <p:spPr>
-          <a:noFill/>
-        </p:spPr>
-        <p:txBody>
-          <a:bodyPr/>
-          <a:lstStyle/>
-          <a:p>
-            <a:fld id="{2953F01C-8DE6-4205-9166-4DFB58485CAE}" type="slidenum">
-              <a:rPr lang="en-US" altLang="zh-CN" smtClean="0">
-                <a:ea typeface="黑体" pitchFamily="49" charset="-122"/>
-              </a:rPr>
+            <a:fld id="{D50AF6DD-051E-413B-8808-23D5AB3BD9E4}" type="slidenum">
+              <a:rPr lang="en-US" smtClean="0"/>
               <a:pPr/>
-              <a:t>81</a:t>
+              <a:t>79</a:t>
             </a:fld>
-            <a:endParaRPr lang="en-US" altLang="zh-CN">
-              <a:ea typeface="黑体" pitchFamily="49" charset="-122"/>
-            </a:endParaRPr>
+            <a:endParaRPr lang="en-US"/>
           </a:p>
         </p:txBody>
       </p:sp>
     </p:spTree>
     <p:extLst>
       <p:ext uri="{BB962C8B-B14F-4D97-AF65-F5344CB8AC3E}">
-        <p14:creationId xmlns:p14="http://schemas.microsoft.com/office/powerpoint/2010/main" val="903667938"/>
+        <p14:creationId xmlns:p14="http://schemas.microsoft.com/office/powerpoint/2010/main" val="3936358210"/>
       </p:ext>
     </p:extLst>
   </p:cSld>
@@ -3037,19 +3009,21 @@
       </p:grpSpPr>
       <p:sp>
         <p:nvSpPr>
-          <p:cNvPr id="2" name="幻灯片图像占位符 1"/>
-          <p:cNvSpPr>
-            <a:spLocks noGrp="1" noRot="1" noChangeAspect="1"/>
+          <p:cNvPr id="159746" name="幻灯片图像占位符 1"/>
+          <p:cNvSpPr>
+            <a:spLocks noGrp="1" noRot="1" noChangeAspect="1" noTextEdit="1"/>
           </p:cNvSpPr>
           <p:nvPr>
             <p:ph type="sldImg"/>
           </p:nvPr>
         </p:nvSpPr>
-        <p:spPr/>
-      </p:sp>
-      <p:sp>
-        <p:nvSpPr>
-          <p:cNvPr id="3" name="备注占位符 2"/>
+        <p:spPr>
+          <a:ln/>
+        </p:spPr>
+      </p:sp>
+      <p:sp>
+        <p:nvSpPr>
+          <p:cNvPr id="159747" name="备注占位符 2"/>
           <p:cNvSpPr>
             <a:spLocks noGrp="1"/>
           </p:cNvSpPr>
@@ -3057,47 +3031,69 @@
             <p:ph type="body" idx="1"/>
           </p:nvPr>
         </p:nvSpPr>
-        <p:spPr/>
+        <p:spPr>
+          <a:noFill/>
+          <a:ln/>
+        </p:spPr>
         <p:txBody>
           <a:bodyPr/>
           <a:lstStyle/>
           <a:p>
             <a:r>
-              <a:rPr lang="en-US" altLang="zh-CN"/>
-              <a:t>2021.0531</a:t>
-            </a:r>
-            <a:endParaRPr lang="zh-CN" altLang="en-US" dirty="0"/>
-          </a:p>
-        </p:txBody>
-      </p:sp>
-      <p:sp>
-        <p:nvSpPr>
-          <p:cNvPr id="4" name="灯片编号占位符 3"/>
+              <a:rPr lang="zh-CN" altLang="en-US">
+                <a:ea typeface="黑体" pitchFamily="49" charset="-122"/>
+              </a:rPr>
+              <a:t>一个属性有很多取值，划分成很多不同的子集，就说明该属性的熵大。除以</a:t>
+            </a:r>
+            <a:r>
+              <a:rPr lang="en-US" altLang="zh-CN">
+                <a:ea typeface="黑体" pitchFamily="49" charset="-122"/>
+              </a:rPr>
+              <a:t>HA(D)</a:t>
+            </a:r>
+            <a:r>
+              <a:rPr lang="zh-CN" altLang="en-US">
+                <a:ea typeface="黑体" pitchFamily="49" charset="-122"/>
+              </a:rPr>
+              <a:t>以避免划分太细的特征。</a:t>
+            </a:r>
+          </a:p>
+        </p:txBody>
+      </p:sp>
+      <p:sp>
+        <p:nvSpPr>
+          <p:cNvPr id="159748" name="灯片编号占位符 3"/>
           <p:cNvSpPr>
             <a:spLocks noGrp="1"/>
           </p:cNvSpPr>
           <p:nvPr>
-            <p:ph type="sldNum" sz="quarter" idx="10"/>
+            <p:ph type="sldNum" sz="quarter" idx="5"/>
           </p:nvPr>
         </p:nvSpPr>
-        <p:spPr/>
+        <p:spPr>
+          <a:noFill/>
+        </p:spPr>
         <p:txBody>
           <a:bodyPr/>
           <a:lstStyle/>
           <a:p>
-            <a:fld id="{D50AF6DD-051E-413B-8808-23D5AB3BD9E4}" type="slidenum">
-              <a:rPr lang="en-US" smtClean="0"/>
+            <a:fld id="{2953F01C-8DE6-4205-9166-4DFB58485CAE}" type="slidenum">
+              <a:rPr lang="en-US" altLang="zh-CN" smtClean="0">
+                <a:ea typeface="黑体" pitchFamily="49" charset="-122"/>
+              </a:rPr>
               <a:pPr/>
-              <a:t>84</a:t>
+              <a:t>81</a:t>
             </a:fld>
-            <a:endParaRPr lang="en-US"/>
+            <a:endParaRPr lang="en-US" altLang="zh-CN">
+              <a:ea typeface="黑体" pitchFamily="49" charset="-122"/>
+            </a:endParaRPr>
           </a:p>
         </p:txBody>
       </p:sp>
     </p:spTree>
     <p:extLst>
       <p:ext uri="{BB962C8B-B14F-4D97-AF65-F5344CB8AC3E}">
-        <p14:creationId xmlns:p14="http://schemas.microsoft.com/office/powerpoint/2010/main" val="748942149"/>
+        <p14:creationId xmlns:p14="http://schemas.microsoft.com/office/powerpoint/2010/main" val="903667938"/>
       </p:ext>
     </p:extLst>
   </p:cSld>
@@ -3227,6 +3223,95 @@
       </p:grpSpPr>
       <p:sp>
         <p:nvSpPr>
+          <p:cNvPr id="2" name="幻灯片图像占位符 1"/>
+          <p:cNvSpPr>
+            <a:spLocks noGrp="1" noRot="1" noChangeAspect="1"/>
+          </p:cNvSpPr>
+          <p:nvPr>
+            <p:ph type="sldImg"/>
+          </p:nvPr>
+        </p:nvSpPr>
+        <p:spPr/>
+      </p:sp>
+      <p:sp>
+        <p:nvSpPr>
+          <p:cNvPr id="3" name="备注占位符 2"/>
+          <p:cNvSpPr>
+            <a:spLocks noGrp="1"/>
+          </p:cNvSpPr>
+          <p:nvPr>
+            <p:ph type="body" idx="1"/>
+          </p:nvPr>
+        </p:nvSpPr>
+        <p:spPr/>
+        <p:txBody>
+          <a:bodyPr/>
+          <a:lstStyle/>
+          <a:p>
+            <a:r>
+              <a:rPr lang="en-US" altLang="zh-CN"/>
+              <a:t>2021.0531</a:t>
+            </a:r>
+            <a:endParaRPr lang="zh-CN" altLang="en-US" dirty="0"/>
+          </a:p>
+        </p:txBody>
+      </p:sp>
+      <p:sp>
+        <p:nvSpPr>
+          <p:cNvPr id="4" name="灯片编号占位符 3"/>
+          <p:cNvSpPr>
+            <a:spLocks noGrp="1"/>
+          </p:cNvSpPr>
+          <p:nvPr>
+            <p:ph type="sldNum" sz="quarter" idx="10"/>
+          </p:nvPr>
+        </p:nvSpPr>
+        <p:spPr/>
+        <p:txBody>
+          <a:bodyPr/>
+          <a:lstStyle/>
+          <a:p>
+            <a:fld id="{D50AF6DD-051E-413B-8808-23D5AB3BD9E4}" type="slidenum">
+              <a:rPr lang="en-US" smtClean="0"/>
+              <a:pPr/>
+              <a:t>84</a:t>
+            </a:fld>
+            <a:endParaRPr lang="en-US"/>
+          </a:p>
+        </p:txBody>
+      </p:sp>
+    </p:spTree>
+    <p:extLst>
+      <p:ext uri="{BB962C8B-B14F-4D97-AF65-F5344CB8AC3E}">
+        <p14:creationId xmlns:p14="http://schemas.microsoft.com/office/powerpoint/2010/main" val="748942149"/>
+      </p:ext>
+    </p:extLst>
+  </p:cSld>
+  <p:clrMapOvr>
+    <a:masterClrMapping/>
+  </p:clrMapOvr>
+</p:notes>
+</file>
+
+<file path=ppt/notesSlides/notesSlide31.xml><?xml version="1.0" encoding="utf-8"?>
+<p:notes xmlns:a="http://schemas.openxmlformats.org/drawingml/2006/main" xmlns:r="http://schemas.openxmlformats.org/officeDocument/2006/relationships" xmlns:p="http://schemas.openxmlformats.org/presentationml/2006/main">
+  <p:cSld>
+    <p:spTree>
+      <p:nvGrpSpPr>
+        <p:cNvPr id="1" name=""/>
+        <p:cNvGrpSpPr/>
+        <p:nvPr/>
+      </p:nvGrpSpPr>
+      <p:grpSpPr>
+        <a:xfrm>
+          <a:off x="0" y="0"/>
+          <a:ext cx="0" cy="0"/>
+          <a:chOff x="0" y="0"/>
+          <a:chExt cx="0" cy="0"/>
+        </a:xfrm>
+      </p:grpSpPr>
+      <p:sp>
+        <p:nvSpPr>
           <p:cNvPr id="160770" name="幻灯片图像占位符 1"/>
           <p:cNvSpPr>
             <a:spLocks noGrp="1" noRot="1" noChangeAspect="1" noTextEdit="1"/>
@@ -3306,7 +3391,7 @@
 </p:notes>
 </file>
 
-<file path=ppt/notesSlides/notesSlide31.xml><?xml version="1.0" encoding="utf-8"?>
+<file path=ppt/notesSlides/notesSlide32.xml><?xml version="1.0" encoding="utf-8"?>
 <p:notes xmlns:a="http://schemas.openxmlformats.org/drawingml/2006/main" xmlns:r="http://schemas.openxmlformats.org/officeDocument/2006/relationships" xmlns:p="http://schemas.openxmlformats.org/presentationml/2006/main">
   <p:cSld>
     <p:spTree>
@@ -8590,7 +8675,7 @@
           <a:graphicData uri="http://schemas.openxmlformats.org/presentationml/2006/ole">
             <mc:AlternateContent xmlns:mc="http://schemas.openxmlformats.org/markup-compatibility/2006">
               <mc:Choice xmlns:v="urn:schemas-microsoft-com:vml" Requires="v">
-                <p:oleObj spid="_x0000_s388242" name="公式" r:id="rId4" imgW="761760" imgH="177480" progId="Equation.3">
+                <p:oleObj spid="_x0000_s388246" name="公式" r:id="rId4" imgW="761760" imgH="177480" progId="Equation.3">
                   <p:embed/>
                 </p:oleObj>
               </mc:Choice>
@@ -8687,7 +8772,7 @@
           <a:graphicData uri="http://schemas.openxmlformats.org/presentationml/2006/ole">
             <mc:AlternateContent xmlns:mc="http://schemas.openxmlformats.org/markup-compatibility/2006">
               <mc:Choice xmlns:v="urn:schemas-microsoft-com:vml" Requires="v">
-                <p:oleObj spid="_x0000_s388243" name="公式" r:id="rId6" imgW="253800" imgH="444240" progId="Equation.3">
+                <p:oleObj spid="_x0000_s388247" name="公式" r:id="rId6" imgW="253800" imgH="444240" progId="Equation.3">
                   <p:embed/>
                 </p:oleObj>
               </mc:Choice>
@@ -9129,7 +9214,7 @@
           <a:graphicData uri="http://schemas.openxmlformats.org/presentationml/2006/ole">
             <mc:AlternateContent xmlns:mc="http://schemas.openxmlformats.org/markup-compatibility/2006">
               <mc:Choice xmlns:v="urn:schemas-microsoft-com:vml" Requires="v">
-                <p:oleObj spid="_x0000_s389414" name="公式" r:id="rId3" imgW="1384200" imgH="228600" progId="Equation.3">
+                <p:oleObj spid="_x0000_s389422" name="公式" r:id="rId3" imgW="1384200" imgH="228600" progId="Equation.3">
                   <p:embed/>
                 </p:oleObj>
               </mc:Choice>
@@ -9205,7 +9290,7 @@
           <a:graphicData uri="http://schemas.openxmlformats.org/presentationml/2006/ole">
             <mc:AlternateContent xmlns:mc="http://schemas.openxmlformats.org/markup-compatibility/2006">
               <mc:Choice xmlns:v="urn:schemas-microsoft-com:vml" Requires="v">
-                <p:oleObj spid="_x0000_s389415" name="公式" r:id="rId5" imgW="2514600" imgH="241200" progId="Equation.3">
+                <p:oleObj spid="_x0000_s389423" name="公式" r:id="rId5" imgW="2514600" imgH="241200" progId="Equation.3">
                   <p:embed/>
                 </p:oleObj>
               </mc:Choice>
@@ -9281,7 +9366,7 @@
           <a:graphicData uri="http://schemas.openxmlformats.org/presentationml/2006/ole">
             <mc:AlternateContent xmlns:mc="http://schemas.openxmlformats.org/markup-compatibility/2006">
               <mc:Choice xmlns:v="urn:schemas-microsoft-com:vml" Requires="v">
-                <p:oleObj spid="_x0000_s389416" name="公式" r:id="rId7" imgW="1460160" imgH="228600" progId="Equation.3">
+                <p:oleObj spid="_x0000_s389424" name="公式" r:id="rId7" imgW="1460160" imgH="228600" progId="Equation.3">
                   <p:embed/>
                 </p:oleObj>
               </mc:Choice>
@@ -9357,7 +9442,7 @@
           <a:graphicData uri="http://schemas.openxmlformats.org/presentationml/2006/ole">
             <mc:AlternateContent xmlns:mc="http://schemas.openxmlformats.org/markup-compatibility/2006">
               <mc:Choice xmlns:v="urn:schemas-microsoft-com:vml" Requires="v">
-                <p:oleObj spid="_x0000_s389417" name="公式" r:id="rId9" imgW="863280" imgH="203040" progId="Equation.3">
+                <p:oleObj spid="_x0000_s389425" name="公式" r:id="rId9" imgW="863280" imgH="203040" progId="Equation.3">
                   <p:embed/>
                 </p:oleObj>
               </mc:Choice>
@@ -9625,7 +9710,7 @@
           <a:graphicData uri="http://schemas.openxmlformats.org/presentationml/2006/ole">
             <mc:AlternateContent xmlns:mc="http://schemas.openxmlformats.org/markup-compatibility/2006">
               <mc:Choice xmlns:v="urn:schemas-microsoft-com:vml" Requires="v">
-                <p:oleObj spid="_x0000_s390290" name="公式" r:id="rId3" imgW="1066680" imgH="317160" progId="Equation.3">
+                <p:oleObj spid="_x0000_s390294" name="公式" r:id="rId3" imgW="1066680" imgH="317160" progId="Equation.3">
                   <p:embed/>
                 </p:oleObj>
               </mc:Choice>
@@ -9695,7 +9780,7 @@
           <a:graphicData uri="http://schemas.openxmlformats.org/presentationml/2006/ole">
             <mc:AlternateContent xmlns:mc="http://schemas.openxmlformats.org/markup-compatibility/2006">
               <mc:Choice xmlns:v="urn:schemas-microsoft-com:vml" Requires="v">
-                <p:oleObj spid="_x0000_s390291" name="公式" r:id="rId5" imgW="660240" imgH="368280" progId="Equation.3">
+                <p:oleObj spid="_x0000_s390295" name="公式" r:id="rId5" imgW="660240" imgH="368280" progId="Equation.3">
                   <p:embed/>
                 </p:oleObj>
               </mc:Choice>
@@ -9845,7 +9930,7 @@
           <a:graphicData uri="http://schemas.openxmlformats.org/presentationml/2006/ole">
             <mc:AlternateContent xmlns:mc="http://schemas.openxmlformats.org/markup-compatibility/2006">
               <mc:Choice xmlns:v="urn:schemas-microsoft-com:vml" Requires="v">
-                <p:oleObj spid="_x0000_s391314" name="公式" r:id="rId3" imgW="1371600" imgH="533160" progId="Equation.3">
+                <p:oleObj spid="_x0000_s391318" name="公式" r:id="rId3" imgW="1371600" imgH="533160" progId="Equation.3">
                   <p:embed/>
                 </p:oleObj>
               </mc:Choice>
@@ -9915,7 +10000,7 @@
           <a:graphicData uri="http://schemas.openxmlformats.org/presentationml/2006/ole">
             <mc:AlternateContent xmlns:mc="http://schemas.openxmlformats.org/markup-compatibility/2006">
               <mc:Choice xmlns:v="urn:schemas-microsoft-com:vml" Requires="v">
-                <p:oleObj spid="_x0000_s391315" name="公式" r:id="rId5" imgW="1333440" imgH="507960" progId="Equation.3">
+                <p:oleObj spid="_x0000_s391319" name="公式" r:id="rId5" imgW="1333440" imgH="507960" progId="Equation.3">
                   <p:embed/>
                 </p:oleObj>
               </mc:Choice>
@@ -10916,7 +11001,7 @@
           <a:graphicData uri="http://schemas.openxmlformats.org/presentationml/2006/ole">
             <mc:AlternateContent xmlns:mc="http://schemas.openxmlformats.org/markup-compatibility/2006">
               <mc:Choice xmlns:v="urn:schemas-microsoft-com:vml" Requires="v">
-                <p:oleObj spid="_x0000_s392267" name="公式" r:id="rId3" imgW="152280" imgH="228600" progId="Equation.3">
+                <p:oleObj spid="_x0000_s392269" name="公式" r:id="rId3" imgW="152280" imgH="228600" progId="Equation.3">
                   <p:embed/>
                 </p:oleObj>
               </mc:Choice>
@@ -11131,7 +11216,7 @@
           <a:graphicData uri="http://schemas.openxmlformats.org/presentationml/2006/ole">
             <mc:AlternateContent xmlns:mc="http://schemas.openxmlformats.org/markup-compatibility/2006">
               <mc:Choice xmlns:v="urn:schemas-microsoft-com:vml" Requires="v">
-                <p:oleObj spid="_x0000_s393290" name="公式" r:id="rId4" imgW="520560" imgH="1320480" progId="Equation.3">
+                <p:oleObj spid="_x0000_s393292" name="公式" r:id="rId4" imgW="520560" imgH="1320480" progId="Equation.3">
                   <p:embed/>
                 </p:oleObj>
               </mc:Choice>
@@ -11281,7 +11366,7 @@
           <a:graphicData uri="http://schemas.openxmlformats.org/presentationml/2006/ole">
             <mc:AlternateContent xmlns:mc="http://schemas.openxmlformats.org/markup-compatibility/2006">
               <mc:Choice xmlns:v="urn:schemas-microsoft-com:vml" Requires="v">
-                <p:oleObj spid="_x0000_s394314" name="公式" r:id="rId3" imgW="2425680" imgH="1993680" progId="Equation.3">
+                <p:oleObj spid="_x0000_s394316" name="公式" r:id="rId3" imgW="2425680" imgH="1993680" progId="Equation.3">
                   <p:embed/>
                 </p:oleObj>
               </mc:Choice>
@@ -11470,7 +11555,7 @@
           <a:graphicData uri="http://schemas.openxmlformats.org/presentationml/2006/ole">
             <mc:AlternateContent xmlns:mc="http://schemas.openxmlformats.org/markup-compatibility/2006">
               <mc:Choice xmlns:v="urn:schemas-microsoft-com:vml" Requires="v">
-                <p:oleObj spid="_x0000_s395562" name="公式" r:id="rId3" imgW="330120" imgH="304560" progId="Equation.3">
+                <p:oleObj spid="_x0000_s395570" name="公式" r:id="rId3" imgW="330120" imgH="304560" progId="Equation.3">
                   <p:embed/>
                 </p:oleObj>
               </mc:Choice>
@@ -11537,7 +11622,7 @@
           <a:graphicData uri="http://schemas.openxmlformats.org/presentationml/2006/ole">
             <mc:AlternateContent xmlns:mc="http://schemas.openxmlformats.org/markup-compatibility/2006">
               <mc:Choice xmlns:v="urn:schemas-microsoft-com:vml" Requires="v">
-                <p:oleObj spid="_x0000_s395563" name="公式" r:id="rId5" imgW="190440" imgH="266400" progId="Equation.3">
+                <p:oleObj spid="_x0000_s395571" name="公式" r:id="rId5" imgW="190440" imgH="266400" progId="Equation.3">
                   <p:embed/>
                 </p:oleObj>
               </mc:Choice>
@@ -11613,7 +11698,7 @@
           <a:graphicData uri="http://schemas.openxmlformats.org/presentationml/2006/ole">
             <mc:AlternateContent xmlns:mc="http://schemas.openxmlformats.org/markup-compatibility/2006">
               <mc:Choice xmlns:v="urn:schemas-microsoft-com:vml" Requires="v">
-                <p:oleObj spid="_x0000_s395564" name="公式" r:id="rId7" imgW="380880" imgH="279360" progId="Equation.3">
+                <p:oleObj spid="_x0000_s395572" name="公式" r:id="rId7" imgW="380880" imgH="279360" progId="Equation.3">
                   <p:embed/>
                 </p:oleObj>
               </mc:Choice>
@@ -11689,7 +11774,7 @@
           <a:graphicData uri="http://schemas.openxmlformats.org/presentationml/2006/ole">
             <mc:AlternateContent xmlns:mc="http://schemas.openxmlformats.org/markup-compatibility/2006">
               <mc:Choice xmlns:v="urn:schemas-microsoft-com:vml" Requires="v">
-                <p:oleObj spid="_x0000_s395565" name="公式" r:id="rId9" imgW="2768400" imgH="660240" progId="Equation.3">
+                <p:oleObj spid="_x0000_s395573" name="公式" r:id="rId9" imgW="2768400" imgH="660240" progId="Equation.3">
                   <p:embed/>
                 </p:oleObj>
               </mc:Choice>
@@ -12629,7 +12714,7 @@
           <a:graphicData uri="http://schemas.openxmlformats.org/presentationml/2006/ole">
             <mc:AlternateContent xmlns:mc="http://schemas.openxmlformats.org/markup-compatibility/2006">
               <mc:Choice xmlns:v="urn:schemas-microsoft-com:vml" Requires="v">
-                <p:oleObj spid="_x0000_s396578" name="公式" r:id="rId4" imgW="736560" imgH="177480" progId="Equation.3">
+                <p:oleObj spid="_x0000_s396586" name="公式" r:id="rId4" imgW="736560" imgH="177480" progId="Equation.3">
                   <p:embed/>
                 </p:oleObj>
               </mc:Choice>
@@ -12726,7 +12811,7 @@
           <a:graphicData uri="http://schemas.openxmlformats.org/presentationml/2006/ole">
             <mc:AlternateContent xmlns:mc="http://schemas.openxmlformats.org/markup-compatibility/2006">
               <mc:Choice xmlns:v="urn:schemas-microsoft-com:vml" Requires="v">
-                <p:oleObj spid="_x0000_s396579" name="公式" r:id="rId6" imgW="253800" imgH="444240" progId="Equation.3">
+                <p:oleObj spid="_x0000_s396587" name="公式" r:id="rId6" imgW="253800" imgH="444240" progId="Equation.3">
                   <p:embed/>
                 </p:oleObj>
               </mc:Choice>
@@ -12897,7 +12982,7 @@
           <a:graphicData uri="http://schemas.openxmlformats.org/presentationml/2006/ole">
             <mc:AlternateContent xmlns:mc="http://schemas.openxmlformats.org/markup-compatibility/2006">
               <mc:Choice xmlns:v="urn:schemas-microsoft-com:vml" Requires="v">
-                <p:oleObj spid="_x0000_s396580" name="公式" r:id="rId8" imgW="711000" imgH="177480" progId="Equation.3">
+                <p:oleObj spid="_x0000_s396588" name="公式" r:id="rId8" imgW="711000" imgH="177480" progId="Equation.3">
                   <p:embed/>
                 </p:oleObj>
               </mc:Choice>
@@ -12967,7 +13052,7 @@
           <a:graphicData uri="http://schemas.openxmlformats.org/presentationml/2006/ole">
             <mc:AlternateContent xmlns:mc="http://schemas.openxmlformats.org/markup-compatibility/2006">
               <mc:Choice xmlns:v="urn:schemas-microsoft-com:vml" Requires="v">
-                <p:oleObj spid="_x0000_s396581" name="公式" r:id="rId10" imgW="812520" imgH="177480" progId="Equation.3">
+                <p:oleObj spid="_x0000_s396589" name="公式" r:id="rId10" imgW="812520" imgH="177480" progId="Equation.3">
                   <p:embed/>
                 </p:oleObj>
               </mc:Choice>
@@ -13173,7 +13258,7 @@
           <a:graphicData uri="http://schemas.openxmlformats.org/presentationml/2006/ole">
             <mc:AlternateContent xmlns:mc="http://schemas.openxmlformats.org/markup-compatibility/2006">
               <mc:Choice xmlns:v="urn:schemas-microsoft-com:vml" Requires="v">
-                <p:oleObj spid="_x0000_s398512" name="公式" r:id="rId4" imgW="3746160" imgH="698400" progId="Equation.3">
+                <p:oleObj spid="_x0000_s398518" name="公式" r:id="rId4" imgW="3746160" imgH="698400" progId="Equation.3">
                   <p:embed/>
                 </p:oleObj>
               </mc:Choice>
@@ -13234,7 +13319,7 @@
           <a:graphicData uri="http://schemas.openxmlformats.org/presentationml/2006/ole">
             <mc:AlternateContent xmlns:mc="http://schemas.openxmlformats.org/markup-compatibility/2006">
               <mc:Choice xmlns:v="urn:schemas-microsoft-com:vml" Requires="v">
-                <p:oleObj spid="_x0000_s398513" name="公式" r:id="rId6" imgW="2768400" imgH="660240" progId="Equation.3">
+                <p:oleObj spid="_x0000_s398519" name="公式" r:id="rId6" imgW="2768400" imgH="660240" progId="Equation.3">
                   <p:embed/>
                 </p:oleObj>
               </mc:Choice>
@@ -13304,7 +13389,7 @@
           <a:graphicData uri="http://schemas.openxmlformats.org/presentationml/2006/ole">
             <mc:AlternateContent xmlns:mc="http://schemas.openxmlformats.org/markup-compatibility/2006">
               <mc:Choice xmlns:v="urn:schemas-microsoft-com:vml" Requires="v">
-                <p:oleObj spid="_x0000_s398514" name="公式" r:id="rId8" imgW="1523880" imgH="228600" progId="Equation.3">
+                <p:oleObj spid="_x0000_s398520" name="公式" r:id="rId8" imgW="1523880" imgH="228600" progId="Equation.3">
                   <p:embed/>
                 </p:oleObj>
               </mc:Choice>
@@ -13748,7 +13833,7 @@
           <a:graphicData uri="http://schemas.openxmlformats.org/presentationml/2006/ole">
             <mc:AlternateContent xmlns:mc="http://schemas.openxmlformats.org/markup-compatibility/2006">
               <mc:Choice xmlns:v="urn:schemas-microsoft-com:vml" Requires="v">
-                <p:oleObj spid="_x0000_s447580" name="公式" r:id="rId4" imgW="3111480" imgH="444240" progId="Equation.3">
+                <p:oleObj spid="_x0000_s447586" name="公式" r:id="rId4" imgW="3111480" imgH="444240" progId="Equation.3">
                   <p:embed/>
                 </p:oleObj>
               </mc:Choice>
@@ -13838,7 +13923,7 @@
           <a:graphicData uri="http://schemas.openxmlformats.org/presentationml/2006/ole">
             <mc:AlternateContent xmlns:mc="http://schemas.openxmlformats.org/markup-compatibility/2006">
               <mc:Choice xmlns:v="urn:schemas-microsoft-com:vml" Requires="v">
-                <p:oleObj spid="_x0000_s447581" name="公式" r:id="rId6" imgW="3149280" imgH="660240" progId="Equation.3">
+                <p:oleObj spid="_x0000_s447587" name="公式" r:id="rId6" imgW="3149280" imgH="660240" progId="Equation.3">
                   <p:embed/>
                 </p:oleObj>
               </mc:Choice>
@@ -13899,7 +13984,7 @@
           <a:graphicData uri="http://schemas.openxmlformats.org/presentationml/2006/ole">
             <mc:AlternateContent xmlns:mc="http://schemas.openxmlformats.org/markup-compatibility/2006">
               <mc:Choice xmlns:v="urn:schemas-microsoft-com:vml" Requires="v">
-                <p:oleObj spid="_x0000_s447582" name="公式" r:id="rId8" imgW="2806560" imgH="291960" progId="Equation.3">
+                <p:oleObj spid="_x0000_s447588" name="公式" r:id="rId8" imgW="2806560" imgH="291960" progId="Equation.3">
                   <p:embed/>
                 </p:oleObj>
               </mc:Choice>
@@ -14432,7 +14517,7 @@
           <a:graphicData uri="http://schemas.openxmlformats.org/presentationml/2006/ole">
             <mc:AlternateContent xmlns:mc="http://schemas.openxmlformats.org/markup-compatibility/2006">
               <mc:Choice xmlns:v="urn:schemas-microsoft-com:vml" Requires="v">
-                <p:oleObj spid="_x0000_s448592" name="公式" r:id="rId4" imgW="1282680" imgH="291960" progId="Equation.3">
+                <p:oleObj spid="_x0000_s448598" name="公式" r:id="rId4" imgW="1282680" imgH="291960" progId="Equation.3">
                   <p:embed/>
                 </p:oleObj>
               </mc:Choice>
@@ -14493,7 +14578,7 @@
           <a:graphicData uri="http://schemas.openxmlformats.org/presentationml/2006/ole">
             <mc:AlternateContent xmlns:mc="http://schemas.openxmlformats.org/markup-compatibility/2006">
               <mc:Choice xmlns:v="urn:schemas-microsoft-com:vml" Requires="v">
-                <p:oleObj spid="_x0000_s448593" name="公式" r:id="rId6" imgW="3047760" imgH="291960" progId="Equation.3">
+                <p:oleObj spid="_x0000_s448599" name="公式" r:id="rId6" imgW="3047760" imgH="291960" progId="Equation.3">
                   <p:embed/>
                 </p:oleObj>
               </mc:Choice>
@@ -14554,7 +14639,7 @@
           <a:graphicData uri="http://schemas.openxmlformats.org/presentationml/2006/ole">
             <mc:AlternateContent xmlns:mc="http://schemas.openxmlformats.org/markup-compatibility/2006">
               <mc:Choice xmlns:v="urn:schemas-microsoft-com:vml" Requires="v">
-                <p:oleObj spid="_x0000_s448594" name="公式" r:id="rId8" imgW="2755800" imgH="291960" progId="Equation.3">
+                <p:oleObj spid="_x0000_s448600" name="公式" r:id="rId8" imgW="2755800" imgH="291960" progId="Equation.3">
                   <p:embed/>
                 </p:oleObj>
               </mc:Choice>
@@ -14909,7 +14994,7 @@
           <a:graphicData uri="http://schemas.openxmlformats.org/presentationml/2006/ole">
             <mc:AlternateContent xmlns:mc="http://schemas.openxmlformats.org/markup-compatibility/2006">
               <mc:Choice xmlns:v="urn:schemas-microsoft-com:vml" Requires="v">
-                <p:oleObj spid="_x0000_s449585" name="公式" r:id="rId4" imgW="3619440" imgH="965160" progId="Equation.3">
+                <p:oleObj spid="_x0000_s449589" name="公式" r:id="rId4" imgW="3619440" imgH="965160" progId="Equation.3">
                   <p:embed/>
                 </p:oleObj>
               </mc:Choice>
@@ -14970,7 +15055,7 @@
           <a:graphicData uri="http://schemas.openxmlformats.org/presentationml/2006/ole">
             <mc:AlternateContent xmlns:mc="http://schemas.openxmlformats.org/markup-compatibility/2006">
               <mc:Choice xmlns:v="urn:schemas-microsoft-com:vml" Requires="v">
-                <p:oleObj spid="_x0000_s449586" name="公式" r:id="rId6" imgW="1904760" imgH="1422360" progId="Equation.3">
+                <p:oleObj spid="_x0000_s449590" name="公式" r:id="rId6" imgW="1904760" imgH="1422360" progId="Equation.3">
                   <p:embed/>
                 </p:oleObj>
               </mc:Choice>
@@ -15224,7 +15309,7 @@
           <a:graphicData uri="http://schemas.openxmlformats.org/presentationml/2006/ole">
             <mc:AlternateContent xmlns:mc="http://schemas.openxmlformats.org/markup-compatibility/2006">
               <mc:Choice xmlns:v="urn:schemas-microsoft-com:vml" Requires="v">
-                <p:oleObj spid="_x0000_s399508" name="公式" r:id="rId3" imgW="2349360" imgH="888840" progId="Equation.3">
+                <p:oleObj spid="_x0000_s399512" name="公式" r:id="rId3" imgW="2349360" imgH="888840" progId="Equation.3">
                   <p:embed/>
                 </p:oleObj>
               </mc:Choice>
@@ -15291,7 +15376,7 @@
           <a:graphicData uri="http://schemas.openxmlformats.org/presentationml/2006/ole">
             <mc:AlternateContent xmlns:mc="http://schemas.openxmlformats.org/markup-compatibility/2006">
               <mc:Choice xmlns:v="urn:schemas-microsoft-com:vml" Requires="v">
-                <p:oleObj spid="_x0000_s399509" name="公式" r:id="rId5" imgW="2920680" imgH="482400" progId="Equation.3">
+                <p:oleObj spid="_x0000_s399513" name="公式" r:id="rId5" imgW="2920680" imgH="482400" progId="Equation.3">
                   <p:embed/>
                 </p:oleObj>
               </mc:Choice>
@@ -15430,7 +15515,7 @@
           <a:graphicData uri="http://schemas.openxmlformats.org/presentationml/2006/ole">
             <mc:AlternateContent xmlns:mc="http://schemas.openxmlformats.org/markup-compatibility/2006">
               <mc:Choice xmlns:v="urn:schemas-microsoft-com:vml" Requires="v">
-                <p:oleObj spid="_x0000_s400458" name="公式" r:id="rId3" imgW="2247840" imgH="1130040" progId="Equation.3">
+                <p:oleObj spid="_x0000_s400460" name="公式" r:id="rId3" imgW="2247840" imgH="1130040" progId="Equation.3">
                   <p:embed/>
                 </p:oleObj>
               </mc:Choice>
@@ -15566,7 +15651,7 @@
           <a:graphicData uri="http://schemas.openxmlformats.org/presentationml/2006/ole">
             <mc:AlternateContent xmlns:mc="http://schemas.openxmlformats.org/markup-compatibility/2006">
               <mc:Choice xmlns:v="urn:schemas-microsoft-com:vml" Requires="v">
-                <p:oleObj spid="_x0000_s450598" name="公式" r:id="rId3" imgW="1904760" imgH="711000" progId="Equation.3">
+                <p:oleObj spid="_x0000_s450602" name="公式" r:id="rId3" imgW="1904760" imgH="711000" progId="Equation.3">
                   <p:embed/>
                 </p:oleObj>
               </mc:Choice>
@@ -15632,7 +15717,7 @@
           <a:graphicData uri="http://schemas.openxmlformats.org/presentationml/2006/ole">
             <mc:AlternateContent xmlns:mc="http://schemas.openxmlformats.org/markup-compatibility/2006">
               <mc:Choice xmlns:v="urn:schemas-microsoft-com:vml" Requires="v">
-                <p:oleObj spid="_x0000_s450599" name="公式" r:id="rId5" imgW="2705040" imgH="2108160" progId="Equation.3">
+                <p:oleObj spid="_x0000_s450603" name="公式" r:id="rId5" imgW="2705040" imgH="2108160" progId="Equation.3">
                   <p:embed/>
                 </p:oleObj>
               </mc:Choice>
@@ -15873,7 +15958,7 @@
           <a:graphicData uri="http://schemas.openxmlformats.org/presentationml/2006/ole">
             <mc:AlternateContent xmlns:mc="http://schemas.openxmlformats.org/markup-compatibility/2006">
               <mc:Choice xmlns:v="urn:schemas-microsoft-com:vml" Requires="v">
-                <p:oleObj spid="_x0000_s402526" name="公式" r:id="rId3" imgW="3238200" imgH="2311200" progId="Equation.3">
+                <p:oleObj spid="_x0000_s402530" name="公式" r:id="rId3" imgW="3238200" imgH="2311200" progId="Equation.3">
                   <p:embed/>
                 </p:oleObj>
               </mc:Choice>
@@ -15943,7 +16028,7 @@
           <a:graphicData uri="http://schemas.openxmlformats.org/presentationml/2006/ole">
             <mc:AlternateContent xmlns:mc="http://schemas.openxmlformats.org/markup-compatibility/2006">
               <mc:Choice xmlns:v="urn:schemas-microsoft-com:vml" Requires="v">
-                <p:oleObj spid="_x0000_s402527" name="公式" r:id="rId5" imgW="1904760" imgH="1422360" progId="Equation.3">
+                <p:oleObj spid="_x0000_s402531" name="公式" r:id="rId5" imgW="1904760" imgH="1422360" progId="Equation.3">
                   <p:embed/>
                 </p:oleObj>
               </mc:Choice>
@@ -16399,7 +16484,7 @@
           <a:graphicData uri="http://schemas.openxmlformats.org/presentationml/2006/ole">
             <mc:AlternateContent xmlns:mc="http://schemas.openxmlformats.org/markup-compatibility/2006">
               <mc:Choice xmlns:v="urn:schemas-microsoft-com:vml" Requires="v">
-                <p:oleObj spid="_x0000_s403530" name="公式" r:id="rId3" imgW="2247840" imgH="1130040" progId="Equation.3">
+                <p:oleObj spid="_x0000_s403532" name="公式" r:id="rId3" imgW="2247840" imgH="1130040" progId="Equation.3">
                   <p:embed/>
                 </p:oleObj>
               </mc:Choice>
@@ -16664,7 +16749,7 @@
           <a:graphicData uri="http://schemas.openxmlformats.org/presentationml/2006/ole">
             <mc:AlternateContent xmlns:mc="http://schemas.openxmlformats.org/markup-compatibility/2006">
               <mc:Choice xmlns:v="urn:schemas-microsoft-com:vml" Requires="v">
-                <p:oleObj spid="_x0000_s404554" name="公式" r:id="rId3" imgW="2882880" imgH="1549080" progId="Equation.3">
+                <p:oleObj spid="_x0000_s404556" name="公式" r:id="rId3" imgW="2882880" imgH="1549080" progId="Equation.3">
                   <p:embed/>
                 </p:oleObj>
               </mc:Choice>
@@ -16745,28 +16830,6 @@
       </p:grpSpPr>
       <p:sp>
         <p:nvSpPr>
-          <p:cNvPr id="2" name="标题 1"/>
-          <p:cNvSpPr>
-            <a:spLocks noGrp="1"/>
-          </p:cNvSpPr>
-          <p:nvPr>
-            <p:ph type="title"/>
-          </p:nvPr>
-        </p:nvSpPr>
-        <p:spPr/>
-        <p:txBody>
-          <a:bodyPr/>
-          <a:lstStyle/>
-          <a:p>
-            <a:pPr>
-              <a:defRPr/>
-            </a:pPr>
-            <a:endParaRPr lang="zh-CN" altLang="en-US" dirty="0"/>
-          </a:p>
-        </p:txBody>
-      </p:sp>
-      <p:sp>
-        <p:nvSpPr>
           <p:cNvPr id="27653" name="灯片编号占位符 3"/>
           <p:cNvSpPr>
             <a:spLocks noGrp="1"/>
@@ -16817,7 +16880,7 @@
           <a:graphicData uri="http://schemas.openxmlformats.org/presentationml/2006/ole">
             <mc:AlternateContent xmlns:mc="http://schemas.openxmlformats.org/markup-compatibility/2006">
               <mc:Choice xmlns:v="urn:schemas-microsoft-com:vml" Requires="v">
-                <p:oleObj spid="_x0000_s405578" name="公式" r:id="rId3" imgW="2781000" imgH="1574640" progId="Equation.3">
+                <p:oleObj spid="_x0000_s405580" name="公式" r:id="rId3" imgW="2781000" imgH="1574640" progId="Equation.3">
                   <p:embed/>
                 </p:oleObj>
               </mc:Choice>
@@ -16871,38 +16934,6 @@
           </a:graphicData>
         </a:graphic>
       </p:graphicFrame>
-      <p:sp>
-        <p:nvSpPr>
-          <p:cNvPr id="3" name="TextBox 2">
-            <a:extLst>
-              <a:ext uri="{FF2B5EF4-FFF2-40B4-BE49-F238E27FC236}">
-                <a16:creationId xmlns:a16="http://schemas.microsoft.com/office/drawing/2014/main" id="{5B93A629-120C-894C-B9CB-E6576E7BB597}"/>
-              </a:ext>
-            </a:extLst>
-          </p:cNvPr>
-          <p:cNvSpPr txBox="1"/>
-          <p:nvPr/>
-        </p:nvSpPr>
-        <p:spPr>
-          <a:xfrm>
-            <a:off x="2082188" y="1520328"/>
-            <a:ext cx="184731" cy="369332"/>
-          </a:xfrm>
-          <a:prstGeom prst="rect">
-            <a:avLst/>
-          </a:prstGeom>
-          <a:noFill/>
-        </p:spPr>
-        <p:txBody>
-          <a:bodyPr wrap="none" rtlCol="0">
-            <a:spAutoFit/>
-          </a:bodyPr>
-          <a:lstStyle/>
-          <a:p>
-            <a:endParaRPr lang="en-US"/>
-          </a:p>
-        </p:txBody>
-      </p:sp>
     </p:spTree>
   </p:cSld>
   <p:clrMapOvr>
@@ -17212,30 +17243,6 @@
       </p:grpSpPr>
       <p:sp>
         <p:nvSpPr>
-          <p:cNvPr id="28675" name="内容占位符 2"/>
-          <p:cNvSpPr>
-            <a:spLocks noGrp="1"/>
-          </p:cNvSpPr>
-          <p:nvPr>
-            <p:ph idx="1"/>
-          </p:nvPr>
-        </p:nvSpPr>
-        <p:spPr>
-          <a:xfrm>
-            <a:off x="685800" y="620713"/>
-            <a:ext cx="7772400" cy="5475287"/>
-          </a:xfrm>
-        </p:spPr>
-        <p:txBody>
-          <a:bodyPr/>
-          <a:lstStyle/>
-          <a:p>
-            <a:endParaRPr lang="zh-CN" altLang="en-US"/>
-          </a:p>
-        </p:txBody>
-      </p:sp>
-      <p:sp>
-        <p:nvSpPr>
           <p:cNvPr id="28676" name="灯片编号占位符 3"/>
           <p:cNvSpPr>
             <a:spLocks noGrp="1"/>
@@ -17270,17 +17277,23 @@
           <p:cNvGraphicFramePr>
             <a:graphicFrameLocks noChangeAspect="1"/>
           </p:cNvGraphicFramePr>
-          <p:nvPr/>
+          <p:nvPr>
+            <p:extLst>
+              <p:ext uri="{D42A27DB-BD31-4B8C-83A1-F6EECF244321}">
+                <p14:modId xmlns:p14="http://schemas.microsoft.com/office/powerpoint/2010/main" val="265968736"/>
+              </p:ext>
+            </p:extLst>
+          </p:nvPr>
         </p:nvGraphicFramePr>
         <p:xfrm>
-          <a:off x="977900" y="931863"/>
+          <a:off x="910708" y="943769"/>
           <a:ext cx="6875463" cy="4970462"/>
         </p:xfrm>
         <a:graphic>
           <a:graphicData uri="http://schemas.openxmlformats.org/presentationml/2006/ole">
             <mc:AlternateContent xmlns:mc="http://schemas.openxmlformats.org/markup-compatibility/2006">
               <mc:Choice xmlns:v="urn:schemas-microsoft-com:vml" Requires="v">
-                <p:oleObj spid="_x0000_s406602" name="公式" r:id="rId3" imgW="2692080" imgH="1942920" progId="Equation.3">
+                <p:oleObj spid="_x0000_s406604" name="公式" r:id="rId3" imgW="2692080" imgH="1942920" progId="Equation.3">
                   <p:embed/>
                 </p:oleObj>
               </mc:Choice>
@@ -17310,7 +17323,7 @@
                     </p:blipFill>
                     <p:spPr bwMode="auto">
                       <a:xfrm>
-                        <a:off x="977900" y="931863"/>
+                        <a:off x="910708" y="943769"/>
                         <a:ext cx="6875463" cy="4970462"/>
                       </a:xfrm>
                       <a:prstGeom prst="rect">
@@ -17361,47 +17374,6 @@
       </p:grpSpPr>
       <p:sp>
         <p:nvSpPr>
-          <p:cNvPr id="2" name="标题 1"/>
-          <p:cNvSpPr>
-            <a:spLocks noGrp="1"/>
-          </p:cNvSpPr>
-          <p:nvPr>
-            <p:ph type="title"/>
-          </p:nvPr>
-        </p:nvSpPr>
-        <p:spPr/>
-        <p:txBody>
-          <a:bodyPr/>
-          <a:lstStyle/>
-          <a:p>
-            <a:pPr>
-              <a:defRPr/>
-            </a:pPr>
-            <a:endParaRPr lang="zh-CN" altLang="en-US"/>
-          </a:p>
-        </p:txBody>
-      </p:sp>
-      <p:sp>
-        <p:nvSpPr>
-          <p:cNvPr id="29700" name="内容占位符 2"/>
-          <p:cNvSpPr>
-            <a:spLocks noGrp="1"/>
-          </p:cNvSpPr>
-          <p:nvPr>
-            <p:ph idx="1"/>
-          </p:nvPr>
-        </p:nvSpPr>
-        <p:spPr/>
-        <p:txBody>
-          <a:bodyPr/>
-          <a:lstStyle/>
-          <a:p>
-            <a:endParaRPr lang="zh-CN" altLang="en-US"/>
-          </a:p>
-        </p:txBody>
-      </p:sp>
-      <p:sp>
-        <p:nvSpPr>
           <p:cNvPr id="29701" name="灯片编号占位符 3"/>
           <p:cNvSpPr>
             <a:spLocks noGrp="1"/>
@@ -17436,17 +17408,23 @@
           <p:cNvGraphicFramePr>
             <a:graphicFrameLocks noChangeAspect="1"/>
           </p:cNvGraphicFramePr>
-          <p:nvPr/>
+          <p:nvPr>
+            <p:extLst>
+              <p:ext uri="{D42A27DB-BD31-4B8C-83A1-F6EECF244321}">
+                <p14:modId xmlns:p14="http://schemas.microsoft.com/office/powerpoint/2010/main" val="1207943799"/>
+              </p:ext>
+            </p:extLst>
+          </p:nvPr>
         </p:nvGraphicFramePr>
         <p:xfrm>
-          <a:off x="677863" y="1144588"/>
+          <a:off x="728223" y="1453060"/>
           <a:ext cx="7880350" cy="4451350"/>
         </p:xfrm>
         <a:graphic>
           <a:graphicData uri="http://schemas.openxmlformats.org/presentationml/2006/ole">
             <mc:AlternateContent xmlns:mc="http://schemas.openxmlformats.org/markup-compatibility/2006">
               <mc:Choice xmlns:v="urn:schemas-microsoft-com:vml" Requires="v">
-                <p:oleObj spid="_x0000_s407626" name="公式" r:id="rId4" imgW="3085920" imgH="1739880" progId="Equation.3">
+                <p:oleObj spid="_x0000_s407628" name="公式" r:id="rId4" imgW="3085920" imgH="1739880" progId="Equation.3">
                   <p:embed/>
                 </p:oleObj>
               </mc:Choice>
@@ -17476,7 +17454,7 @@
                     </p:blipFill>
                     <p:spPr bwMode="auto">
                       <a:xfrm>
-                        <a:off x="677863" y="1144588"/>
+                        <a:off x="728223" y="1453060"/>
                         <a:ext cx="7880350" cy="4451350"/>
                       </a:xfrm>
                       <a:prstGeom prst="rect">
@@ -20477,7 +20455,7 @@
           <a:graphicData uri="http://schemas.openxmlformats.org/presentationml/2006/ole">
             <mc:AlternateContent xmlns:mc="http://schemas.openxmlformats.org/markup-compatibility/2006">
               <mc:Choice xmlns:v="urn:schemas-microsoft-com:vml" Requires="v">
-                <p:oleObj spid="_x0000_s446532" name="公式" r:id="rId4" imgW="152280" imgH="228600" progId="Equation.3">
+                <p:oleObj spid="_x0000_s446536" name="公式" r:id="rId4" imgW="152280" imgH="228600" progId="Equation.3">
                   <p:embed/>
                 </p:oleObj>
               </mc:Choice>
@@ -20541,7 +20519,7 @@
           <a:graphicData uri="http://schemas.openxmlformats.org/presentationml/2006/ole">
             <mc:AlternateContent xmlns:mc="http://schemas.openxmlformats.org/markup-compatibility/2006">
               <mc:Choice xmlns:v="urn:schemas-microsoft-com:vml" Requires="v">
-                <p:oleObj spid="_x0000_s446533" name="公式" r:id="rId6" imgW="152280" imgH="228600" progId="Equation.3">
+                <p:oleObj spid="_x0000_s446537" name="公式" r:id="rId6" imgW="152280" imgH="228600" progId="Equation.3">
                   <p:embed/>
                 </p:oleObj>
               </mc:Choice>
@@ -20950,7 +20928,7 @@
           <a:graphicData uri="http://schemas.openxmlformats.org/presentationml/2006/ole">
             <mc:AlternateContent xmlns:mc="http://schemas.openxmlformats.org/markup-compatibility/2006">
               <mc:Choice xmlns:v="urn:schemas-microsoft-com:vml" Requires="v">
-                <p:oleObj spid="_x0000_s408800" name="公式" r:id="rId4" imgW="2768400" imgH="660240" progId="Equation.3">
+                <p:oleObj spid="_x0000_s408806" name="公式" r:id="rId4" imgW="2768400" imgH="660240" progId="Equation.3">
                   <p:embed/>
                 </p:oleObj>
               </mc:Choice>
@@ -21014,7 +20992,7 @@
           <a:graphicData uri="http://schemas.openxmlformats.org/presentationml/2006/ole">
             <mc:AlternateContent xmlns:mc="http://schemas.openxmlformats.org/markup-compatibility/2006">
               <mc:Choice xmlns:v="urn:schemas-microsoft-com:vml" Requires="v">
-                <p:oleObj spid="_x0000_s408801" name="公式" r:id="rId6" imgW="152280" imgH="228600" progId="Equation.3">
+                <p:oleObj spid="_x0000_s408807" name="公式" r:id="rId6" imgW="152280" imgH="228600" progId="Equation.3">
                   <p:embed/>
                 </p:oleObj>
               </mc:Choice>
@@ -21084,7 +21062,7 @@
           <a:graphicData uri="http://schemas.openxmlformats.org/presentationml/2006/ole">
             <mc:AlternateContent xmlns:mc="http://schemas.openxmlformats.org/markup-compatibility/2006">
               <mc:Choice xmlns:v="urn:schemas-microsoft-com:vml" Requires="v">
-                <p:oleObj spid="_x0000_s408802" name="公式" r:id="rId8" imgW="2438280" imgH="228600" progId="Equation.3">
+                <p:oleObj spid="_x0000_s408808" name="公式" r:id="rId8" imgW="2438280" imgH="228600" progId="Equation.3">
                   <p:embed/>
                 </p:oleObj>
               </mc:Choice>
@@ -21304,7 +21282,7 @@
           <a:graphicData uri="http://schemas.openxmlformats.org/presentationml/2006/ole">
             <mc:AlternateContent xmlns:mc="http://schemas.openxmlformats.org/markup-compatibility/2006">
               <mc:Choice xmlns:v="urn:schemas-microsoft-com:vml" Requires="v">
-                <p:oleObj spid="_x0000_s409748" name="公式" r:id="rId3" imgW="152280" imgH="228600" progId="Equation.3">
+                <p:oleObj spid="_x0000_s409752" name="公式" r:id="rId3" imgW="152280" imgH="228600" progId="Equation.3">
                   <p:embed/>
                 </p:oleObj>
               </mc:Choice>
@@ -21380,7 +21358,7 @@
           <a:graphicData uri="http://schemas.openxmlformats.org/presentationml/2006/ole">
             <mc:AlternateContent xmlns:mc="http://schemas.openxmlformats.org/markup-compatibility/2006">
               <mc:Choice xmlns:v="urn:schemas-microsoft-com:vml" Requires="v">
-                <p:oleObj spid="_x0000_s409749" name="公式" r:id="rId5" imgW="1434960" imgH="482400" progId="Equation.3">
+                <p:oleObj spid="_x0000_s409753" name="公式" r:id="rId5" imgW="1434960" imgH="482400" progId="Equation.3">
                   <p:embed/>
                 </p:oleObj>
               </mc:Choice>
@@ -21585,7 +21563,7 @@
           <a:graphicData uri="http://schemas.openxmlformats.org/presentationml/2006/ole">
             <mc:AlternateContent xmlns:mc="http://schemas.openxmlformats.org/markup-compatibility/2006">
               <mc:Choice xmlns:v="urn:schemas-microsoft-com:vml" Requires="v">
-                <p:oleObj spid="_x0000_s410699" name="公式" r:id="rId3" imgW="3111480" imgH="965160" progId="Equation.3">
+                <p:oleObj spid="_x0000_s410701" name="公式" r:id="rId3" imgW="3111480" imgH="965160" progId="Equation.3">
                   <p:embed/>
                 </p:oleObj>
               </mc:Choice>
@@ -21739,7 +21717,7 @@
           <a:graphicData uri="http://schemas.openxmlformats.org/presentationml/2006/ole">
             <mc:AlternateContent xmlns:mc="http://schemas.openxmlformats.org/markup-compatibility/2006">
               <mc:Choice xmlns:v="urn:schemas-microsoft-com:vml" Requires="v">
-                <p:oleObj spid="_x0000_s411723" name="公式" r:id="rId4" imgW="2247840" imgH="1371600" progId="Equation.3">
+                <p:oleObj spid="_x0000_s411725" name="公式" r:id="rId4" imgW="2247840" imgH="1371600" progId="Equation.3">
                   <p:embed/>
                 </p:oleObj>
               </mc:Choice>
@@ -21912,7 +21890,7 @@
           <a:graphicData uri="http://schemas.openxmlformats.org/presentationml/2006/ole">
             <mc:AlternateContent xmlns:mc="http://schemas.openxmlformats.org/markup-compatibility/2006">
               <mc:Choice xmlns:v="urn:schemas-microsoft-com:vml" Requires="v">
-                <p:oleObj spid="_x0000_s412747" name="公式" r:id="rId4" imgW="2082600" imgH="1422360" progId="Equation.3">
+                <p:oleObj spid="_x0000_s412749" name="公式" r:id="rId4" imgW="2082600" imgH="1422360" progId="Equation.3">
                   <p:embed/>
                 </p:oleObj>
               </mc:Choice>
@@ -22539,7 +22517,7 @@
           <a:graphicData uri="http://schemas.openxmlformats.org/presentationml/2006/ole">
             <mc:AlternateContent xmlns:mc="http://schemas.openxmlformats.org/markup-compatibility/2006">
               <mc:Choice xmlns:v="urn:schemas-microsoft-com:vml" Requires="v">
-                <p:oleObj spid="_x0000_s413842" name="公式" r:id="rId3" imgW="1460160" imgH="228600" progId="Equation.3">
+                <p:oleObj spid="_x0000_s413846" name="公式" r:id="rId3" imgW="1460160" imgH="228600" progId="Equation.3">
                   <p:embed/>
                 </p:oleObj>
               </mc:Choice>
@@ -22609,7 +22587,7 @@
           <a:graphicData uri="http://schemas.openxmlformats.org/presentationml/2006/ole">
             <mc:AlternateContent xmlns:mc="http://schemas.openxmlformats.org/markup-compatibility/2006">
               <mc:Choice xmlns:v="urn:schemas-microsoft-com:vml" Requires="v">
-                <p:oleObj spid="_x0000_s413843" name="公式" r:id="rId5" imgW="863280" imgH="203040" progId="Equation.3">
+                <p:oleObj spid="_x0000_s413847" name="公式" r:id="rId5" imgW="863280" imgH="203040" progId="Equation.3">
                   <p:embed/>
                 </p:oleObj>
               </mc:Choice>
@@ -22740,7 +22718,7 @@
           <a:graphicData uri="http://schemas.openxmlformats.org/presentationml/2006/ole">
             <mc:AlternateContent xmlns:mc="http://schemas.openxmlformats.org/markup-compatibility/2006">
               <mc:Choice xmlns:v="urn:schemas-microsoft-com:vml" Requires="v">
-                <p:oleObj spid="_x0000_s414796" name="公式" r:id="rId4" imgW="2311200" imgH="1714320" progId="Equation.3">
+                <p:oleObj spid="_x0000_s414798" name="公式" r:id="rId4" imgW="2311200" imgH="1714320" progId="Equation.3">
                   <p:embed/>
                 </p:oleObj>
               </mc:Choice>
@@ -23046,7 +23024,7 @@
           <a:graphicData uri="http://schemas.openxmlformats.org/presentationml/2006/ole">
             <mc:AlternateContent xmlns:mc="http://schemas.openxmlformats.org/markup-compatibility/2006">
               <mc:Choice xmlns:v="urn:schemas-microsoft-com:vml" Requires="v">
-                <p:oleObj spid="_x0000_s415892" name="公式" r:id="rId4" imgW="1600200" imgH="406080" progId="Equation.3">
+                <p:oleObj spid="_x0000_s415896" name="公式" r:id="rId4" imgW="1600200" imgH="406080" progId="Equation.3">
                   <p:embed/>
                 </p:oleObj>
               </mc:Choice>
@@ -23967,7 +23945,7 @@
           <a:graphicData uri="http://schemas.openxmlformats.org/presentationml/2006/ole">
             <mc:AlternateContent xmlns:mc="http://schemas.openxmlformats.org/markup-compatibility/2006">
               <mc:Choice xmlns:v="urn:schemas-microsoft-com:vml" Requires="v">
-                <p:oleObj spid="_x0000_s415893" name="公式" r:id="rId6" imgW="253800" imgH="444240" progId="Equation.3">
+                <p:oleObj spid="_x0000_s415897" name="公式" r:id="rId6" imgW="253800" imgH="444240" progId="Equation.3">
                   <p:embed/>
                 </p:oleObj>
               </mc:Choice>
@@ -25649,7 +25627,7 @@
           <a:graphicData uri="http://schemas.openxmlformats.org/presentationml/2006/ole">
             <mc:AlternateContent xmlns:mc="http://schemas.openxmlformats.org/markup-compatibility/2006">
               <mc:Choice xmlns:v="urn:schemas-microsoft-com:vml" Requires="v">
-                <p:oleObj spid="_x0000_s416842" name="公式" r:id="rId3" imgW="2019240" imgH="1904760" progId="Equation.3">
+                <p:oleObj spid="_x0000_s416844" name="公式" r:id="rId3" imgW="2019240" imgH="1904760" progId="Equation.3">
                   <p:embed/>
                 </p:oleObj>
               </mc:Choice>
@@ -27369,7 +27347,7 @@
           <a:graphicData uri="http://schemas.openxmlformats.org/presentationml/2006/ole">
             <mc:AlternateContent xmlns:mc="http://schemas.openxmlformats.org/markup-compatibility/2006">
               <mc:Choice xmlns:v="urn:schemas-microsoft-com:vml" Requires="v">
-                <p:oleObj spid="_x0000_s417867" name="公式" r:id="rId3" imgW="3022560" imgH="2997000" progId="Equation.3">
+                <p:oleObj spid="_x0000_s417869" name="公式" r:id="rId3" imgW="3022560" imgH="2997000" progId="Equation.3">
                   <p:embed/>
                 </p:oleObj>
               </mc:Choice>
@@ -27532,7 +27510,7 @@
           <a:graphicData uri="http://schemas.openxmlformats.org/presentationml/2006/ole">
             <mc:AlternateContent xmlns:mc="http://schemas.openxmlformats.org/markup-compatibility/2006">
               <mc:Choice xmlns:v="urn:schemas-microsoft-com:vml" Requires="v">
-                <p:oleObj spid="_x0000_s418890" name="公式" r:id="rId3" imgW="2857320" imgH="1155600" progId="Equation.3">
+                <p:oleObj spid="_x0000_s418892" name="公式" r:id="rId3" imgW="2857320" imgH="1155600" progId="Equation.3">
                   <p:embed/>
                 </p:oleObj>
               </mc:Choice>
@@ -27817,7 +27795,7 @@
           <a:graphicData uri="http://schemas.openxmlformats.org/presentationml/2006/ole">
             <mc:AlternateContent xmlns:mc="http://schemas.openxmlformats.org/markup-compatibility/2006">
               <mc:Choice xmlns:v="urn:schemas-microsoft-com:vml" Requires="v">
-                <p:oleObj spid="_x0000_s419914" name="公式" r:id="rId3" imgW="3454200" imgH="2197080" progId="Equation.3">
+                <p:oleObj spid="_x0000_s419916" name="公式" r:id="rId3" imgW="3454200" imgH="2197080" progId="Equation.3">
                   <p:embed/>
                 </p:oleObj>
               </mc:Choice>
@@ -27961,7 +27939,7 @@
           <a:graphicData uri="http://schemas.openxmlformats.org/presentationml/2006/ole">
             <mc:AlternateContent xmlns:mc="http://schemas.openxmlformats.org/markup-compatibility/2006">
               <mc:Choice xmlns:v="urn:schemas-microsoft-com:vml" Requires="v">
-                <p:oleObj spid="_x0000_s420939" name="公式" r:id="rId3" imgW="3187440" imgH="2844720" progId="Equation.3">
+                <p:oleObj spid="_x0000_s420941" name="公式" r:id="rId3" imgW="3187440" imgH="2844720" progId="Equation.3">
                   <p:embed/>
                 </p:oleObj>
               </mc:Choice>
@@ -28107,7 +28085,7 @@
           <a:graphicData uri="http://schemas.openxmlformats.org/presentationml/2006/ole">
             <mc:AlternateContent xmlns:mc="http://schemas.openxmlformats.org/markup-compatibility/2006">
               <mc:Choice xmlns:v="urn:schemas-microsoft-com:vml" Requires="v">
-                <p:oleObj spid="_x0000_s421962" name="公式" r:id="rId4" imgW="3238200" imgH="2133360" progId="Equation.3">
+                <p:oleObj spid="_x0000_s421964" name="公式" r:id="rId4" imgW="3238200" imgH="2133360" progId="Equation.3">
                   <p:embed/>
                 </p:oleObj>
               </mc:Choice>
@@ -28254,7 +28232,7 @@
           <a:graphicData uri="http://schemas.openxmlformats.org/presentationml/2006/ole">
             <mc:AlternateContent xmlns:mc="http://schemas.openxmlformats.org/markup-compatibility/2006">
               <mc:Choice xmlns:v="urn:schemas-microsoft-com:vml" Requires="v">
-                <p:oleObj spid="_x0000_s422986" name="公式" r:id="rId3" imgW="1866600" imgH="1511280" progId="Equation.3">
+                <p:oleObj spid="_x0000_s422988" name="公式" r:id="rId3" imgW="1866600" imgH="1511280" progId="Equation.3">
                   <p:embed/>
                 </p:oleObj>
               </mc:Choice>
@@ -32049,7 +32027,7 @@
           <a:graphicData uri="http://schemas.openxmlformats.org/presentationml/2006/ole">
             <mc:AlternateContent xmlns:mc="http://schemas.openxmlformats.org/markup-compatibility/2006">
               <mc:Choice xmlns:v="urn:schemas-microsoft-com:vml" Requires="v">
-                <p:oleObj spid="_x0000_s437322" name="公式" r:id="rId4" imgW="3136680" imgH="965160" progId="Equation.3">
+                <p:oleObj spid="_x0000_s437324" name="公式" r:id="rId4" imgW="3136680" imgH="965160" progId="Equation.3">
                   <p:embed/>
                 </p:oleObj>
               </mc:Choice>
@@ -32603,7 +32581,7 @@
           <a:graphicData uri="http://schemas.openxmlformats.org/presentationml/2006/ole">
             <mc:AlternateContent xmlns:mc="http://schemas.openxmlformats.org/markup-compatibility/2006">
               <mc:Choice xmlns:v="urn:schemas-microsoft-com:vml" Requires="v">
-                <p:oleObj spid="_x0000_s438347" name="公式" r:id="rId3" imgW="3733560" imgH="1803240" progId="Equation.3">
+                <p:oleObj spid="_x0000_s438349" name="公式" r:id="rId3" imgW="3733560" imgH="1803240" progId="Equation.3">
                   <p:embed/>
                 </p:oleObj>
               </mc:Choice>
@@ -32982,7 +32960,7 @@
           <a:graphicData uri="http://schemas.openxmlformats.org/presentationml/2006/ole">
             <mc:AlternateContent xmlns:mc="http://schemas.openxmlformats.org/markup-compatibility/2006">
               <mc:Choice xmlns:v="urn:schemas-microsoft-com:vml" Requires="v">
-                <p:oleObj spid="_x0000_s439370" name="公式" r:id="rId3" imgW="1726920" imgH="203040" progId="Equation.3">
+                <p:oleObj spid="_x0000_s439372" name="公式" r:id="rId3" imgW="1726920" imgH="203040" progId="Equation.3">
                   <p:embed/>
                 </p:oleObj>
               </mc:Choice>
@@ -33309,7 +33287,7 @@
           <a:graphicData uri="http://schemas.openxmlformats.org/presentationml/2006/ole">
             <mc:AlternateContent xmlns:mc="http://schemas.openxmlformats.org/markup-compatibility/2006">
               <mc:Choice xmlns:v="urn:schemas-microsoft-com:vml" Requires="v">
-                <p:oleObj spid="_x0000_s440394" name="公式" r:id="rId3" imgW="3263760" imgH="1193760" progId="Equation.3">
+                <p:oleObj spid="_x0000_s440396" name="公式" r:id="rId3" imgW="3263760" imgH="1193760" progId="Equation.3">
                   <p:embed/>
                 </p:oleObj>
               </mc:Choice>
@@ -35887,47 +35865,6 @@
       </p:grpSpPr>
       <p:sp>
         <p:nvSpPr>
-          <p:cNvPr id="2" name="标题 1"/>
-          <p:cNvSpPr>
-            <a:spLocks noGrp="1"/>
-          </p:cNvSpPr>
-          <p:nvPr>
-            <p:ph type="title"/>
-          </p:nvPr>
-        </p:nvSpPr>
-        <p:spPr/>
-        <p:txBody>
-          <a:bodyPr/>
-          <a:lstStyle/>
-          <a:p>
-            <a:pPr>
-              <a:defRPr/>
-            </a:pPr>
-            <a:endParaRPr lang="zh-CN" altLang="en-US"/>
-          </a:p>
-        </p:txBody>
-      </p:sp>
-      <p:sp>
-        <p:nvSpPr>
-          <p:cNvPr id="63492" name="内容占位符 2"/>
-          <p:cNvSpPr>
-            <a:spLocks noGrp="1"/>
-          </p:cNvSpPr>
-          <p:nvPr>
-            <p:ph idx="1"/>
-          </p:nvPr>
-        </p:nvSpPr>
-        <p:spPr/>
-        <p:txBody>
-          <a:bodyPr/>
-          <a:lstStyle/>
-          <a:p>
-            <a:endParaRPr lang="zh-CN" altLang="en-US"/>
-          </a:p>
-        </p:txBody>
-      </p:sp>
-      <p:sp>
-        <p:nvSpPr>
           <p:cNvPr id="63493" name="灯片编号占位符 3"/>
           <p:cNvSpPr>
             <a:spLocks noGrp="1"/>
@@ -35962,17 +35899,23 @@
           <p:cNvGraphicFramePr>
             <a:graphicFrameLocks noChangeAspect="1"/>
           </p:cNvGraphicFramePr>
-          <p:nvPr/>
+          <p:nvPr>
+            <p:extLst>
+              <p:ext uri="{D42A27DB-BD31-4B8C-83A1-F6EECF244321}">
+                <p14:modId xmlns:p14="http://schemas.microsoft.com/office/powerpoint/2010/main" val="1338934405"/>
+              </p:ext>
+            </p:extLst>
+          </p:nvPr>
         </p:nvGraphicFramePr>
         <p:xfrm>
-          <a:off x="290513" y="760413"/>
+          <a:off x="603504" y="673894"/>
           <a:ext cx="8621712" cy="5510212"/>
         </p:xfrm>
         <a:graphic>
           <a:graphicData uri="http://schemas.openxmlformats.org/presentationml/2006/ole">
             <mc:AlternateContent xmlns:mc="http://schemas.openxmlformats.org/markup-compatibility/2006">
               <mc:Choice xmlns:v="urn:schemas-microsoft-com:vml" Requires="v">
-                <p:oleObj spid="_x0000_s441418" name="公式" r:id="rId3" imgW="3873240" imgH="2514600" progId="Equation.3">
+                <p:oleObj spid="_x0000_s441420" name="公式" r:id="rId3" imgW="3873240" imgH="2514600" progId="Equation.3">
                   <p:embed/>
                 </p:oleObj>
               </mc:Choice>
@@ -36002,7 +35945,7 @@
                     </p:blipFill>
                     <p:spPr bwMode="auto">
                       <a:xfrm>
-                        <a:off x="290513" y="760413"/>
+                        <a:off x="603504" y="673894"/>
                         <a:ext cx="8621712" cy="5510212"/>
                       </a:xfrm>
                       <a:prstGeom prst="rect">
@@ -36053,25 +35996,6 @@
       </p:grpSpPr>
       <p:sp>
         <p:nvSpPr>
-          <p:cNvPr id="64515" name="内容占位符 2"/>
-          <p:cNvSpPr>
-            <a:spLocks noGrp="1"/>
-          </p:cNvSpPr>
-          <p:nvPr>
-            <p:ph idx="1"/>
-          </p:nvPr>
-        </p:nvSpPr>
-        <p:spPr/>
-        <p:txBody>
-          <a:bodyPr/>
-          <a:lstStyle/>
-          <a:p>
-            <a:endParaRPr lang="zh-CN" altLang="en-US"/>
-          </a:p>
-        </p:txBody>
-      </p:sp>
-      <p:sp>
-        <p:nvSpPr>
           <p:cNvPr id="64516" name="灯片编号占位符 3"/>
           <p:cNvSpPr>
             <a:spLocks noGrp="1"/>
@@ -36106,17 +36030,23 @@
           <p:cNvGraphicFramePr>
             <a:graphicFrameLocks noChangeAspect="1"/>
           </p:cNvGraphicFramePr>
-          <p:nvPr/>
+          <p:nvPr>
+            <p:extLst>
+              <p:ext uri="{D42A27DB-BD31-4B8C-83A1-F6EECF244321}">
+                <p14:modId xmlns:p14="http://schemas.microsoft.com/office/powerpoint/2010/main" val="4123533702"/>
+              </p:ext>
+            </p:extLst>
+          </p:nvPr>
         </p:nvGraphicFramePr>
         <p:xfrm>
-          <a:off x="431800" y="957263"/>
+          <a:off x="238331" y="619333"/>
           <a:ext cx="8339138" cy="5119687"/>
         </p:xfrm>
         <a:graphic>
           <a:graphicData uri="http://schemas.openxmlformats.org/presentationml/2006/ole">
             <mc:AlternateContent xmlns:mc="http://schemas.openxmlformats.org/markup-compatibility/2006">
               <mc:Choice xmlns:v="urn:schemas-microsoft-com:vml" Requires="v">
-                <p:oleObj spid="_x0000_s442442" name="公式" r:id="rId3" imgW="3746160" imgH="2336760" progId="Equation.3">
+                <p:oleObj spid="_x0000_s442444" name="公式" r:id="rId3" imgW="3746160" imgH="2336760" progId="Equation.3">
                   <p:embed/>
                 </p:oleObj>
               </mc:Choice>
@@ -36146,7 +36076,7 @@
                     </p:blipFill>
                     <p:spPr bwMode="auto">
                       <a:xfrm>
-                        <a:off x="431800" y="957263"/>
+                        <a:off x="238331" y="619333"/>
                         <a:ext cx="8339138" cy="5119687"/>
                       </a:xfrm>
                       <a:prstGeom prst="rect">
@@ -37417,7 +37347,7 @@
           <a:graphicData uri="http://schemas.openxmlformats.org/presentationml/2006/ole">
             <mc:AlternateContent xmlns:mc="http://schemas.openxmlformats.org/markup-compatibility/2006">
               <mc:Choice xmlns:v="urn:schemas-microsoft-com:vml" Requires="v">
-                <p:oleObj spid="_x0000_s443466" name="公式" r:id="rId4" imgW="1688760" imgH="914400" progId="Equation.3">
+                <p:oleObj spid="_x0000_s443468" name="公式" r:id="rId4" imgW="1688760" imgH="914400" progId="Equation.3">
                   <p:embed/>
                 </p:oleObj>
               </mc:Choice>
@@ -42468,7 +42398,7 @@
           <a:graphicData uri="http://schemas.openxmlformats.org/presentationml/2006/ole">
             <mc:AlternateContent xmlns:mc="http://schemas.openxmlformats.org/markup-compatibility/2006">
               <mc:Choice xmlns:v="urn:schemas-microsoft-com:vml" Requires="v">
-                <p:oleObj spid="_x0000_s444490" name="公式" r:id="rId3" imgW="3441600" imgH="2133360" progId="Equation.3">
+                <p:oleObj spid="_x0000_s444492" name="公式" r:id="rId3" imgW="3441600" imgH="2133360" progId="Equation.3">
                   <p:embed/>
                 </p:oleObj>
               </mc:Choice>

--- a/PPT/人工智能导论：第四章 统计机器学习.pptx
+++ b/PPT/人工智能导论：第四章 统计机器学习.pptx
@@ -322,7 +322,7 @@
             <a:fld id="{005A66E1-596A-496E-B96E-FE454130F19C}" type="datetimeFigureOut">
               <a:rPr lang="zh-CN" altLang="en-US" smtClean="0"/>
               <a:pPr/>
-              <a:t>2022/6/12</a:t>
+              <a:t>2022/6/14</a:t>
             </a:fld>
             <a:endParaRPr lang="zh-CN" altLang="en-US"/>
           </a:p>
@@ -489,7 +489,7 @@
             <a:fld id="{0102705F-8347-41A8-82E6-B2920132BF3D}" type="datetimeFigureOut">
               <a:rPr lang="en-US" smtClean="0"/>
               <a:pPr/>
-              <a:t>6/12/22</a:t>
+              <a:t>6/14/22</a:t>
             </a:fld>
             <a:endParaRPr lang="en-US"/>
           </a:p>
@@ -2641,21 +2641,19 @@
       </p:grpSpPr>
       <p:sp>
         <p:nvSpPr>
-          <p:cNvPr id="157698" name="幻灯片图像占位符 1"/>
-          <p:cNvSpPr>
-            <a:spLocks noGrp="1" noRot="1" noChangeAspect="1" noTextEdit="1"/>
+          <p:cNvPr id="2" name="Slide Image Placeholder 1"/>
+          <p:cNvSpPr>
+            <a:spLocks noGrp="1" noRot="1" noChangeAspect="1"/>
           </p:cNvSpPr>
           <p:nvPr>
             <p:ph type="sldImg"/>
           </p:nvPr>
         </p:nvSpPr>
-        <p:spPr>
-          <a:ln/>
-        </p:spPr>
-      </p:sp>
-      <p:sp>
-        <p:nvSpPr>
-          <p:cNvPr id="157699" name="备注占位符 2"/>
+        <p:spPr/>
+      </p:sp>
+      <p:sp>
+        <p:nvSpPr>
+          <p:cNvPr id="3" name="Notes Placeholder 2"/>
           <p:cNvSpPr>
             <a:spLocks noGrp="1"/>
           </p:cNvSpPr>
@@ -2663,23 +2661,18 @@
             <p:ph type="body" idx="1"/>
           </p:nvPr>
         </p:nvSpPr>
-        <p:spPr>
-          <a:noFill/>
-          <a:ln/>
-        </p:spPr>
+        <p:spPr/>
         <p:txBody>
           <a:bodyPr/>
           <a:lstStyle/>
           <a:p>
-            <a:endParaRPr lang="zh-CN" altLang="en-US">
-              <a:ea typeface="黑体" pitchFamily="49" charset="-122"/>
-            </a:endParaRPr>
-          </a:p>
-        </p:txBody>
-      </p:sp>
-      <p:sp>
-        <p:nvSpPr>
-          <p:cNvPr id="157700" name="灯片编号占位符 3"/>
+            <a:endParaRPr lang="en-US" dirty="0"/>
+          </a:p>
+        </p:txBody>
+      </p:sp>
+      <p:sp>
+        <p:nvSpPr>
+          <p:cNvPr id="4" name="Slide Number Placeholder 3"/>
           <p:cNvSpPr>
             <a:spLocks noGrp="1"/>
           </p:cNvSpPr>
@@ -2687,30 +2680,24 @@
             <p:ph type="sldNum" sz="quarter" idx="5"/>
           </p:nvPr>
         </p:nvSpPr>
-        <p:spPr>
-          <a:noFill/>
-        </p:spPr>
+        <p:spPr/>
         <p:txBody>
           <a:bodyPr/>
           <a:lstStyle/>
           <a:p>
-            <a:fld id="{020A8296-C142-422E-B29E-D1BC0446F021}" type="slidenum">
-              <a:rPr lang="en-US" altLang="zh-CN" smtClean="0">
-                <a:ea typeface="黑体" pitchFamily="49" charset="-122"/>
-              </a:rPr>
+            <a:fld id="{D50AF6DD-051E-413B-8808-23D5AB3BD9E4}" type="slidenum">
+              <a:rPr lang="en-US" smtClean="0"/>
               <a:pPr/>
-              <a:t>72</a:t>
+              <a:t>70</a:t>
             </a:fld>
-            <a:endParaRPr lang="en-US" altLang="zh-CN">
-              <a:ea typeface="黑体" pitchFamily="49" charset="-122"/>
-            </a:endParaRPr>
+            <a:endParaRPr lang="en-US"/>
           </a:p>
         </p:txBody>
       </p:sp>
     </p:spTree>
     <p:extLst>
       <p:ext uri="{BB962C8B-B14F-4D97-AF65-F5344CB8AC3E}">
-        <p14:creationId xmlns:p14="http://schemas.microsoft.com/office/powerpoint/2010/main" val="2292267342"/>
+        <p14:creationId xmlns:p14="http://schemas.microsoft.com/office/powerpoint/2010/main" val="3917440462"/>
       </p:ext>
     </p:extLst>
   </p:cSld>
@@ -2739,7 +2726,7 @@
       </p:grpSpPr>
       <p:sp>
         <p:nvSpPr>
-          <p:cNvPr id="158722" name="幻灯片图像占位符 1"/>
+          <p:cNvPr id="157698" name="幻灯片图像占位符 1"/>
           <p:cNvSpPr>
             <a:spLocks noGrp="1" noRot="1" noChangeAspect="1" noTextEdit="1"/>
           </p:cNvSpPr>
@@ -2753,7 +2740,7 @@
       </p:sp>
       <p:sp>
         <p:nvSpPr>
-          <p:cNvPr id="158723" name="备注占位符 2"/>
+          <p:cNvPr id="157699" name="备注占位符 2"/>
           <p:cNvSpPr>
             <a:spLocks noGrp="1"/>
           </p:cNvSpPr>
@@ -2777,7 +2764,7 @@
       </p:sp>
       <p:sp>
         <p:nvSpPr>
-          <p:cNvPr id="158724" name="灯片编号占位符 3"/>
+          <p:cNvPr id="157700" name="灯片编号占位符 3"/>
           <p:cNvSpPr>
             <a:spLocks noGrp="1"/>
           </p:cNvSpPr>
@@ -2792,12 +2779,12 @@
           <a:bodyPr/>
           <a:lstStyle/>
           <a:p>
-            <a:fld id="{E2C58FBF-F393-47C8-9376-7570EF7E418B}" type="slidenum">
+            <a:fld id="{020A8296-C142-422E-B29E-D1BC0446F021}" type="slidenum">
               <a:rPr lang="en-US" altLang="zh-CN" smtClean="0">
                 <a:ea typeface="黑体" pitchFamily="49" charset="-122"/>
               </a:rPr>
               <a:pPr/>
-              <a:t>75</a:t>
+              <a:t>72</a:t>
             </a:fld>
             <a:endParaRPr lang="en-US" altLang="zh-CN">
               <a:ea typeface="黑体" pitchFamily="49" charset="-122"/>
@@ -2808,7 +2795,7 @@
     </p:spTree>
     <p:extLst>
       <p:ext uri="{BB962C8B-B14F-4D97-AF65-F5344CB8AC3E}">
-        <p14:creationId xmlns:p14="http://schemas.microsoft.com/office/powerpoint/2010/main" val="2287826408"/>
+        <p14:creationId xmlns:p14="http://schemas.microsoft.com/office/powerpoint/2010/main" val="2292267342"/>
       </p:ext>
     </p:extLst>
   </p:cSld>
@@ -2837,19 +2824,21 @@
       </p:grpSpPr>
       <p:sp>
         <p:nvSpPr>
-          <p:cNvPr id="2" name="Slide Image Placeholder 1"/>
-          <p:cNvSpPr>
-            <a:spLocks noGrp="1" noRot="1" noChangeAspect="1"/>
+          <p:cNvPr id="158722" name="幻灯片图像占位符 1"/>
+          <p:cNvSpPr>
+            <a:spLocks noGrp="1" noRot="1" noChangeAspect="1" noTextEdit="1"/>
           </p:cNvSpPr>
           <p:nvPr>
             <p:ph type="sldImg"/>
           </p:nvPr>
         </p:nvSpPr>
-        <p:spPr/>
-      </p:sp>
-      <p:sp>
-        <p:nvSpPr>
-          <p:cNvPr id="3" name="Notes Placeholder 2"/>
+        <p:spPr>
+          <a:ln/>
+        </p:spPr>
+      </p:sp>
+      <p:sp>
+        <p:nvSpPr>
+          <p:cNvPr id="158723" name="备注占位符 2"/>
           <p:cNvSpPr>
             <a:spLocks noGrp="1"/>
           </p:cNvSpPr>
@@ -2857,18 +2846,23 @@
             <p:ph type="body" idx="1"/>
           </p:nvPr>
         </p:nvSpPr>
-        <p:spPr/>
+        <p:spPr>
+          <a:noFill/>
+          <a:ln/>
+        </p:spPr>
         <p:txBody>
           <a:bodyPr/>
           <a:lstStyle/>
           <a:p>
-            <a:endParaRPr lang="en-US" dirty="0"/>
-          </a:p>
-        </p:txBody>
-      </p:sp>
-      <p:sp>
-        <p:nvSpPr>
-          <p:cNvPr id="4" name="Slide Number Placeholder 3"/>
+            <a:endParaRPr lang="zh-CN" altLang="en-US">
+              <a:ea typeface="黑体" pitchFamily="49" charset="-122"/>
+            </a:endParaRPr>
+          </a:p>
+        </p:txBody>
+      </p:sp>
+      <p:sp>
+        <p:nvSpPr>
+          <p:cNvPr id="158724" name="灯片编号占位符 3"/>
           <p:cNvSpPr>
             <a:spLocks noGrp="1"/>
           </p:cNvSpPr>
@@ -2876,24 +2870,30 @@
             <p:ph type="sldNum" sz="quarter" idx="5"/>
           </p:nvPr>
         </p:nvSpPr>
-        <p:spPr/>
+        <p:spPr>
+          <a:noFill/>
+        </p:spPr>
         <p:txBody>
           <a:bodyPr/>
           <a:lstStyle/>
           <a:p>
-            <a:fld id="{D50AF6DD-051E-413B-8808-23D5AB3BD9E4}" type="slidenum">
-              <a:rPr lang="en-US" smtClean="0"/>
+            <a:fld id="{E2C58FBF-F393-47C8-9376-7570EF7E418B}" type="slidenum">
+              <a:rPr lang="en-US" altLang="zh-CN" smtClean="0">
+                <a:ea typeface="黑体" pitchFamily="49" charset="-122"/>
+              </a:rPr>
               <a:pPr/>
-              <a:t>76</a:t>
+              <a:t>75</a:t>
             </a:fld>
-            <a:endParaRPr lang="en-US"/>
+            <a:endParaRPr lang="en-US" altLang="zh-CN">
+              <a:ea typeface="黑体" pitchFamily="49" charset="-122"/>
+            </a:endParaRPr>
           </a:p>
         </p:txBody>
       </p:sp>
     </p:spTree>
     <p:extLst>
       <p:ext uri="{BB962C8B-B14F-4D97-AF65-F5344CB8AC3E}">
-        <p14:creationId xmlns:p14="http://schemas.microsoft.com/office/powerpoint/2010/main" val="1984502093"/>
+        <p14:creationId xmlns:p14="http://schemas.microsoft.com/office/powerpoint/2010/main" val="2287826408"/>
       </p:ext>
     </p:extLst>
   </p:cSld>
@@ -2922,7 +2922,7 @@
       </p:grpSpPr>
       <p:sp>
         <p:nvSpPr>
-          <p:cNvPr id="2" name="幻灯片图像占位符 1"/>
+          <p:cNvPr id="2" name="Slide Image Placeholder 1"/>
           <p:cNvSpPr>
             <a:spLocks noGrp="1" noRot="1" noChangeAspect="1"/>
           </p:cNvSpPr>
@@ -2934,7 +2934,7 @@
       </p:sp>
       <p:sp>
         <p:nvSpPr>
-          <p:cNvPr id="3" name="备注占位符 2"/>
+          <p:cNvPr id="3" name="Notes Placeholder 2"/>
           <p:cNvSpPr>
             <a:spLocks noGrp="1"/>
           </p:cNvSpPr>
@@ -2944,23 +2944,21 @@
         </p:nvSpPr>
         <p:spPr/>
         <p:txBody>
-          <a:bodyPr>
-            <a:normAutofit/>
-          </a:bodyPr>
-          <a:lstStyle/>
-          <a:p>
-            <a:endParaRPr lang="zh-CN" altLang="en-US" dirty="0"/>
-          </a:p>
-        </p:txBody>
-      </p:sp>
-      <p:sp>
-        <p:nvSpPr>
-          <p:cNvPr id="4" name="灯片编号占位符 3"/>
+          <a:bodyPr/>
+          <a:lstStyle/>
+          <a:p>
+            <a:endParaRPr lang="en-US" dirty="0"/>
+          </a:p>
+        </p:txBody>
+      </p:sp>
+      <p:sp>
+        <p:nvSpPr>
+          <p:cNvPr id="4" name="Slide Number Placeholder 3"/>
           <p:cNvSpPr>
             <a:spLocks noGrp="1"/>
           </p:cNvSpPr>
           <p:nvPr>
-            <p:ph type="sldNum" sz="quarter" idx="10"/>
+            <p:ph type="sldNum" sz="quarter" idx="5"/>
           </p:nvPr>
         </p:nvSpPr>
         <p:spPr/>
@@ -2971,7 +2969,7 @@
             <a:fld id="{D50AF6DD-051E-413B-8808-23D5AB3BD9E4}" type="slidenum">
               <a:rPr lang="en-US" smtClean="0"/>
               <a:pPr/>
-              <a:t>79</a:t>
+              <a:t>76</a:t>
             </a:fld>
             <a:endParaRPr lang="en-US"/>
           </a:p>
@@ -2980,7 +2978,7 @@
     </p:spTree>
     <p:extLst>
       <p:ext uri="{BB962C8B-B14F-4D97-AF65-F5344CB8AC3E}">
-        <p14:creationId xmlns:p14="http://schemas.microsoft.com/office/powerpoint/2010/main" val="3936358210"/>
+        <p14:creationId xmlns:p14="http://schemas.microsoft.com/office/powerpoint/2010/main" val="1984502093"/>
       </p:ext>
     </p:extLst>
   </p:cSld>
@@ -3009,21 +3007,19 @@
       </p:grpSpPr>
       <p:sp>
         <p:nvSpPr>
-          <p:cNvPr id="159746" name="幻灯片图像占位符 1"/>
-          <p:cNvSpPr>
-            <a:spLocks noGrp="1" noRot="1" noChangeAspect="1" noTextEdit="1"/>
+          <p:cNvPr id="2" name="幻灯片图像占位符 1"/>
+          <p:cNvSpPr>
+            <a:spLocks noGrp="1" noRot="1" noChangeAspect="1"/>
           </p:cNvSpPr>
           <p:nvPr>
             <p:ph type="sldImg"/>
           </p:nvPr>
         </p:nvSpPr>
-        <p:spPr>
-          <a:ln/>
-        </p:spPr>
-      </p:sp>
-      <p:sp>
-        <p:nvSpPr>
-          <p:cNvPr id="159747" name="备注占位符 2"/>
+        <p:spPr/>
+      </p:sp>
+      <p:sp>
+        <p:nvSpPr>
+          <p:cNvPr id="3" name="备注占位符 2"/>
           <p:cNvSpPr>
             <a:spLocks noGrp="1"/>
           </p:cNvSpPr>
@@ -3031,69 +3027,45 @@
             <p:ph type="body" idx="1"/>
           </p:nvPr>
         </p:nvSpPr>
-        <p:spPr>
-          <a:noFill/>
-          <a:ln/>
-        </p:spPr>
+        <p:spPr/>
+        <p:txBody>
+          <a:bodyPr>
+            <a:normAutofit/>
+          </a:bodyPr>
+          <a:lstStyle/>
+          <a:p>
+            <a:endParaRPr lang="zh-CN" altLang="en-US" dirty="0"/>
+          </a:p>
+        </p:txBody>
+      </p:sp>
+      <p:sp>
+        <p:nvSpPr>
+          <p:cNvPr id="4" name="灯片编号占位符 3"/>
+          <p:cNvSpPr>
+            <a:spLocks noGrp="1"/>
+          </p:cNvSpPr>
+          <p:nvPr>
+            <p:ph type="sldNum" sz="quarter" idx="10"/>
+          </p:nvPr>
+        </p:nvSpPr>
+        <p:spPr/>
         <p:txBody>
           <a:bodyPr/>
           <a:lstStyle/>
           <a:p>
-            <a:r>
-              <a:rPr lang="zh-CN" altLang="en-US">
-                <a:ea typeface="黑体" pitchFamily="49" charset="-122"/>
-              </a:rPr>
-              <a:t>一个属性有很多取值，划分成很多不同的子集，就说明该属性的熵大。除以</a:t>
-            </a:r>
-            <a:r>
-              <a:rPr lang="en-US" altLang="zh-CN">
-                <a:ea typeface="黑体" pitchFamily="49" charset="-122"/>
-              </a:rPr>
-              <a:t>HA(D)</a:t>
-            </a:r>
-            <a:r>
-              <a:rPr lang="zh-CN" altLang="en-US">
-                <a:ea typeface="黑体" pitchFamily="49" charset="-122"/>
-              </a:rPr>
-              <a:t>以避免划分太细的特征。</a:t>
-            </a:r>
-          </a:p>
-        </p:txBody>
-      </p:sp>
-      <p:sp>
-        <p:nvSpPr>
-          <p:cNvPr id="159748" name="灯片编号占位符 3"/>
-          <p:cNvSpPr>
-            <a:spLocks noGrp="1"/>
-          </p:cNvSpPr>
-          <p:nvPr>
-            <p:ph type="sldNum" sz="quarter" idx="5"/>
-          </p:nvPr>
-        </p:nvSpPr>
-        <p:spPr>
-          <a:noFill/>
-        </p:spPr>
-        <p:txBody>
-          <a:bodyPr/>
-          <a:lstStyle/>
-          <a:p>
-            <a:fld id="{2953F01C-8DE6-4205-9166-4DFB58485CAE}" type="slidenum">
-              <a:rPr lang="en-US" altLang="zh-CN" smtClean="0">
-                <a:ea typeface="黑体" pitchFamily="49" charset="-122"/>
-              </a:rPr>
+            <a:fld id="{D50AF6DD-051E-413B-8808-23D5AB3BD9E4}" type="slidenum">
+              <a:rPr lang="en-US" smtClean="0"/>
               <a:pPr/>
-              <a:t>81</a:t>
+              <a:t>79</a:t>
             </a:fld>
-            <a:endParaRPr lang="en-US" altLang="zh-CN">
-              <a:ea typeface="黑体" pitchFamily="49" charset="-122"/>
-            </a:endParaRPr>
+            <a:endParaRPr lang="en-US"/>
           </a:p>
         </p:txBody>
       </p:sp>
     </p:spTree>
     <p:extLst>
       <p:ext uri="{BB962C8B-B14F-4D97-AF65-F5344CB8AC3E}">
-        <p14:creationId xmlns:p14="http://schemas.microsoft.com/office/powerpoint/2010/main" val="903667938"/>
+        <p14:creationId xmlns:p14="http://schemas.microsoft.com/office/powerpoint/2010/main" val="3936358210"/>
       </p:ext>
     </p:extLst>
   </p:cSld>
@@ -3223,19 +3195,21 @@
       </p:grpSpPr>
       <p:sp>
         <p:nvSpPr>
-          <p:cNvPr id="2" name="幻灯片图像占位符 1"/>
-          <p:cNvSpPr>
-            <a:spLocks noGrp="1" noRot="1" noChangeAspect="1"/>
+          <p:cNvPr id="159746" name="幻灯片图像占位符 1"/>
+          <p:cNvSpPr>
+            <a:spLocks noGrp="1" noRot="1" noChangeAspect="1" noTextEdit="1"/>
           </p:cNvSpPr>
           <p:nvPr>
             <p:ph type="sldImg"/>
           </p:nvPr>
         </p:nvSpPr>
-        <p:spPr/>
-      </p:sp>
-      <p:sp>
-        <p:nvSpPr>
-          <p:cNvPr id="3" name="备注占位符 2"/>
+        <p:spPr>
+          <a:ln/>
+        </p:spPr>
+      </p:sp>
+      <p:sp>
+        <p:nvSpPr>
+          <p:cNvPr id="159747" name="备注占位符 2"/>
           <p:cNvSpPr>
             <a:spLocks noGrp="1"/>
           </p:cNvSpPr>
@@ -3243,47 +3217,69 @@
             <p:ph type="body" idx="1"/>
           </p:nvPr>
         </p:nvSpPr>
-        <p:spPr/>
+        <p:spPr>
+          <a:noFill/>
+          <a:ln/>
+        </p:spPr>
         <p:txBody>
           <a:bodyPr/>
           <a:lstStyle/>
           <a:p>
             <a:r>
-              <a:rPr lang="en-US" altLang="zh-CN"/>
-              <a:t>2021.0531</a:t>
-            </a:r>
-            <a:endParaRPr lang="zh-CN" altLang="en-US" dirty="0"/>
-          </a:p>
-        </p:txBody>
-      </p:sp>
-      <p:sp>
-        <p:nvSpPr>
-          <p:cNvPr id="4" name="灯片编号占位符 3"/>
+              <a:rPr lang="zh-CN" altLang="en-US">
+                <a:ea typeface="黑体" pitchFamily="49" charset="-122"/>
+              </a:rPr>
+              <a:t>一个属性有很多取值，划分成很多不同的子集，就说明该属性的熵大。除以</a:t>
+            </a:r>
+            <a:r>
+              <a:rPr lang="en-US" altLang="zh-CN">
+                <a:ea typeface="黑体" pitchFamily="49" charset="-122"/>
+              </a:rPr>
+              <a:t>HA(D)</a:t>
+            </a:r>
+            <a:r>
+              <a:rPr lang="zh-CN" altLang="en-US">
+                <a:ea typeface="黑体" pitchFamily="49" charset="-122"/>
+              </a:rPr>
+              <a:t>以避免划分太细的特征。</a:t>
+            </a:r>
+          </a:p>
+        </p:txBody>
+      </p:sp>
+      <p:sp>
+        <p:nvSpPr>
+          <p:cNvPr id="159748" name="灯片编号占位符 3"/>
           <p:cNvSpPr>
             <a:spLocks noGrp="1"/>
           </p:cNvSpPr>
           <p:nvPr>
-            <p:ph type="sldNum" sz="quarter" idx="10"/>
+            <p:ph type="sldNum" sz="quarter" idx="5"/>
           </p:nvPr>
         </p:nvSpPr>
-        <p:spPr/>
+        <p:spPr>
+          <a:noFill/>
+        </p:spPr>
         <p:txBody>
           <a:bodyPr/>
           <a:lstStyle/>
           <a:p>
-            <a:fld id="{D50AF6DD-051E-413B-8808-23D5AB3BD9E4}" type="slidenum">
-              <a:rPr lang="en-US" smtClean="0"/>
+            <a:fld id="{2953F01C-8DE6-4205-9166-4DFB58485CAE}" type="slidenum">
+              <a:rPr lang="en-US" altLang="zh-CN" smtClean="0">
+                <a:ea typeface="黑体" pitchFamily="49" charset="-122"/>
+              </a:rPr>
               <a:pPr/>
-              <a:t>84</a:t>
+              <a:t>81</a:t>
             </a:fld>
-            <a:endParaRPr lang="en-US"/>
+            <a:endParaRPr lang="en-US" altLang="zh-CN">
+              <a:ea typeface="黑体" pitchFamily="49" charset="-122"/>
+            </a:endParaRPr>
           </a:p>
         </p:txBody>
       </p:sp>
     </p:spTree>
     <p:extLst>
       <p:ext uri="{BB962C8B-B14F-4D97-AF65-F5344CB8AC3E}">
-        <p14:creationId xmlns:p14="http://schemas.microsoft.com/office/powerpoint/2010/main" val="748942149"/>
+        <p14:creationId xmlns:p14="http://schemas.microsoft.com/office/powerpoint/2010/main" val="903667938"/>
       </p:ext>
     </p:extLst>
   </p:cSld>
@@ -3312,6 +3308,95 @@
       </p:grpSpPr>
       <p:sp>
         <p:nvSpPr>
+          <p:cNvPr id="2" name="幻灯片图像占位符 1"/>
+          <p:cNvSpPr>
+            <a:spLocks noGrp="1" noRot="1" noChangeAspect="1"/>
+          </p:cNvSpPr>
+          <p:nvPr>
+            <p:ph type="sldImg"/>
+          </p:nvPr>
+        </p:nvSpPr>
+        <p:spPr/>
+      </p:sp>
+      <p:sp>
+        <p:nvSpPr>
+          <p:cNvPr id="3" name="备注占位符 2"/>
+          <p:cNvSpPr>
+            <a:spLocks noGrp="1"/>
+          </p:cNvSpPr>
+          <p:nvPr>
+            <p:ph type="body" idx="1"/>
+          </p:nvPr>
+        </p:nvSpPr>
+        <p:spPr/>
+        <p:txBody>
+          <a:bodyPr/>
+          <a:lstStyle/>
+          <a:p>
+            <a:r>
+              <a:rPr lang="en-US" altLang="zh-CN"/>
+              <a:t>2021.0531</a:t>
+            </a:r>
+            <a:endParaRPr lang="zh-CN" altLang="en-US" dirty="0"/>
+          </a:p>
+        </p:txBody>
+      </p:sp>
+      <p:sp>
+        <p:nvSpPr>
+          <p:cNvPr id="4" name="灯片编号占位符 3"/>
+          <p:cNvSpPr>
+            <a:spLocks noGrp="1"/>
+          </p:cNvSpPr>
+          <p:nvPr>
+            <p:ph type="sldNum" sz="quarter" idx="10"/>
+          </p:nvPr>
+        </p:nvSpPr>
+        <p:spPr/>
+        <p:txBody>
+          <a:bodyPr/>
+          <a:lstStyle/>
+          <a:p>
+            <a:fld id="{D50AF6DD-051E-413B-8808-23D5AB3BD9E4}" type="slidenum">
+              <a:rPr lang="en-US" smtClean="0"/>
+              <a:pPr/>
+              <a:t>84</a:t>
+            </a:fld>
+            <a:endParaRPr lang="en-US"/>
+          </a:p>
+        </p:txBody>
+      </p:sp>
+    </p:spTree>
+    <p:extLst>
+      <p:ext uri="{BB962C8B-B14F-4D97-AF65-F5344CB8AC3E}">
+        <p14:creationId xmlns:p14="http://schemas.microsoft.com/office/powerpoint/2010/main" val="748942149"/>
+      </p:ext>
+    </p:extLst>
+  </p:cSld>
+  <p:clrMapOvr>
+    <a:masterClrMapping/>
+  </p:clrMapOvr>
+</p:notes>
+</file>
+
+<file path=ppt/notesSlides/notesSlide32.xml><?xml version="1.0" encoding="utf-8"?>
+<p:notes xmlns:a="http://schemas.openxmlformats.org/drawingml/2006/main" xmlns:r="http://schemas.openxmlformats.org/officeDocument/2006/relationships" xmlns:p="http://schemas.openxmlformats.org/presentationml/2006/main">
+  <p:cSld>
+    <p:spTree>
+      <p:nvGrpSpPr>
+        <p:cNvPr id="1" name=""/>
+        <p:cNvGrpSpPr/>
+        <p:nvPr/>
+      </p:nvGrpSpPr>
+      <p:grpSpPr>
+        <a:xfrm>
+          <a:off x="0" y="0"/>
+          <a:ext cx="0" cy="0"/>
+          <a:chOff x="0" y="0"/>
+          <a:chExt cx="0" cy="0"/>
+        </a:xfrm>
+      </p:grpSpPr>
+      <p:sp>
+        <p:nvSpPr>
           <p:cNvPr id="160770" name="幻灯片图像占位符 1"/>
           <p:cNvSpPr>
             <a:spLocks noGrp="1" noRot="1" noChangeAspect="1" noTextEdit="1"/>
@@ -3391,7 +3476,7 @@
 </p:notes>
 </file>
 
-<file path=ppt/notesSlides/notesSlide32.xml><?xml version="1.0" encoding="utf-8"?>
+<file path=ppt/notesSlides/notesSlide33.xml><?xml version="1.0" encoding="utf-8"?>
 <p:notes xmlns:a="http://schemas.openxmlformats.org/drawingml/2006/main" xmlns:r="http://schemas.openxmlformats.org/officeDocument/2006/relationships" xmlns:p="http://schemas.openxmlformats.org/presentationml/2006/main">
   <p:cSld>
     <p:spTree>
@@ -4239,7 +4324,7 @@
             <a:fld id="{535101B3-0010-49BE-8236-66B90211FF04}" type="datetime1">
               <a:rPr lang="en-US" altLang="zh-CN" smtClean="0"/>
               <a:pPr/>
-              <a:t>6/12/22</a:t>
+              <a:t>6/14/22</a:t>
             </a:fld>
             <a:endParaRPr lang="en-US"/>
           </a:p>
@@ -4592,7 +4677,7 @@
             <a:fld id="{8C97D574-52BE-4187-8AF7-E201A70CB6DC}" type="datetime1">
               <a:rPr lang="en-US" altLang="zh-CN" smtClean="0"/>
               <a:pPr/>
-              <a:t>6/12/22</a:t>
+              <a:t>6/14/22</a:t>
             </a:fld>
             <a:endParaRPr lang="en-US"/>
           </a:p>
@@ -4768,7 +4853,7 @@
             <a:fld id="{06CC6442-F0BB-4DBA-B030-4A0192701801}" type="datetime1">
               <a:rPr lang="en-US" altLang="zh-CN" smtClean="0"/>
               <a:pPr/>
-              <a:t>6/12/22</a:t>
+              <a:t>6/14/22</a:t>
             </a:fld>
             <a:endParaRPr lang="en-US"/>
           </a:p>
@@ -4894,7 +4979,7 @@
             <a:fld id="{79694328-A6FB-477A-B9C5-7FEFDBDE1042}" type="datetime1">
               <a:rPr lang="en-US" altLang="zh-CN" smtClean="0"/>
               <a:pPr/>
-              <a:t>6/12/22</a:t>
+              <a:t>6/14/22</a:t>
             </a:fld>
             <a:endParaRPr lang="en-US"/>
           </a:p>
@@ -5296,7 +5381,7 @@
             <a:fld id="{25629C65-C267-4342-9116-A00B6E7C55AD}" type="datetime1">
               <a:rPr lang="en-US" altLang="zh-CN" smtClean="0"/>
               <a:pPr/>
-              <a:t>6/12/22</a:t>
+              <a:t>6/14/22</a:t>
             </a:fld>
             <a:endParaRPr lang="en-US"/>
           </a:p>
@@ -5562,7 +5647,7 @@
             <a:fld id="{BC48BA6D-2268-450C-9E6F-6553A2809D14}" type="datetime1">
               <a:rPr lang="en-US" altLang="zh-CN" smtClean="0"/>
               <a:pPr/>
-              <a:t>6/12/22</a:t>
+              <a:t>6/14/22</a:t>
             </a:fld>
             <a:endParaRPr lang="en-US"/>
           </a:p>
@@ -5925,7 +6010,7 @@
             <a:fld id="{81976173-FFAF-40B2-BD71-0C474124F5CA}" type="datetime1">
               <a:rPr lang="en-US" altLang="zh-CN" smtClean="0"/>
               <a:pPr/>
-              <a:t>6/12/22</a:t>
+              <a:t>6/14/22</a:t>
             </a:fld>
             <a:endParaRPr lang="en-US"/>
           </a:p>
@@ -6153,7 +6238,7 @@
             <a:fld id="{02EAAC5F-3C7D-47E2-8137-0D0E13270C17}" type="datetime1">
               <a:rPr lang="en-US" altLang="zh-CN" smtClean="0"/>
               <a:pPr/>
-              <a:t>6/12/22</a:t>
+              <a:t>6/14/22</a:t>
             </a:fld>
             <a:endParaRPr lang="en-US"/>
           </a:p>
@@ -6245,7 +6330,7 @@
             <a:fld id="{89B44C75-2845-4A49-8407-B10E57DDCB66}" type="datetime1">
               <a:rPr lang="en-US" altLang="zh-CN" smtClean="0"/>
               <a:pPr/>
-              <a:t>6/12/22</a:t>
+              <a:t>6/14/22</a:t>
             </a:fld>
             <a:endParaRPr lang="en-US"/>
           </a:p>
@@ -6513,7 +6598,7 @@
             <a:fld id="{A49D93C6-C0E5-4C94-83B0-EBE524181AA9}" type="datetime1">
               <a:rPr lang="en-US" altLang="zh-CN" smtClean="0"/>
               <a:pPr/>
-              <a:t>6/12/22</a:t>
+              <a:t>6/14/22</a:t>
             </a:fld>
             <a:endParaRPr lang="en-US"/>
           </a:p>
@@ -6742,7 +6827,7 @@
             <a:fld id="{D5A46CFF-7119-486E-A242-14937EB72380}" type="datetime1">
               <a:rPr lang="en-US" altLang="zh-CN" smtClean="0"/>
               <a:pPr/>
-              <a:t>6/12/22</a:t>
+              <a:t>6/14/22</a:t>
             </a:fld>
             <a:endParaRPr lang="en-US"/>
           </a:p>
@@ -7241,7 +7326,7 @@
             <a:fld id="{917F057F-A64E-4BDF-9C5A-7B9C1755BBD0}" type="datetime1">
               <a:rPr lang="en-US" altLang="zh-CN" smtClean="0"/>
               <a:pPr/>
-              <a:t>6/12/22</a:t>
+              <a:t>6/14/22</a:t>
             </a:fld>
             <a:endParaRPr lang="en-US"/>
           </a:p>
@@ -8675,7 +8760,7 @@
           <a:graphicData uri="http://schemas.openxmlformats.org/presentationml/2006/ole">
             <mc:AlternateContent xmlns:mc="http://schemas.openxmlformats.org/markup-compatibility/2006">
               <mc:Choice xmlns:v="urn:schemas-microsoft-com:vml" Requires="v">
-                <p:oleObj spid="_x0000_s388246" name="公式" r:id="rId4" imgW="761760" imgH="177480" progId="Equation.3">
+                <p:oleObj spid="_x0000_s388248" name="公式" r:id="rId4" imgW="761760" imgH="177480" progId="Equation.3">
                   <p:embed/>
                 </p:oleObj>
               </mc:Choice>
@@ -8772,7 +8857,7 @@
           <a:graphicData uri="http://schemas.openxmlformats.org/presentationml/2006/ole">
             <mc:AlternateContent xmlns:mc="http://schemas.openxmlformats.org/markup-compatibility/2006">
               <mc:Choice xmlns:v="urn:schemas-microsoft-com:vml" Requires="v">
-                <p:oleObj spid="_x0000_s388247" name="公式" r:id="rId6" imgW="253800" imgH="444240" progId="Equation.3">
+                <p:oleObj spid="_x0000_s388249" name="公式" r:id="rId6" imgW="253800" imgH="444240" progId="Equation.3">
                   <p:embed/>
                 </p:oleObj>
               </mc:Choice>
@@ -9214,7 +9299,7 @@
           <a:graphicData uri="http://schemas.openxmlformats.org/presentationml/2006/ole">
             <mc:AlternateContent xmlns:mc="http://schemas.openxmlformats.org/markup-compatibility/2006">
               <mc:Choice xmlns:v="urn:schemas-microsoft-com:vml" Requires="v">
-                <p:oleObj spid="_x0000_s389422" name="公式" r:id="rId3" imgW="1384200" imgH="228600" progId="Equation.3">
+                <p:oleObj spid="_x0000_s389426" name="公式" r:id="rId3" imgW="1384200" imgH="228600" progId="Equation.3">
                   <p:embed/>
                 </p:oleObj>
               </mc:Choice>
@@ -9290,7 +9375,7 @@
           <a:graphicData uri="http://schemas.openxmlformats.org/presentationml/2006/ole">
             <mc:AlternateContent xmlns:mc="http://schemas.openxmlformats.org/markup-compatibility/2006">
               <mc:Choice xmlns:v="urn:schemas-microsoft-com:vml" Requires="v">
-                <p:oleObj spid="_x0000_s389423" name="公式" r:id="rId5" imgW="2514600" imgH="241200" progId="Equation.3">
+                <p:oleObj spid="_x0000_s389427" name="公式" r:id="rId5" imgW="2514600" imgH="241200" progId="Equation.3">
                   <p:embed/>
                 </p:oleObj>
               </mc:Choice>
@@ -9366,7 +9451,7 @@
           <a:graphicData uri="http://schemas.openxmlformats.org/presentationml/2006/ole">
             <mc:AlternateContent xmlns:mc="http://schemas.openxmlformats.org/markup-compatibility/2006">
               <mc:Choice xmlns:v="urn:schemas-microsoft-com:vml" Requires="v">
-                <p:oleObj spid="_x0000_s389424" name="公式" r:id="rId7" imgW="1460160" imgH="228600" progId="Equation.3">
+                <p:oleObj spid="_x0000_s389428" name="公式" r:id="rId7" imgW="1460160" imgH="228600" progId="Equation.3">
                   <p:embed/>
                 </p:oleObj>
               </mc:Choice>
@@ -9442,7 +9527,7 @@
           <a:graphicData uri="http://schemas.openxmlformats.org/presentationml/2006/ole">
             <mc:AlternateContent xmlns:mc="http://schemas.openxmlformats.org/markup-compatibility/2006">
               <mc:Choice xmlns:v="urn:schemas-microsoft-com:vml" Requires="v">
-                <p:oleObj spid="_x0000_s389425" name="公式" r:id="rId9" imgW="863280" imgH="203040" progId="Equation.3">
+                <p:oleObj spid="_x0000_s389429" name="公式" r:id="rId9" imgW="863280" imgH="203040" progId="Equation.3">
                   <p:embed/>
                 </p:oleObj>
               </mc:Choice>
@@ -9710,7 +9795,7 @@
           <a:graphicData uri="http://schemas.openxmlformats.org/presentationml/2006/ole">
             <mc:AlternateContent xmlns:mc="http://schemas.openxmlformats.org/markup-compatibility/2006">
               <mc:Choice xmlns:v="urn:schemas-microsoft-com:vml" Requires="v">
-                <p:oleObj spid="_x0000_s390294" name="公式" r:id="rId3" imgW="1066680" imgH="317160" progId="Equation.3">
+                <p:oleObj spid="_x0000_s390296" name="公式" r:id="rId3" imgW="1066680" imgH="317160" progId="Equation.3">
                   <p:embed/>
                 </p:oleObj>
               </mc:Choice>
@@ -9780,7 +9865,7 @@
           <a:graphicData uri="http://schemas.openxmlformats.org/presentationml/2006/ole">
             <mc:AlternateContent xmlns:mc="http://schemas.openxmlformats.org/markup-compatibility/2006">
               <mc:Choice xmlns:v="urn:schemas-microsoft-com:vml" Requires="v">
-                <p:oleObj spid="_x0000_s390295" name="公式" r:id="rId5" imgW="660240" imgH="368280" progId="Equation.3">
+                <p:oleObj spid="_x0000_s390297" name="公式" r:id="rId5" imgW="660240" imgH="368280" progId="Equation.3">
                   <p:embed/>
                 </p:oleObj>
               </mc:Choice>
@@ -9930,7 +10015,7 @@
           <a:graphicData uri="http://schemas.openxmlformats.org/presentationml/2006/ole">
             <mc:AlternateContent xmlns:mc="http://schemas.openxmlformats.org/markup-compatibility/2006">
               <mc:Choice xmlns:v="urn:schemas-microsoft-com:vml" Requires="v">
-                <p:oleObj spid="_x0000_s391318" name="公式" r:id="rId3" imgW="1371600" imgH="533160" progId="Equation.3">
+                <p:oleObj spid="_x0000_s391320" name="公式" r:id="rId3" imgW="1371600" imgH="533160" progId="Equation.3">
                   <p:embed/>
                 </p:oleObj>
               </mc:Choice>
@@ -10000,7 +10085,7 @@
           <a:graphicData uri="http://schemas.openxmlformats.org/presentationml/2006/ole">
             <mc:AlternateContent xmlns:mc="http://schemas.openxmlformats.org/markup-compatibility/2006">
               <mc:Choice xmlns:v="urn:schemas-microsoft-com:vml" Requires="v">
-                <p:oleObj spid="_x0000_s391319" name="公式" r:id="rId5" imgW="1333440" imgH="507960" progId="Equation.3">
+                <p:oleObj spid="_x0000_s391321" name="公式" r:id="rId5" imgW="1333440" imgH="507960" progId="Equation.3">
                   <p:embed/>
                 </p:oleObj>
               </mc:Choice>
@@ -11001,7 +11086,7 @@
           <a:graphicData uri="http://schemas.openxmlformats.org/presentationml/2006/ole">
             <mc:AlternateContent xmlns:mc="http://schemas.openxmlformats.org/markup-compatibility/2006">
               <mc:Choice xmlns:v="urn:schemas-microsoft-com:vml" Requires="v">
-                <p:oleObj spid="_x0000_s392269" name="公式" r:id="rId3" imgW="152280" imgH="228600" progId="Equation.3">
+                <p:oleObj spid="_x0000_s392270" name="公式" r:id="rId3" imgW="152280" imgH="228600" progId="Equation.3">
                   <p:embed/>
                 </p:oleObj>
               </mc:Choice>
@@ -11216,7 +11301,7 @@
           <a:graphicData uri="http://schemas.openxmlformats.org/presentationml/2006/ole">
             <mc:AlternateContent xmlns:mc="http://schemas.openxmlformats.org/markup-compatibility/2006">
               <mc:Choice xmlns:v="urn:schemas-microsoft-com:vml" Requires="v">
-                <p:oleObj spid="_x0000_s393292" name="公式" r:id="rId4" imgW="520560" imgH="1320480" progId="Equation.3">
+                <p:oleObj spid="_x0000_s393293" name="公式" r:id="rId4" imgW="520560" imgH="1320480" progId="Equation.3">
                   <p:embed/>
                 </p:oleObj>
               </mc:Choice>
@@ -11366,7 +11451,7 @@
           <a:graphicData uri="http://schemas.openxmlformats.org/presentationml/2006/ole">
             <mc:AlternateContent xmlns:mc="http://schemas.openxmlformats.org/markup-compatibility/2006">
               <mc:Choice xmlns:v="urn:schemas-microsoft-com:vml" Requires="v">
-                <p:oleObj spid="_x0000_s394316" name="公式" r:id="rId3" imgW="2425680" imgH="1993680" progId="Equation.3">
+                <p:oleObj spid="_x0000_s394317" name="公式" r:id="rId3" imgW="2425680" imgH="1993680" progId="Equation.3">
                   <p:embed/>
                 </p:oleObj>
               </mc:Choice>
@@ -11555,7 +11640,7 @@
           <a:graphicData uri="http://schemas.openxmlformats.org/presentationml/2006/ole">
             <mc:AlternateContent xmlns:mc="http://schemas.openxmlformats.org/markup-compatibility/2006">
               <mc:Choice xmlns:v="urn:schemas-microsoft-com:vml" Requires="v">
-                <p:oleObj spid="_x0000_s395570" name="公式" r:id="rId3" imgW="330120" imgH="304560" progId="Equation.3">
+                <p:oleObj spid="_x0000_s395574" name="公式" r:id="rId3" imgW="330120" imgH="304560" progId="Equation.3">
                   <p:embed/>
                 </p:oleObj>
               </mc:Choice>
@@ -11622,7 +11707,7 @@
           <a:graphicData uri="http://schemas.openxmlformats.org/presentationml/2006/ole">
             <mc:AlternateContent xmlns:mc="http://schemas.openxmlformats.org/markup-compatibility/2006">
               <mc:Choice xmlns:v="urn:schemas-microsoft-com:vml" Requires="v">
-                <p:oleObj spid="_x0000_s395571" name="公式" r:id="rId5" imgW="190440" imgH="266400" progId="Equation.3">
+                <p:oleObj spid="_x0000_s395575" name="公式" r:id="rId5" imgW="190440" imgH="266400" progId="Equation.3">
                   <p:embed/>
                 </p:oleObj>
               </mc:Choice>
@@ -11698,7 +11783,7 @@
           <a:graphicData uri="http://schemas.openxmlformats.org/presentationml/2006/ole">
             <mc:AlternateContent xmlns:mc="http://schemas.openxmlformats.org/markup-compatibility/2006">
               <mc:Choice xmlns:v="urn:schemas-microsoft-com:vml" Requires="v">
-                <p:oleObj spid="_x0000_s395572" name="公式" r:id="rId7" imgW="380880" imgH="279360" progId="Equation.3">
+                <p:oleObj spid="_x0000_s395576" name="公式" r:id="rId7" imgW="380880" imgH="279360" progId="Equation.3">
                   <p:embed/>
                 </p:oleObj>
               </mc:Choice>
@@ -11774,7 +11859,7 @@
           <a:graphicData uri="http://schemas.openxmlformats.org/presentationml/2006/ole">
             <mc:AlternateContent xmlns:mc="http://schemas.openxmlformats.org/markup-compatibility/2006">
               <mc:Choice xmlns:v="urn:schemas-microsoft-com:vml" Requires="v">
-                <p:oleObj spid="_x0000_s395573" name="公式" r:id="rId9" imgW="2768400" imgH="660240" progId="Equation.3">
+                <p:oleObj spid="_x0000_s395577" name="公式" r:id="rId9" imgW="2768400" imgH="660240" progId="Equation.3">
                   <p:embed/>
                 </p:oleObj>
               </mc:Choice>
@@ -12714,7 +12799,7 @@
           <a:graphicData uri="http://schemas.openxmlformats.org/presentationml/2006/ole">
             <mc:AlternateContent xmlns:mc="http://schemas.openxmlformats.org/markup-compatibility/2006">
               <mc:Choice xmlns:v="urn:schemas-microsoft-com:vml" Requires="v">
-                <p:oleObj spid="_x0000_s396586" name="公式" r:id="rId4" imgW="736560" imgH="177480" progId="Equation.3">
+                <p:oleObj spid="_x0000_s396590" name="公式" r:id="rId4" imgW="736560" imgH="177480" progId="Equation.3">
                   <p:embed/>
                 </p:oleObj>
               </mc:Choice>
@@ -12811,7 +12896,7 @@
           <a:graphicData uri="http://schemas.openxmlformats.org/presentationml/2006/ole">
             <mc:AlternateContent xmlns:mc="http://schemas.openxmlformats.org/markup-compatibility/2006">
               <mc:Choice xmlns:v="urn:schemas-microsoft-com:vml" Requires="v">
-                <p:oleObj spid="_x0000_s396587" name="公式" r:id="rId6" imgW="253800" imgH="444240" progId="Equation.3">
+                <p:oleObj spid="_x0000_s396591" name="公式" r:id="rId6" imgW="253800" imgH="444240" progId="Equation.3">
                   <p:embed/>
                 </p:oleObj>
               </mc:Choice>
@@ -12982,7 +13067,7 @@
           <a:graphicData uri="http://schemas.openxmlformats.org/presentationml/2006/ole">
             <mc:AlternateContent xmlns:mc="http://schemas.openxmlformats.org/markup-compatibility/2006">
               <mc:Choice xmlns:v="urn:schemas-microsoft-com:vml" Requires="v">
-                <p:oleObj spid="_x0000_s396588" name="公式" r:id="rId8" imgW="711000" imgH="177480" progId="Equation.3">
+                <p:oleObj spid="_x0000_s396592" name="公式" r:id="rId8" imgW="711000" imgH="177480" progId="Equation.3">
                   <p:embed/>
                 </p:oleObj>
               </mc:Choice>
@@ -13052,7 +13137,7 @@
           <a:graphicData uri="http://schemas.openxmlformats.org/presentationml/2006/ole">
             <mc:AlternateContent xmlns:mc="http://schemas.openxmlformats.org/markup-compatibility/2006">
               <mc:Choice xmlns:v="urn:schemas-microsoft-com:vml" Requires="v">
-                <p:oleObj spid="_x0000_s396589" name="公式" r:id="rId10" imgW="812520" imgH="177480" progId="Equation.3">
+                <p:oleObj spid="_x0000_s396593" name="公式" r:id="rId10" imgW="812520" imgH="177480" progId="Equation.3">
                   <p:embed/>
                 </p:oleObj>
               </mc:Choice>
@@ -13258,7 +13343,7 @@
           <a:graphicData uri="http://schemas.openxmlformats.org/presentationml/2006/ole">
             <mc:AlternateContent xmlns:mc="http://schemas.openxmlformats.org/markup-compatibility/2006">
               <mc:Choice xmlns:v="urn:schemas-microsoft-com:vml" Requires="v">
-                <p:oleObj spid="_x0000_s398518" name="公式" r:id="rId4" imgW="3746160" imgH="698400" progId="Equation.3">
+                <p:oleObj spid="_x0000_s398521" name="公式" r:id="rId4" imgW="3746160" imgH="698400" progId="Equation.3">
                   <p:embed/>
                 </p:oleObj>
               </mc:Choice>
@@ -13319,7 +13404,7 @@
           <a:graphicData uri="http://schemas.openxmlformats.org/presentationml/2006/ole">
             <mc:AlternateContent xmlns:mc="http://schemas.openxmlformats.org/markup-compatibility/2006">
               <mc:Choice xmlns:v="urn:schemas-microsoft-com:vml" Requires="v">
-                <p:oleObj spid="_x0000_s398519" name="公式" r:id="rId6" imgW="2768400" imgH="660240" progId="Equation.3">
+                <p:oleObj spid="_x0000_s398522" name="公式" r:id="rId6" imgW="2768400" imgH="660240" progId="Equation.3">
                   <p:embed/>
                 </p:oleObj>
               </mc:Choice>
@@ -13389,7 +13474,7 @@
           <a:graphicData uri="http://schemas.openxmlformats.org/presentationml/2006/ole">
             <mc:AlternateContent xmlns:mc="http://schemas.openxmlformats.org/markup-compatibility/2006">
               <mc:Choice xmlns:v="urn:schemas-microsoft-com:vml" Requires="v">
-                <p:oleObj spid="_x0000_s398520" name="公式" r:id="rId8" imgW="1523880" imgH="228600" progId="Equation.3">
+                <p:oleObj spid="_x0000_s398523" name="公式" r:id="rId8" imgW="1523880" imgH="228600" progId="Equation.3">
                   <p:embed/>
                 </p:oleObj>
               </mc:Choice>
@@ -13833,7 +13918,7 @@
           <a:graphicData uri="http://schemas.openxmlformats.org/presentationml/2006/ole">
             <mc:AlternateContent xmlns:mc="http://schemas.openxmlformats.org/markup-compatibility/2006">
               <mc:Choice xmlns:v="urn:schemas-microsoft-com:vml" Requires="v">
-                <p:oleObj spid="_x0000_s447586" name="公式" r:id="rId4" imgW="3111480" imgH="444240" progId="Equation.3">
+                <p:oleObj spid="_x0000_s447589" name="公式" r:id="rId4" imgW="3111480" imgH="444240" progId="Equation.3">
                   <p:embed/>
                 </p:oleObj>
               </mc:Choice>
@@ -13923,7 +14008,7 @@
           <a:graphicData uri="http://schemas.openxmlformats.org/presentationml/2006/ole">
             <mc:AlternateContent xmlns:mc="http://schemas.openxmlformats.org/markup-compatibility/2006">
               <mc:Choice xmlns:v="urn:schemas-microsoft-com:vml" Requires="v">
-                <p:oleObj spid="_x0000_s447587" name="公式" r:id="rId6" imgW="3149280" imgH="660240" progId="Equation.3">
+                <p:oleObj spid="_x0000_s447590" name="公式" r:id="rId6" imgW="3149280" imgH="660240" progId="Equation.3">
                   <p:embed/>
                 </p:oleObj>
               </mc:Choice>
@@ -13984,7 +14069,7 @@
           <a:graphicData uri="http://schemas.openxmlformats.org/presentationml/2006/ole">
             <mc:AlternateContent xmlns:mc="http://schemas.openxmlformats.org/markup-compatibility/2006">
               <mc:Choice xmlns:v="urn:schemas-microsoft-com:vml" Requires="v">
-                <p:oleObj spid="_x0000_s447588" name="公式" r:id="rId8" imgW="2806560" imgH="291960" progId="Equation.3">
+                <p:oleObj spid="_x0000_s447591" name="公式" r:id="rId8" imgW="2806560" imgH="291960" progId="Equation.3">
                   <p:embed/>
                 </p:oleObj>
               </mc:Choice>
@@ -14517,7 +14602,7 @@
           <a:graphicData uri="http://schemas.openxmlformats.org/presentationml/2006/ole">
             <mc:AlternateContent xmlns:mc="http://schemas.openxmlformats.org/markup-compatibility/2006">
               <mc:Choice xmlns:v="urn:schemas-microsoft-com:vml" Requires="v">
-                <p:oleObj spid="_x0000_s448598" name="公式" r:id="rId4" imgW="1282680" imgH="291960" progId="Equation.3">
+                <p:oleObj spid="_x0000_s448601" name="公式" r:id="rId4" imgW="1282680" imgH="291960" progId="Equation.3">
                   <p:embed/>
                 </p:oleObj>
               </mc:Choice>
@@ -14578,7 +14663,7 @@
           <a:graphicData uri="http://schemas.openxmlformats.org/presentationml/2006/ole">
             <mc:AlternateContent xmlns:mc="http://schemas.openxmlformats.org/markup-compatibility/2006">
               <mc:Choice xmlns:v="urn:schemas-microsoft-com:vml" Requires="v">
-                <p:oleObj spid="_x0000_s448599" name="公式" r:id="rId6" imgW="3047760" imgH="291960" progId="Equation.3">
+                <p:oleObj spid="_x0000_s448602" name="公式" r:id="rId6" imgW="3047760" imgH="291960" progId="Equation.3">
                   <p:embed/>
                 </p:oleObj>
               </mc:Choice>
@@ -14639,7 +14724,7 @@
           <a:graphicData uri="http://schemas.openxmlformats.org/presentationml/2006/ole">
             <mc:AlternateContent xmlns:mc="http://schemas.openxmlformats.org/markup-compatibility/2006">
               <mc:Choice xmlns:v="urn:schemas-microsoft-com:vml" Requires="v">
-                <p:oleObj spid="_x0000_s448600" name="公式" r:id="rId8" imgW="2755800" imgH="291960" progId="Equation.3">
+                <p:oleObj spid="_x0000_s448603" name="公式" r:id="rId8" imgW="2755800" imgH="291960" progId="Equation.3">
                   <p:embed/>
                 </p:oleObj>
               </mc:Choice>
@@ -14994,7 +15079,7 @@
           <a:graphicData uri="http://schemas.openxmlformats.org/presentationml/2006/ole">
             <mc:AlternateContent xmlns:mc="http://schemas.openxmlformats.org/markup-compatibility/2006">
               <mc:Choice xmlns:v="urn:schemas-microsoft-com:vml" Requires="v">
-                <p:oleObj spid="_x0000_s449589" name="公式" r:id="rId4" imgW="3619440" imgH="965160" progId="Equation.3">
+                <p:oleObj spid="_x0000_s449591" name="公式" r:id="rId4" imgW="3619440" imgH="965160" progId="Equation.3">
                   <p:embed/>
                 </p:oleObj>
               </mc:Choice>
@@ -15055,7 +15140,7 @@
           <a:graphicData uri="http://schemas.openxmlformats.org/presentationml/2006/ole">
             <mc:AlternateContent xmlns:mc="http://schemas.openxmlformats.org/markup-compatibility/2006">
               <mc:Choice xmlns:v="urn:schemas-microsoft-com:vml" Requires="v">
-                <p:oleObj spid="_x0000_s449590" name="公式" r:id="rId6" imgW="1904760" imgH="1422360" progId="Equation.3">
+                <p:oleObj spid="_x0000_s449592" name="公式" r:id="rId6" imgW="1904760" imgH="1422360" progId="Equation.3">
                   <p:embed/>
                 </p:oleObj>
               </mc:Choice>
@@ -15309,7 +15394,7 @@
           <a:graphicData uri="http://schemas.openxmlformats.org/presentationml/2006/ole">
             <mc:AlternateContent xmlns:mc="http://schemas.openxmlformats.org/markup-compatibility/2006">
               <mc:Choice xmlns:v="urn:schemas-microsoft-com:vml" Requires="v">
-                <p:oleObj spid="_x0000_s399512" name="公式" r:id="rId3" imgW="2349360" imgH="888840" progId="Equation.3">
+                <p:oleObj spid="_x0000_s399514" name="公式" r:id="rId3" imgW="2349360" imgH="888840" progId="Equation.3">
                   <p:embed/>
                 </p:oleObj>
               </mc:Choice>
@@ -15376,7 +15461,7 @@
           <a:graphicData uri="http://schemas.openxmlformats.org/presentationml/2006/ole">
             <mc:AlternateContent xmlns:mc="http://schemas.openxmlformats.org/markup-compatibility/2006">
               <mc:Choice xmlns:v="urn:schemas-microsoft-com:vml" Requires="v">
-                <p:oleObj spid="_x0000_s399513" name="公式" r:id="rId5" imgW="2920680" imgH="482400" progId="Equation.3">
+                <p:oleObj spid="_x0000_s399515" name="公式" r:id="rId5" imgW="2920680" imgH="482400" progId="Equation.3">
                   <p:embed/>
                 </p:oleObj>
               </mc:Choice>
@@ -15515,7 +15600,7 @@
           <a:graphicData uri="http://schemas.openxmlformats.org/presentationml/2006/ole">
             <mc:AlternateContent xmlns:mc="http://schemas.openxmlformats.org/markup-compatibility/2006">
               <mc:Choice xmlns:v="urn:schemas-microsoft-com:vml" Requires="v">
-                <p:oleObj spid="_x0000_s400460" name="公式" r:id="rId3" imgW="2247840" imgH="1130040" progId="Equation.3">
+                <p:oleObj spid="_x0000_s400461" name="公式" r:id="rId3" imgW="2247840" imgH="1130040" progId="Equation.3">
                   <p:embed/>
                 </p:oleObj>
               </mc:Choice>
@@ -15651,7 +15736,7 @@
           <a:graphicData uri="http://schemas.openxmlformats.org/presentationml/2006/ole">
             <mc:AlternateContent xmlns:mc="http://schemas.openxmlformats.org/markup-compatibility/2006">
               <mc:Choice xmlns:v="urn:schemas-microsoft-com:vml" Requires="v">
-                <p:oleObj spid="_x0000_s450602" name="公式" r:id="rId3" imgW="1904760" imgH="711000" progId="Equation.3">
+                <p:oleObj spid="_x0000_s450604" name="公式" r:id="rId3" imgW="1904760" imgH="711000" progId="Equation.3">
                   <p:embed/>
                 </p:oleObj>
               </mc:Choice>
@@ -15717,7 +15802,7 @@
           <a:graphicData uri="http://schemas.openxmlformats.org/presentationml/2006/ole">
             <mc:AlternateContent xmlns:mc="http://schemas.openxmlformats.org/markup-compatibility/2006">
               <mc:Choice xmlns:v="urn:schemas-microsoft-com:vml" Requires="v">
-                <p:oleObj spid="_x0000_s450603" name="公式" r:id="rId5" imgW="2705040" imgH="2108160" progId="Equation.3">
+                <p:oleObj spid="_x0000_s450605" name="公式" r:id="rId5" imgW="2705040" imgH="2108160" progId="Equation.3">
                   <p:embed/>
                 </p:oleObj>
               </mc:Choice>
@@ -15958,7 +16043,7 @@
           <a:graphicData uri="http://schemas.openxmlformats.org/presentationml/2006/ole">
             <mc:AlternateContent xmlns:mc="http://schemas.openxmlformats.org/markup-compatibility/2006">
               <mc:Choice xmlns:v="urn:schemas-microsoft-com:vml" Requires="v">
-                <p:oleObj spid="_x0000_s402530" name="公式" r:id="rId3" imgW="3238200" imgH="2311200" progId="Equation.3">
+                <p:oleObj spid="_x0000_s402532" name="公式" r:id="rId3" imgW="3238200" imgH="2311200" progId="Equation.3">
                   <p:embed/>
                 </p:oleObj>
               </mc:Choice>
@@ -16028,7 +16113,7 @@
           <a:graphicData uri="http://schemas.openxmlformats.org/presentationml/2006/ole">
             <mc:AlternateContent xmlns:mc="http://schemas.openxmlformats.org/markup-compatibility/2006">
               <mc:Choice xmlns:v="urn:schemas-microsoft-com:vml" Requires="v">
-                <p:oleObj spid="_x0000_s402531" name="公式" r:id="rId5" imgW="1904760" imgH="1422360" progId="Equation.3">
+                <p:oleObj spid="_x0000_s402533" name="公式" r:id="rId5" imgW="1904760" imgH="1422360" progId="Equation.3">
                   <p:embed/>
                 </p:oleObj>
               </mc:Choice>
@@ -16484,7 +16569,7 @@
           <a:graphicData uri="http://schemas.openxmlformats.org/presentationml/2006/ole">
             <mc:AlternateContent xmlns:mc="http://schemas.openxmlformats.org/markup-compatibility/2006">
               <mc:Choice xmlns:v="urn:schemas-microsoft-com:vml" Requires="v">
-                <p:oleObj spid="_x0000_s403532" name="公式" r:id="rId3" imgW="2247840" imgH="1130040" progId="Equation.3">
+                <p:oleObj spid="_x0000_s403533" name="公式" r:id="rId3" imgW="2247840" imgH="1130040" progId="Equation.3">
                   <p:embed/>
                 </p:oleObj>
               </mc:Choice>
@@ -16749,7 +16834,7 @@
           <a:graphicData uri="http://schemas.openxmlformats.org/presentationml/2006/ole">
             <mc:AlternateContent xmlns:mc="http://schemas.openxmlformats.org/markup-compatibility/2006">
               <mc:Choice xmlns:v="urn:schemas-microsoft-com:vml" Requires="v">
-                <p:oleObj spid="_x0000_s404556" name="公式" r:id="rId3" imgW="2882880" imgH="1549080" progId="Equation.3">
+                <p:oleObj spid="_x0000_s404557" name="公式" r:id="rId3" imgW="2882880" imgH="1549080" progId="Equation.3">
                   <p:embed/>
                 </p:oleObj>
               </mc:Choice>
@@ -16880,7 +16965,7 @@
           <a:graphicData uri="http://schemas.openxmlformats.org/presentationml/2006/ole">
             <mc:AlternateContent xmlns:mc="http://schemas.openxmlformats.org/markup-compatibility/2006">
               <mc:Choice xmlns:v="urn:schemas-microsoft-com:vml" Requires="v">
-                <p:oleObj spid="_x0000_s405580" name="公式" r:id="rId3" imgW="2781000" imgH="1574640" progId="Equation.3">
+                <p:oleObj spid="_x0000_s405581" name="公式" r:id="rId3" imgW="2781000" imgH="1574640" progId="Equation.3">
                   <p:embed/>
                 </p:oleObj>
               </mc:Choice>
@@ -17293,7 +17378,7 @@
           <a:graphicData uri="http://schemas.openxmlformats.org/presentationml/2006/ole">
             <mc:AlternateContent xmlns:mc="http://schemas.openxmlformats.org/markup-compatibility/2006">
               <mc:Choice xmlns:v="urn:schemas-microsoft-com:vml" Requires="v">
-                <p:oleObj spid="_x0000_s406604" name="公式" r:id="rId3" imgW="2692080" imgH="1942920" progId="Equation.3">
+                <p:oleObj spid="_x0000_s406605" name="公式" r:id="rId3" imgW="2692080" imgH="1942920" progId="Equation.3">
                   <p:embed/>
                 </p:oleObj>
               </mc:Choice>
@@ -17424,7 +17509,7 @@
           <a:graphicData uri="http://schemas.openxmlformats.org/presentationml/2006/ole">
             <mc:AlternateContent xmlns:mc="http://schemas.openxmlformats.org/markup-compatibility/2006">
               <mc:Choice xmlns:v="urn:schemas-microsoft-com:vml" Requires="v">
-                <p:oleObj spid="_x0000_s407628" name="公式" r:id="rId4" imgW="3085920" imgH="1739880" progId="Equation.3">
+                <p:oleObj spid="_x0000_s407629" name="公式" r:id="rId4" imgW="3085920" imgH="1739880" progId="Equation.3">
                   <p:embed/>
                 </p:oleObj>
               </mc:Choice>
@@ -20455,7 +20540,7 @@
           <a:graphicData uri="http://schemas.openxmlformats.org/presentationml/2006/ole">
             <mc:AlternateContent xmlns:mc="http://schemas.openxmlformats.org/markup-compatibility/2006">
               <mc:Choice xmlns:v="urn:schemas-microsoft-com:vml" Requires="v">
-                <p:oleObj spid="_x0000_s446536" name="公式" r:id="rId4" imgW="152280" imgH="228600" progId="Equation.3">
+                <p:oleObj spid="_x0000_s446538" name="公式" r:id="rId4" imgW="152280" imgH="228600" progId="Equation.3">
                   <p:embed/>
                 </p:oleObj>
               </mc:Choice>
@@ -20519,7 +20604,7 @@
           <a:graphicData uri="http://schemas.openxmlformats.org/presentationml/2006/ole">
             <mc:AlternateContent xmlns:mc="http://schemas.openxmlformats.org/markup-compatibility/2006">
               <mc:Choice xmlns:v="urn:schemas-microsoft-com:vml" Requires="v">
-                <p:oleObj spid="_x0000_s446537" name="公式" r:id="rId6" imgW="152280" imgH="228600" progId="Equation.3">
+                <p:oleObj spid="_x0000_s446539" name="公式" r:id="rId6" imgW="152280" imgH="228600" progId="Equation.3">
                   <p:embed/>
                 </p:oleObj>
               </mc:Choice>
@@ -20928,7 +21013,7 @@
           <a:graphicData uri="http://schemas.openxmlformats.org/presentationml/2006/ole">
             <mc:AlternateContent xmlns:mc="http://schemas.openxmlformats.org/markup-compatibility/2006">
               <mc:Choice xmlns:v="urn:schemas-microsoft-com:vml" Requires="v">
-                <p:oleObj spid="_x0000_s408806" name="公式" r:id="rId4" imgW="2768400" imgH="660240" progId="Equation.3">
+                <p:oleObj spid="_x0000_s408809" name="公式" r:id="rId4" imgW="2768400" imgH="660240" progId="Equation.3">
                   <p:embed/>
                 </p:oleObj>
               </mc:Choice>
@@ -20992,7 +21077,7 @@
           <a:graphicData uri="http://schemas.openxmlformats.org/presentationml/2006/ole">
             <mc:AlternateContent xmlns:mc="http://schemas.openxmlformats.org/markup-compatibility/2006">
               <mc:Choice xmlns:v="urn:schemas-microsoft-com:vml" Requires="v">
-                <p:oleObj spid="_x0000_s408807" name="公式" r:id="rId6" imgW="152280" imgH="228600" progId="Equation.3">
+                <p:oleObj spid="_x0000_s408810" name="公式" r:id="rId6" imgW="152280" imgH="228600" progId="Equation.3">
                   <p:embed/>
                 </p:oleObj>
               </mc:Choice>
@@ -21062,7 +21147,7 @@
           <a:graphicData uri="http://schemas.openxmlformats.org/presentationml/2006/ole">
             <mc:AlternateContent xmlns:mc="http://schemas.openxmlformats.org/markup-compatibility/2006">
               <mc:Choice xmlns:v="urn:schemas-microsoft-com:vml" Requires="v">
-                <p:oleObj spid="_x0000_s408808" name="公式" r:id="rId8" imgW="2438280" imgH="228600" progId="Equation.3">
+                <p:oleObj spid="_x0000_s408811" name="公式" r:id="rId8" imgW="2438280" imgH="228600" progId="Equation.3">
                   <p:embed/>
                 </p:oleObj>
               </mc:Choice>
@@ -21282,7 +21367,7 @@
           <a:graphicData uri="http://schemas.openxmlformats.org/presentationml/2006/ole">
             <mc:AlternateContent xmlns:mc="http://schemas.openxmlformats.org/markup-compatibility/2006">
               <mc:Choice xmlns:v="urn:schemas-microsoft-com:vml" Requires="v">
-                <p:oleObj spid="_x0000_s409752" name="公式" r:id="rId3" imgW="152280" imgH="228600" progId="Equation.3">
+                <p:oleObj spid="_x0000_s409754" name="公式" r:id="rId3" imgW="152280" imgH="228600" progId="Equation.3">
                   <p:embed/>
                 </p:oleObj>
               </mc:Choice>
@@ -21358,7 +21443,7 @@
           <a:graphicData uri="http://schemas.openxmlformats.org/presentationml/2006/ole">
             <mc:AlternateContent xmlns:mc="http://schemas.openxmlformats.org/markup-compatibility/2006">
               <mc:Choice xmlns:v="urn:schemas-microsoft-com:vml" Requires="v">
-                <p:oleObj spid="_x0000_s409753" name="公式" r:id="rId5" imgW="1434960" imgH="482400" progId="Equation.3">
+                <p:oleObj spid="_x0000_s409755" name="公式" r:id="rId5" imgW="1434960" imgH="482400" progId="Equation.3">
                   <p:embed/>
                 </p:oleObj>
               </mc:Choice>
@@ -21563,7 +21648,7 @@
           <a:graphicData uri="http://schemas.openxmlformats.org/presentationml/2006/ole">
             <mc:AlternateContent xmlns:mc="http://schemas.openxmlformats.org/markup-compatibility/2006">
               <mc:Choice xmlns:v="urn:schemas-microsoft-com:vml" Requires="v">
-                <p:oleObj spid="_x0000_s410701" name="公式" r:id="rId3" imgW="3111480" imgH="965160" progId="Equation.3">
+                <p:oleObj spid="_x0000_s410702" name="公式" r:id="rId3" imgW="3111480" imgH="965160" progId="Equation.3">
                   <p:embed/>
                 </p:oleObj>
               </mc:Choice>
@@ -21717,7 +21802,7 @@
           <a:graphicData uri="http://schemas.openxmlformats.org/presentationml/2006/ole">
             <mc:AlternateContent xmlns:mc="http://schemas.openxmlformats.org/markup-compatibility/2006">
               <mc:Choice xmlns:v="urn:schemas-microsoft-com:vml" Requires="v">
-                <p:oleObj spid="_x0000_s411725" name="公式" r:id="rId4" imgW="2247840" imgH="1371600" progId="Equation.3">
+                <p:oleObj spid="_x0000_s411726" name="公式" r:id="rId4" imgW="2247840" imgH="1371600" progId="Equation.3">
                   <p:embed/>
                 </p:oleObj>
               </mc:Choice>
@@ -21890,7 +21975,7 @@
           <a:graphicData uri="http://schemas.openxmlformats.org/presentationml/2006/ole">
             <mc:AlternateContent xmlns:mc="http://schemas.openxmlformats.org/markup-compatibility/2006">
               <mc:Choice xmlns:v="urn:schemas-microsoft-com:vml" Requires="v">
-                <p:oleObj spid="_x0000_s412749" name="公式" r:id="rId4" imgW="2082600" imgH="1422360" progId="Equation.3">
+                <p:oleObj spid="_x0000_s412750" name="公式" r:id="rId4" imgW="2082600" imgH="1422360" progId="Equation.3">
                   <p:embed/>
                 </p:oleObj>
               </mc:Choice>
@@ -22517,7 +22602,7 @@
           <a:graphicData uri="http://schemas.openxmlformats.org/presentationml/2006/ole">
             <mc:AlternateContent xmlns:mc="http://schemas.openxmlformats.org/markup-compatibility/2006">
               <mc:Choice xmlns:v="urn:schemas-microsoft-com:vml" Requires="v">
-                <p:oleObj spid="_x0000_s413846" name="公式" r:id="rId3" imgW="1460160" imgH="228600" progId="Equation.3">
+                <p:oleObj spid="_x0000_s413848" name="公式" r:id="rId3" imgW="1460160" imgH="228600" progId="Equation.3">
                   <p:embed/>
                 </p:oleObj>
               </mc:Choice>
@@ -22587,7 +22672,7 @@
           <a:graphicData uri="http://schemas.openxmlformats.org/presentationml/2006/ole">
             <mc:AlternateContent xmlns:mc="http://schemas.openxmlformats.org/markup-compatibility/2006">
               <mc:Choice xmlns:v="urn:schemas-microsoft-com:vml" Requires="v">
-                <p:oleObj spid="_x0000_s413847" name="公式" r:id="rId5" imgW="863280" imgH="203040" progId="Equation.3">
+                <p:oleObj spid="_x0000_s413849" name="公式" r:id="rId5" imgW="863280" imgH="203040" progId="Equation.3">
                   <p:embed/>
                 </p:oleObj>
               </mc:Choice>
@@ -22718,7 +22803,7 @@
           <a:graphicData uri="http://schemas.openxmlformats.org/presentationml/2006/ole">
             <mc:AlternateContent xmlns:mc="http://schemas.openxmlformats.org/markup-compatibility/2006">
               <mc:Choice xmlns:v="urn:schemas-microsoft-com:vml" Requires="v">
-                <p:oleObj spid="_x0000_s414798" name="公式" r:id="rId4" imgW="2311200" imgH="1714320" progId="Equation.3">
+                <p:oleObj spid="_x0000_s414799" name="公式" r:id="rId4" imgW="2311200" imgH="1714320" progId="Equation.3">
                   <p:embed/>
                 </p:oleObj>
               </mc:Choice>
@@ -23024,7 +23109,7 @@
           <a:graphicData uri="http://schemas.openxmlformats.org/presentationml/2006/ole">
             <mc:AlternateContent xmlns:mc="http://schemas.openxmlformats.org/markup-compatibility/2006">
               <mc:Choice xmlns:v="urn:schemas-microsoft-com:vml" Requires="v">
-                <p:oleObj spid="_x0000_s415896" name="公式" r:id="rId4" imgW="1600200" imgH="406080" progId="Equation.3">
+                <p:oleObj spid="_x0000_s415898" name="公式" r:id="rId4" imgW="1600200" imgH="406080" progId="Equation.3">
                   <p:embed/>
                 </p:oleObj>
               </mc:Choice>
@@ -23945,7 +24030,7 @@
           <a:graphicData uri="http://schemas.openxmlformats.org/presentationml/2006/ole">
             <mc:AlternateContent xmlns:mc="http://schemas.openxmlformats.org/markup-compatibility/2006">
               <mc:Choice xmlns:v="urn:schemas-microsoft-com:vml" Requires="v">
-                <p:oleObj spid="_x0000_s415897" name="公式" r:id="rId6" imgW="253800" imgH="444240" progId="Equation.3">
+                <p:oleObj spid="_x0000_s415899" name="公式" r:id="rId6" imgW="253800" imgH="444240" progId="Equation.3">
                   <p:embed/>
                 </p:oleObj>
               </mc:Choice>
@@ -25627,7 +25712,7 @@
           <a:graphicData uri="http://schemas.openxmlformats.org/presentationml/2006/ole">
             <mc:AlternateContent xmlns:mc="http://schemas.openxmlformats.org/markup-compatibility/2006">
               <mc:Choice xmlns:v="urn:schemas-microsoft-com:vml" Requires="v">
-                <p:oleObj spid="_x0000_s416844" name="公式" r:id="rId3" imgW="2019240" imgH="1904760" progId="Equation.3">
+                <p:oleObj spid="_x0000_s416845" name="公式" r:id="rId3" imgW="2019240" imgH="1904760" progId="Equation.3">
                   <p:embed/>
                 </p:oleObj>
               </mc:Choice>
@@ -27347,7 +27432,7 @@
           <a:graphicData uri="http://schemas.openxmlformats.org/presentationml/2006/ole">
             <mc:AlternateContent xmlns:mc="http://schemas.openxmlformats.org/markup-compatibility/2006">
               <mc:Choice xmlns:v="urn:schemas-microsoft-com:vml" Requires="v">
-                <p:oleObj spid="_x0000_s417869" name="公式" r:id="rId3" imgW="3022560" imgH="2997000" progId="Equation.3">
+                <p:oleObj spid="_x0000_s417870" name="公式" r:id="rId3" imgW="3022560" imgH="2997000" progId="Equation.3">
                   <p:embed/>
                 </p:oleObj>
               </mc:Choice>
@@ -27510,7 +27595,7 @@
           <a:graphicData uri="http://schemas.openxmlformats.org/presentationml/2006/ole">
             <mc:AlternateContent xmlns:mc="http://schemas.openxmlformats.org/markup-compatibility/2006">
               <mc:Choice xmlns:v="urn:schemas-microsoft-com:vml" Requires="v">
-                <p:oleObj spid="_x0000_s418892" name="公式" r:id="rId3" imgW="2857320" imgH="1155600" progId="Equation.3">
+                <p:oleObj spid="_x0000_s418893" name="公式" r:id="rId3" imgW="2857320" imgH="1155600" progId="Equation.3">
                   <p:embed/>
                 </p:oleObj>
               </mc:Choice>
@@ -27795,7 +27880,7 @@
           <a:graphicData uri="http://schemas.openxmlformats.org/presentationml/2006/ole">
             <mc:AlternateContent xmlns:mc="http://schemas.openxmlformats.org/markup-compatibility/2006">
               <mc:Choice xmlns:v="urn:schemas-microsoft-com:vml" Requires="v">
-                <p:oleObj spid="_x0000_s419916" name="公式" r:id="rId3" imgW="3454200" imgH="2197080" progId="Equation.3">
+                <p:oleObj spid="_x0000_s419917" name="公式" r:id="rId3" imgW="3454200" imgH="2197080" progId="Equation.3">
                   <p:embed/>
                 </p:oleObj>
               </mc:Choice>
@@ -27939,7 +28024,7 @@
           <a:graphicData uri="http://schemas.openxmlformats.org/presentationml/2006/ole">
             <mc:AlternateContent xmlns:mc="http://schemas.openxmlformats.org/markup-compatibility/2006">
               <mc:Choice xmlns:v="urn:schemas-microsoft-com:vml" Requires="v">
-                <p:oleObj spid="_x0000_s420941" name="公式" r:id="rId3" imgW="3187440" imgH="2844720" progId="Equation.3">
+                <p:oleObj spid="_x0000_s420942" name="公式" r:id="rId3" imgW="3187440" imgH="2844720" progId="Equation.3">
                   <p:embed/>
                 </p:oleObj>
               </mc:Choice>
@@ -28085,7 +28170,7 @@
           <a:graphicData uri="http://schemas.openxmlformats.org/presentationml/2006/ole">
             <mc:AlternateContent xmlns:mc="http://schemas.openxmlformats.org/markup-compatibility/2006">
               <mc:Choice xmlns:v="urn:schemas-microsoft-com:vml" Requires="v">
-                <p:oleObj spid="_x0000_s421964" name="公式" r:id="rId4" imgW="3238200" imgH="2133360" progId="Equation.3">
+                <p:oleObj spid="_x0000_s421965" name="公式" r:id="rId4" imgW="3238200" imgH="2133360" progId="Equation.3">
                   <p:embed/>
                 </p:oleObj>
               </mc:Choice>
@@ -28232,7 +28317,7 @@
           <a:graphicData uri="http://schemas.openxmlformats.org/presentationml/2006/ole">
             <mc:AlternateContent xmlns:mc="http://schemas.openxmlformats.org/markup-compatibility/2006">
               <mc:Choice xmlns:v="urn:schemas-microsoft-com:vml" Requires="v">
-                <p:oleObj spid="_x0000_s422988" name="公式" r:id="rId3" imgW="1866600" imgH="1511280" progId="Equation.3">
+                <p:oleObj spid="_x0000_s422989" name="公式" r:id="rId3" imgW="1866600" imgH="1511280" progId="Equation.3">
                   <p:embed/>
                 </p:oleObj>
               </mc:Choice>
@@ -32027,7 +32112,7 @@
           <a:graphicData uri="http://schemas.openxmlformats.org/presentationml/2006/ole">
             <mc:AlternateContent xmlns:mc="http://schemas.openxmlformats.org/markup-compatibility/2006">
               <mc:Choice xmlns:v="urn:schemas-microsoft-com:vml" Requires="v">
-                <p:oleObj spid="_x0000_s437324" name="公式" r:id="rId4" imgW="3136680" imgH="965160" progId="Equation.3">
+                <p:oleObj spid="_x0000_s437325" name="公式" r:id="rId4" imgW="3136680" imgH="965160" progId="Equation.3">
                   <p:embed/>
                 </p:oleObj>
               </mc:Choice>
@@ -32581,7 +32666,7 @@
           <a:graphicData uri="http://schemas.openxmlformats.org/presentationml/2006/ole">
             <mc:AlternateContent xmlns:mc="http://schemas.openxmlformats.org/markup-compatibility/2006">
               <mc:Choice xmlns:v="urn:schemas-microsoft-com:vml" Requires="v">
-                <p:oleObj spid="_x0000_s438349" name="公式" r:id="rId3" imgW="3733560" imgH="1803240" progId="Equation.3">
+                <p:oleObj spid="_x0000_s438350" name="公式" r:id="rId3" imgW="3733560" imgH="1803240" progId="Equation.3">
                   <p:embed/>
                 </p:oleObj>
               </mc:Choice>
@@ -32960,12 +33045,12 @@
           <a:graphicData uri="http://schemas.openxmlformats.org/presentationml/2006/ole">
             <mc:AlternateContent xmlns:mc="http://schemas.openxmlformats.org/markup-compatibility/2006">
               <mc:Choice xmlns:v="urn:schemas-microsoft-com:vml" Requires="v">
-                <p:oleObj spid="_x0000_s439372" name="公式" r:id="rId3" imgW="1726920" imgH="203040" progId="Equation.3">
+                <p:oleObj spid="_x0000_s439373" name="公式" r:id="rId4" imgW="1726920" imgH="203040" progId="Equation.3">
                   <p:embed/>
                 </p:oleObj>
               </mc:Choice>
               <mc:Fallback>
-                <p:oleObj name="公式" r:id="rId3" imgW="1726920" imgH="203040" progId="Equation.3">
+                <p:oleObj name="公式" r:id="rId4" imgW="1726920" imgH="203040" progId="Equation.3">
                   <p:embed/>
                   <p:pic>
                     <p:nvPicPr>
@@ -32976,7 +33061,7 @@
                       <p:nvPr/>
                     </p:nvPicPr>
                     <p:blipFill>
-                      <a:blip r:embed="rId4">
+                      <a:blip r:embed="rId5">
                         <a:extLst>
                           <a:ext uri="{28A0092B-C50C-407E-A947-70E740481C1C}">
                             <a14:useLocalDpi xmlns:a14="http://schemas.microsoft.com/office/drawing/2010/main" val="0"/>
@@ -33287,7 +33372,7 @@
           <a:graphicData uri="http://schemas.openxmlformats.org/presentationml/2006/ole">
             <mc:AlternateContent xmlns:mc="http://schemas.openxmlformats.org/markup-compatibility/2006">
               <mc:Choice xmlns:v="urn:schemas-microsoft-com:vml" Requires="v">
-                <p:oleObj spid="_x0000_s440396" name="公式" r:id="rId3" imgW="3263760" imgH="1193760" progId="Equation.3">
+                <p:oleObj spid="_x0000_s440397" name="公式" r:id="rId3" imgW="3263760" imgH="1193760" progId="Equation.3">
                   <p:embed/>
                 </p:oleObj>
               </mc:Choice>
@@ -34381,7 +34466,13 @@
           <p:cNvGraphicFramePr>
             <a:graphicFrameLocks noGrp="1"/>
           </p:cNvGraphicFramePr>
-          <p:nvPr/>
+          <p:nvPr>
+            <p:extLst>
+              <p:ext uri="{D42A27DB-BD31-4B8C-83A1-F6EECF244321}">
+                <p14:modId xmlns:p14="http://schemas.microsoft.com/office/powerpoint/2010/main" val="766945889"/>
+              </p:ext>
+            </p:extLst>
+          </p:nvPr>
         </p:nvGraphicFramePr>
         <p:xfrm>
           <a:off x="347663" y="373063"/>
@@ -34875,7 +34966,7 @@
                     <a:p>
                       <a:r>
                         <a:rPr lang="zh-CN" altLang="en-US" dirty="0"/>
-                        <a:t>是</a:t>
+                        <a:t>是（）</a:t>
                       </a:r>
                     </a:p>
                   </a:txBody>
@@ -35219,7 +35310,7 @@
                     <a:p>
                       <a:r>
                         <a:rPr lang="zh-CN" altLang="en-US" dirty="0"/>
-                        <a:t>是</a:t>
+                        <a:t>是（）</a:t>
                       </a:r>
                     </a:p>
                   </a:txBody>
@@ -35305,7 +35396,7 @@
                     <a:p>
                       <a:r>
                         <a:rPr lang="zh-CN" altLang="en-US" dirty="0"/>
-                        <a:t>是</a:t>
+                        <a:t>是（）</a:t>
                       </a:r>
                     </a:p>
                   </a:txBody>
@@ -35391,7 +35482,7 @@
                     <a:p>
                       <a:r>
                         <a:rPr lang="zh-CN" altLang="en-US" dirty="0"/>
-                        <a:t>是</a:t>
+                        <a:t>是（）</a:t>
                       </a:r>
                     </a:p>
                   </a:txBody>
@@ -35477,7 +35568,7 @@
                     <a:p>
                       <a:r>
                         <a:rPr lang="zh-CN" altLang="en-US" dirty="0"/>
-                        <a:t>是</a:t>
+                        <a:t>是（）</a:t>
                       </a:r>
                     </a:p>
                   </a:txBody>
@@ -35563,7 +35654,7 @@
                     <a:p>
                       <a:r>
                         <a:rPr lang="zh-CN" altLang="en-US" dirty="0"/>
-                        <a:t>是</a:t>
+                        <a:t>是（）</a:t>
                       </a:r>
                     </a:p>
                   </a:txBody>
@@ -35820,10 +35911,9 @@
                     <a:lstStyle/>
                     <a:p>
                       <a:r>
-                        <a:rPr lang="zh-CN" altLang="en-US"/>
+                        <a:rPr lang="zh-CN" altLang="en-US" dirty="0"/>
                         <a:t>否</a:t>
                       </a:r>
-                      <a:endParaRPr lang="zh-CN" altLang="en-US" dirty="0"/>
                     </a:p>
                   </a:txBody>
                   <a:tcPr/>
@@ -35915,7 +36005,7 @@
           <a:graphicData uri="http://schemas.openxmlformats.org/presentationml/2006/ole">
             <mc:AlternateContent xmlns:mc="http://schemas.openxmlformats.org/markup-compatibility/2006">
               <mc:Choice xmlns:v="urn:schemas-microsoft-com:vml" Requires="v">
-                <p:oleObj spid="_x0000_s441420" name="公式" r:id="rId3" imgW="3873240" imgH="2514600" progId="Equation.3">
+                <p:oleObj spid="_x0000_s441421" name="公式" r:id="rId3" imgW="3873240" imgH="2514600" progId="Equation.3">
                   <p:embed/>
                 </p:oleObj>
               </mc:Choice>
@@ -36046,7 +36136,7 @@
           <a:graphicData uri="http://schemas.openxmlformats.org/presentationml/2006/ole">
             <mc:AlternateContent xmlns:mc="http://schemas.openxmlformats.org/markup-compatibility/2006">
               <mc:Choice xmlns:v="urn:schemas-microsoft-com:vml" Requires="v">
-                <p:oleObj spid="_x0000_s442444" name="公式" r:id="rId3" imgW="3746160" imgH="2336760" progId="Equation.3">
+                <p:oleObj spid="_x0000_s442445" name="公式" r:id="rId3" imgW="3746160" imgH="2336760" progId="Equation.3">
                   <p:embed/>
                 </p:oleObj>
               </mc:Choice>
@@ -37347,7 +37437,7 @@
           <a:graphicData uri="http://schemas.openxmlformats.org/presentationml/2006/ole">
             <mc:AlternateContent xmlns:mc="http://schemas.openxmlformats.org/markup-compatibility/2006">
               <mc:Choice xmlns:v="urn:schemas-microsoft-com:vml" Requires="v">
-                <p:oleObj spid="_x0000_s443468" name="公式" r:id="rId4" imgW="1688760" imgH="914400" progId="Equation.3">
+                <p:oleObj spid="_x0000_s443469" name="公式" r:id="rId4" imgW="1688760" imgH="914400" progId="Equation.3">
                   <p:embed/>
                 </p:oleObj>
               </mc:Choice>
@@ -42398,7 +42488,7 @@
           <a:graphicData uri="http://schemas.openxmlformats.org/presentationml/2006/ole">
             <mc:AlternateContent xmlns:mc="http://schemas.openxmlformats.org/markup-compatibility/2006">
               <mc:Choice xmlns:v="urn:schemas-microsoft-com:vml" Requires="v">
-                <p:oleObj spid="_x0000_s444492" name="公式" r:id="rId3" imgW="3441600" imgH="2133360" progId="Equation.3">
+                <p:oleObj spid="_x0000_s444493" name="公式" r:id="rId3" imgW="3441600" imgH="2133360" progId="Equation.3">
                   <p:embed/>
                 </p:oleObj>
               </mc:Choice>
